--- a/presentation/nonlinearLSTM.pptx
+++ b/presentation/nonlinearLSTM.pptx
@@ -5,42 +5,44 @@
     <p:sldMasterId id="2147483756" r:id="rId4"/>
   </p:sldMasterIdLst>
   <p:notesMasterIdLst>
-    <p:notesMasterId r:id="rId35"/>
+    <p:notesMasterId r:id="rId37"/>
   </p:notesMasterIdLst>
   <p:handoutMasterIdLst>
-    <p:handoutMasterId r:id="rId36"/>
+    <p:handoutMasterId r:id="rId38"/>
   </p:handoutMasterIdLst>
   <p:sldIdLst>
     <p:sldId id="413" r:id="rId5"/>
     <p:sldId id="389" r:id="rId6"/>
     <p:sldId id="418" r:id="rId7"/>
-    <p:sldId id="419" r:id="rId8"/>
-    <p:sldId id="424" r:id="rId9"/>
-    <p:sldId id="421" r:id="rId10"/>
-    <p:sldId id="422" r:id="rId11"/>
-    <p:sldId id="425" r:id="rId12"/>
-    <p:sldId id="426" r:id="rId13"/>
-    <p:sldId id="430" r:id="rId14"/>
-    <p:sldId id="427" r:id="rId15"/>
-    <p:sldId id="428" r:id="rId16"/>
-    <p:sldId id="429" r:id="rId17"/>
-    <p:sldId id="434" r:id="rId18"/>
-    <p:sldId id="431" r:id="rId19"/>
-    <p:sldId id="433" r:id="rId20"/>
-    <p:sldId id="432" r:id="rId21"/>
-    <p:sldId id="440" r:id="rId22"/>
-    <p:sldId id="439" r:id="rId23"/>
-    <p:sldId id="441" r:id="rId24"/>
-    <p:sldId id="442" r:id="rId25"/>
-    <p:sldId id="443" r:id="rId26"/>
-    <p:sldId id="444" r:id="rId27"/>
-    <p:sldId id="435" r:id="rId28"/>
-    <p:sldId id="436" r:id="rId29"/>
-    <p:sldId id="437" r:id="rId30"/>
-    <p:sldId id="438" r:id="rId31"/>
-    <p:sldId id="446" r:id="rId32"/>
-    <p:sldId id="445" r:id="rId33"/>
+    <p:sldId id="448" r:id="rId8"/>
+    <p:sldId id="449" r:id="rId9"/>
+    <p:sldId id="450" r:id="rId10"/>
+    <p:sldId id="447" r:id="rId11"/>
+    <p:sldId id="452" r:id="rId12"/>
+    <p:sldId id="451" r:id="rId13"/>
+    <p:sldId id="454" r:id="rId14"/>
+    <p:sldId id="455" r:id="rId15"/>
+    <p:sldId id="453" r:id="rId16"/>
+    <p:sldId id="457" r:id="rId17"/>
+    <p:sldId id="458" r:id="rId18"/>
+    <p:sldId id="459" r:id="rId19"/>
+    <p:sldId id="461" r:id="rId20"/>
+    <p:sldId id="460" r:id="rId21"/>
+    <p:sldId id="462" r:id="rId22"/>
+    <p:sldId id="463" r:id="rId23"/>
+    <p:sldId id="464" r:id="rId24"/>
+    <p:sldId id="465" r:id="rId25"/>
+    <p:sldId id="466" r:id="rId26"/>
+    <p:sldId id="467" r:id="rId27"/>
+    <p:sldId id="456" r:id="rId28"/>
+    <p:sldId id="469" r:id="rId29"/>
+    <p:sldId id="470" r:id="rId30"/>
+    <p:sldId id="471" r:id="rId31"/>
+    <p:sldId id="468" r:id="rId32"/>
+    <p:sldId id="473" r:id="rId33"/>
     <p:sldId id="412" r:id="rId34"/>
+    <p:sldId id="472" r:id="rId35"/>
+    <p:sldId id="419" r:id="rId36"/>
   </p:sldIdLst>
   <p:sldSz cx="12192000" cy="6858000"/>
   <p:notesSz cx="6858000" cy="9144000"/>
@@ -244,7 +246,7 @@
           <a:p>
             <a:fld id="{C88CE87A-16FF-4C7D-8292-0CB980715C8B}" type="datetimeFigureOut">
               <a:rPr lang="de-DE" smtClean="0"/>
-              <a:t>01.11.2022</a:t>
+              <a:t>11.12.2022</a:t>
             </a:fld>
             <a:endParaRPr lang="de-DE"/>
           </a:p>
@@ -322,7 +324,7 @@
           <a:p>
             <a:fld id="{252F6222-CCA6-4FA7-88E0-B7BAE53645AA}" type="slidenum">
               <a:rPr lang="de-DE" smtClean="0"/>
-              <a:t>‹Nr.›</a:t>
+              <a:t>‹#›</a:t>
             </a:fld>
             <a:endParaRPr lang="de-DE"/>
           </a:p>
@@ -421,7 +423,7 @@
           <a:p>
             <a:fld id="{9DECA62E-2216-4960-A875-4D2633F4A404}" type="datetimeFigureOut">
               <a:rPr lang="de-DE" smtClean="0"/>
-              <a:t>01.11.2022</a:t>
+              <a:t>11.12.2022</a:t>
             </a:fld>
             <a:endParaRPr lang="de-DE"/>
           </a:p>
@@ -579,7 +581,7 @@
           <a:p>
             <a:fld id="{E1F93703-73BA-47D5-8B02-C172375928DA}" type="slidenum">
               <a:rPr lang="de-DE" smtClean="0"/>
-              <a:t>‹Nr.›</a:t>
+              <a:t>‹#›</a:t>
             </a:fld>
             <a:endParaRPr lang="de-DE"/>
           </a:p>
@@ -819,7 +821,7 @@
           <a:p>
             <a:fld id="{B8015DB5-16FE-4380-B5BF-46CD18C131D7}" type="datetime8">
               <a:rPr lang="en-DE" smtClean="0"/>
-              <a:t>11/01/2022 18:33</a:t>
+              <a:t>11/12/2022 13:29</a:t>
             </a:fld>
             <a:endParaRPr lang="de-DE" dirty="0"/>
           </a:p>
@@ -878,7 +880,7 @@
             <a:fld id="{D949F9DF-37BD-4CD6-BF49-65BA579E1D7A}" type="slidenum">
               <a:rPr lang="de-DE" smtClean="0"/>
               <a:pPr/>
-              <a:t>‹Nr.›</a:t>
+              <a:t>‹#›</a:t>
             </a:fld>
             <a:endParaRPr lang="de-DE"/>
           </a:p>
@@ -2298,7 +2300,7 @@
           <a:p>
             <a:fld id="{A2E8877F-2015-4290-957C-06EF82A52242}" type="datetime8">
               <a:rPr lang="en-DE" smtClean="0"/>
-              <a:t>11/01/2022 18:33</a:t>
+              <a:t>11/12/2022 13:29</a:t>
             </a:fld>
             <a:endParaRPr lang="de-DE" dirty="0"/>
           </a:p>
@@ -2378,7 +2380,7 @@
             <a:fld id="{D949F9DF-37BD-4CD6-BF49-65BA579E1D7A}" type="slidenum">
               <a:rPr lang="de-DE" smtClean="0"/>
               <a:pPr/>
-              <a:t>‹Nr.›</a:t>
+              <a:t>‹#›</a:t>
             </a:fld>
             <a:endParaRPr lang="de-DE"/>
           </a:p>
@@ -3976,7 +3978,7 @@
           <a:p>
             <a:fld id="{2E7C052D-61E6-45C2-BA19-CFB3925CB63C}" type="datetime8">
               <a:rPr lang="en-DE" smtClean="0"/>
-              <a:t>11/01/2022 18:33</a:t>
+              <a:t>11/12/2022 13:29</a:t>
             </a:fld>
             <a:endParaRPr lang="de-DE" dirty="0"/>
           </a:p>
@@ -4051,7 +4053,7 @@
             <a:fld id="{D949F9DF-37BD-4CD6-BF49-65BA579E1D7A}" type="slidenum">
               <a:rPr lang="de-DE" smtClean="0"/>
               <a:pPr/>
-              <a:t>‹Nr.›</a:t>
+              <a:t>‹#›</a:t>
             </a:fld>
             <a:endParaRPr lang="de-DE"/>
           </a:p>
@@ -7027,7 +7029,7 @@
           <a:p>
             <a:fld id="{E98A7CA8-B4F8-4103-AA95-845AE462A37A}" type="datetime8">
               <a:rPr lang="en-DE" smtClean="0"/>
-              <a:t>11/01/2022 18:33</a:t>
+              <a:t>11/12/2022 13:29</a:t>
             </a:fld>
             <a:endParaRPr lang="de-DE" dirty="0"/>
           </a:p>
@@ -7122,7 +7124,7 @@
             <a:fld id="{D949F9DF-37BD-4CD6-BF49-65BA579E1D7A}" type="slidenum">
               <a:rPr lang="de-DE" smtClean="0"/>
               <a:pPr/>
-              <a:t>‹Nr.›</a:t>
+              <a:t>‹#›</a:t>
             </a:fld>
             <a:endParaRPr lang="de-DE"/>
           </a:p>
@@ -8922,7 +8924,7 @@
         <p:spPr>
           <a:xfrm>
             <a:off x="520163" y="2956066"/>
-            <a:ext cx="11094384" cy="655821"/>
+            <a:ext cx="8883842" cy="1366784"/>
           </a:xfrm>
         </p:spPr>
         <p:txBody>
@@ -8931,43 +8933,14 @@
           <a:p>
             <a:r>
               <a:rPr lang="en-US" sz="4200" dirty="0"/>
-              <a:t>Modeling</a:t>
+              <a:t>Recurrent Neural Networks (RNN)</a:t>
             </a:r>
-            <a:r>
-              <a:rPr lang="de-DE" sz="4200" dirty="0"/>
-              <a:t> </a:t>
-            </a:r>
-            <a:r>
-              <a:rPr lang="de-DE" sz="4200" dirty="0" err="1"/>
-              <a:t>of</a:t>
-            </a:r>
-            <a:r>
-              <a:rPr lang="de-DE" sz="4200" dirty="0"/>
-              <a:t> </a:t>
-            </a:r>
+            <a:br>
+              <a:rPr lang="en-US" sz="4200" dirty="0"/>
+            </a:br>
             <a:r>
               <a:rPr lang="en-US" sz="4200" dirty="0"/>
-              <a:t>nonlinear</a:t>
-            </a:r>
-            <a:r>
-              <a:rPr lang="de-DE" sz="4200" dirty="0"/>
-              <a:t> </a:t>
-            </a:r>
-            <a:r>
-              <a:rPr lang="de-DE" sz="4200" dirty="0" err="1"/>
-              <a:t>systems</a:t>
-            </a:r>
-            <a:r>
-              <a:rPr lang="de-DE" sz="4200" dirty="0"/>
-              <a:t> </a:t>
-            </a:r>
-            <a:r>
-              <a:rPr lang="en-US" sz="4200" dirty="0"/>
-              <a:t>with</a:t>
-            </a:r>
-            <a:r>
-              <a:rPr lang="de-DE" sz="4200" dirty="0"/>
-              <a:t> LSTMs</a:t>
+              <a:t>for Modeling of Nonlinear Systems</a:t>
             </a:r>
             <a:endParaRPr lang="de-DE" sz="2800" dirty="0"/>
           </a:p>
@@ -9078,7 +9051,7 @@
           <p:cNvPr id="2" name="Date Placeholder 1">
             <a:extLst>
               <a:ext uri="{FF2B5EF4-FFF2-40B4-BE49-F238E27FC236}">
-                <a16:creationId xmlns:a16="http://schemas.microsoft.com/office/drawing/2014/main" id="{7CE98097-7DFA-A9EC-C5A6-703672A87A70}"/>
+                <a16:creationId xmlns:a16="http://schemas.microsoft.com/office/drawing/2014/main" id="{2B8CAAFC-F0E6-F31E-198A-AA24CC49C316}"/>
               </a:ext>
             </a:extLst>
           </p:cNvPr>
@@ -9096,7 +9069,7 @@
           <a:p>
             <a:fld id="{A2E8877F-2015-4290-957C-06EF82A52242}" type="datetime8">
               <a:rPr lang="en-DE" smtClean="0"/>
-              <a:t>11/01/2022 18:33</a:t>
+              <a:t>11/12/2022 16:41</a:t>
             </a:fld>
             <a:endParaRPr lang="de-DE" dirty="0"/>
           </a:p>
@@ -9107,7 +9080,7 @@
           <p:cNvPr id="3" name="Footer Placeholder 2">
             <a:extLst>
               <a:ext uri="{FF2B5EF4-FFF2-40B4-BE49-F238E27FC236}">
-                <a16:creationId xmlns:a16="http://schemas.microsoft.com/office/drawing/2014/main" id="{0912A010-7B30-DF5D-9B62-9B5D612ED2AA}"/>
+                <a16:creationId xmlns:a16="http://schemas.microsoft.com/office/drawing/2014/main" id="{C49146C1-0EFA-7410-35A6-1C2B33E3E160}"/>
               </a:ext>
             </a:extLst>
           </p:cNvPr>
@@ -9136,7 +9109,7 @@
           <p:cNvPr id="4" name="Slide Number Placeholder 3">
             <a:extLst>
               <a:ext uri="{FF2B5EF4-FFF2-40B4-BE49-F238E27FC236}">
-                <a16:creationId xmlns:a16="http://schemas.microsoft.com/office/drawing/2014/main" id="{94BDB470-2F08-2516-4BCE-4DFB8CA7590B}"/>
+                <a16:creationId xmlns:a16="http://schemas.microsoft.com/office/drawing/2014/main" id="{83EEE9A2-09B3-BA3D-B64B-856A8F226637}"/>
               </a:ext>
             </a:extLst>
           </p:cNvPr>
@@ -9166,7 +9139,7 @@
           <p:cNvPr id="5" name="Title 4">
             <a:extLst>
               <a:ext uri="{FF2B5EF4-FFF2-40B4-BE49-F238E27FC236}">
-                <a16:creationId xmlns:a16="http://schemas.microsoft.com/office/drawing/2014/main" id="{1C10ADA7-4CD9-12A4-DB7B-8690F93F25E8}"/>
+                <a16:creationId xmlns:a16="http://schemas.microsoft.com/office/drawing/2014/main" id="{BBB354EA-F495-6050-38E7-B27B0D727096}"/>
               </a:ext>
             </a:extLst>
           </p:cNvPr>
@@ -9184,13 +9157,8 @@
           <a:p>
             <a:r>
               <a:rPr lang="en-US" dirty="0"/>
-              <a:t>Prediction on </a:t>
+              <a:t>Problem description</a:t>
             </a:r>
-            <a:r>
-              <a:rPr lang="en-US" dirty="0" err="1"/>
-              <a:t>Trainingset</a:t>
-            </a:r>
-            <a:endParaRPr lang="en-US" dirty="0"/>
           </a:p>
         </p:txBody>
       </p:sp>
@@ -9199,7 +9167,7 @@
           <p:cNvPr id="6" name="Text Placeholder 5">
             <a:extLst>
               <a:ext uri="{FF2B5EF4-FFF2-40B4-BE49-F238E27FC236}">
-                <a16:creationId xmlns:a16="http://schemas.microsoft.com/office/drawing/2014/main" id="{434C0D1B-4F8E-3D22-7276-8FBA8AD9C259}"/>
+                <a16:creationId xmlns:a16="http://schemas.microsoft.com/office/drawing/2014/main" id="{4761E152-B7EF-00B5-47FF-110705BBE7D4}"/>
               </a:ext>
             </a:extLst>
           </p:cNvPr>
@@ -9216,26 +9184,48 @@
           <a:lstStyle/>
           <a:p>
             <a:r>
-              <a:rPr lang="en-US" dirty="0"/>
-              <a:t>It learns. The prediction (pred) lies on the ground truth (</a:t>
+              <a:rPr lang="en-US" sz="1800" dirty="0">
+                <a:effectLst/>
+                <a:latin typeface="Calibri" panose="020F0502020204030204" pitchFamily="34" charset="0"/>
+                <a:ea typeface="Calibri" panose="020F0502020204030204" pitchFamily="34" charset="0"/>
+                <a:cs typeface="Arial" panose="020B0604020202020204" pitchFamily="34" charset="0"/>
+              </a:rPr>
+              <a:t>Pushing a pendulum</a:t>
             </a:r>
+          </a:p>
+          <a:p>
             <a:r>
-              <a:rPr lang="en-US" dirty="0" err="1"/>
-              <a:t>gt</a:t>
+              <a:rPr lang="en-US" sz="1800" dirty="0">
+                <a:effectLst/>
+                <a:latin typeface="Calibri" panose="020F0502020204030204" pitchFamily="34" charset="0"/>
+                <a:ea typeface="Calibri" panose="020F0502020204030204" pitchFamily="34" charset="0"/>
+                <a:cs typeface="Arial" panose="020B0604020202020204" pitchFamily="34" charset="0"/>
+              </a:rPr>
+              <a:t>Friction from air</a:t>
             </a:r>
-            <a:r>
-              <a:rPr lang="en-US" dirty="0"/>
-              <a:t>) almost the entire time</a:t>
-            </a:r>
+          </a:p>
+          <a:p>
+            <a:endParaRPr lang="en-US" sz="1800" dirty="0">
+              <a:effectLst/>
+              <a:latin typeface="Calibri" panose="020F0502020204030204" pitchFamily="34" charset="0"/>
+              <a:ea typeface="Calibri" panose="020F0502020204030204" pitchFamily="34" charset="0"/>
+              <a:cs typeface="Arial" panose="020B0604020202020204" pitchFamily="34" charset="0"/>
+            </a:endParaRPr>
+          </a:p>
+          <a:p>
+            <a:endParaRPr lang="en-US" dirty="0"/>
+          </a:p>
+          <a:p>
+            <a:endParaRPr lang="en-US" dirty="0"/>
           </a:p>
         </p:txBody>
       </p:sp>
       <p:pic>
         <p:nvPicPr>
-          <p:cNvPr id="8" name="Picture 7" descr="Chart, line chart&#10;&#10;Description automatically generated">
-            <a:extLst>
-              <a:ext uri="{FF2B5EF4-FFF2-40B4-BE49-F238E27FC236}">
-                <a16:creationId xmlns:a16="http://schemas.microsoft.com/office/drawing/2014/main" id="{2B265889-A221-28A9-A50E-675CE0F04796}"/>
+          <p:cNvPr id="9" name="Picture 8">
+            <a:extLst>
+              <a:ext uri="{FF2B5EF4-FFF2-40B4-BE49-F238E27FC236}">
+                <a16:creationId xmlns:a16="http://schemas.microsoft.com/office/drawing/2014/main" id="{EF3C37BE-2A27-F613-4B0F-66DAF0D5217C}"/>
               </a:ext>
             </a:extLst>
           </p:cNvPr>
@@ -9245,21 +9235,15 @@
           <p:nvPr/>
         </p:nvPicPr>
         <p:blipFill>
-          <a:blip r:embed="rId2">
-            <a:extLst>
-              <a:ext uri="{28A0092B-C50C-407E-A947-70E740481C1C}">
-                <a14:useLocalDpi xmlns:a14="http://schemas.microsoft.com/office/drawing/2010/main" val="0"/>
-              </a:ext>
-            </a:extLst>
-          </a:blip>
+          <a:blip r:embed="rId2"/>
           <a:stretch>
             <a:fillRect/>
           </a:stretch>
         </p:blipFill>
         <p:spPr>
           <a:xfrm>
-            <a:off x="724007" y="1824475"/>
-            <a:ext cx="9063318" cy="4602466"/>
+            <a:off x="4577663" y="2148662"/>
+            <a:ext cx="6573167" cy="3419952"/>
           </a:xfrm>
           <a:prstGeom prst="rect">
             <a:avLst/>
@@ -9269,7 +9253,7 @@
     </p:spTree>
     <p:extLst>
       <p:ext uri="{BB962C8B-B14F-4D97-AF65-F5344CB8AC3E}">
-        <p14:creationId xmlns:p14="http://schemas.microsoft.com/office/powerpoint/2010/main" val="2447667629"/>
+        <p14:creationId xmlns:p14="http://schemas.microsoft.com/office/powerpoint/2010/main" val="2629716325"/>
       </p:ext>
     </p:extLst>
   </p:cSld>
@@ -9298,10 +9282,48 @@
       </p:grpSpPr>
       <p:sp>
         <p:nvSpPr>
-          <p:cNvPr id="2" name="Date Placeholder 1">
-            <a:extLst>
-              <a:ext uri="{FF2B5EF4-FFF2-40B4-BE49-F238E27FC236}">
-                <a16:creationId xmlns:a16="http://schemas.microsoft.com/office/drawing/2014/main" id="{B54A8C24-5C08-E502-D09F-2314DE62BFB9}"/>
+          <p:cNvPr id="21" name="Titel 20">
+            <a:extLst>
+              <a:ext uri="{FF2B5EF4-FFF2-40B4-BE49-F238E27FC236}">
+                <a16:creationId xmlns:a16="http://schemas.microsoft.com/office/drawing/2014/main" id="{3018BD05-96D8-43F2-A6AA-CC40E7C32CCE}"/>
+              </a:ext>
+            </a:extLst>
+          </p:cNvPr>
+          <p:cNvSpPr>
+            <a:spLocks noGrp="1"/>
+          </p:cNvSpPr>
+          <p:nvPr>
+            <p:ph type="title"/>
+          </p:nvPr>
+        </p:nvSpPr>
+        <p:spPr>
+          <a:xfrm>
+            <a:off x="518318" y="3152001"/>
+            <a:ext cx="11157743" cy="553998"/>
+          </a:xfrm>
+        </p:spPr>
+        <p:txBody>
+          <a:bodyPr/>
+          <a:lstStyle/>
+          <a:p>
+            <a:r>
+              <a:rPr lang="de-DE" dirty="0"/>
+              <a:t>Dataset </a:t>
+            </a:r>
+            <a:r>
+              <a:rPr lang="de-DE" dirty="0" err="1"/>
+              <a:t>creation</a:t>
+            </a:r>
+            <a:endParaRPr lang="de-DE" dirty="0"/>
+          </a:p>
+        </p:txBody>
+      </p:sp>
+      <p:sp>
+        <p:nvSpPr>
+          <p:cNvPr id="2" name="Datumsplatzhalter 1">
+            <a:extLst>
+              <a:ext uri="{FF2B5EF4-FFF2-40B4-BE49-F238E27FC236}">
+                <a16:creationId xmlns:a16="http://schemas.microsoft.com/office/drawing/2014/main" id="{FE7214E1-5D14-4D0B-BADD-2E239FECEC10}"/>
               </a:ext>
             </a:extLst>
           </p:cNvPr>
@@ -9317,9 +9339,9 @@
           <a:bodyPr/>
           <a:lstStyle/>
           <a:p>
-            <a:fld id="{A2E8877F-2015-4290-957C-06EF82A52242}" type="datetime8">
+            <a:fld id="{C683496F-A479-4189-AF7A-49EC797A60BB}" type="datetime8">
               <a:rPr lang="en-DE" smtClean="0"/>
-              <a:t>11/01/2022 18:33</a:t>
+              <a:t>11/12/2022 16:42</a:t>
             </a:fld>
             <a:endParaRPr lang="de-DE" dirty="0"/>
           </a:p>
@@ -9327,10 +9349,10 @@
       </p:sp>
       <p:sp>
         <p:nvSpPr>
-          <p:cNvPr id="3" name="Footer Placeholder 2">
-            <a:extLst>
-              <a:ext uri="{FF2B5EF4-FFF2-40B4-BE49-F238E27FC236}">
-                <a16:creationId xmlns:a16="http://schemas.microsoft.com/office/drawing/2014/main" id="{52F01FC4-A5DF-4546-7072-731C7BDDF129}"/>
+          <p:cNvPr id="3" name="Fußzeilenplatzhalter 2">
+            <a:extLst>
+              <a:ext uri="{FF2B5EF4-FFF2-40B4-BE49-F238E27FC236}">
+                <a16:creationId xmlns:a16="http://schemas.microsoft.com/office/drawing/2014/main" id="{6A6AD034-0F65-47AF-9CAA-C4B0CEB30D4D}"/>
               </a:ext>
             </a:extLst>
           </p:cNvPr>
@@ -9356,10 +9378,10 @@
       </p:sp>
       <p:sp>
         <p:nvSpPr>
-          <p:cNvPr id="4" name="Slide Number Placeholder 3">
-            <a:extLst>
-              <a:ext uri="{FF2B5EF4-FFF2-40B4-BE49-F238E27FC236}">
-                <a16:creationId xmlns:a16="http://schemas.microsoft.com/office/drawing/2014/main" id="{3413631B-06D6-3213-6F07-266EA8860868}"/>
+          <p:cNvPr id="4" name="Foliennummernplatzhalter 3">
+            <a:extLst>
+              <a:ext uri="{FF2B5EF4-FFF2-40B4-BE49-F238E27FC236}">
+                <a16:creationId xmlns:a16="http://schemas.microsoft.com/office/drawing/2014/main" id="{00F7E098-F740-40F7-A085-7034627D9148}"/>
               </a:ext>
             </a:extLst>
           </p:cNvPr>
@@ -9384,123 +9406,10 @@
           </a:p>
         </p:txBody>
       </p:sp>
-      <p:sp>
-        <p:nvSpPr>
-          <p:cNvPr id="5" name="Title 4">
-            <a:extLst>
-              <a:ext uri="{FF2B5EF4-FFF2-40B4-BE49-F238E27FC236}">
-                <a16:creationId xmlns:a16="http://schemas.microsoft.com/office/drawing/2014/main" id="{8AEF0F2A-9F12-079E-6180-78CBB74A1B5C}"/>
-              </a:ext>
-            </a:extLst>
-          </p:cNvPr>
-          <p:cNvSpPr>
-            <a:spLocks noGrp="1"/>
-          </p:cNvSpPr>
-          <p:nvPr>
-            <p:ph type="title"/>
-          </p:nvPr>
-        </p:nvSpPr>
-        <p:spPr/>
-        <p:txBody>
-          <a:bodyPr/>
-          <a:lstStyle/>
-          <a:p>
-            <a:r>
-              <a:rPr lang="en-US" dirty="0"/>
-              <a:t>Error?</a:t>
-            </a:r>
-          </a:p>
-        </p:txBody>
-      </p:sp>
-      <p:sp>
-        <p:nvSpPr>
-          <p:cNvPr id="6" name="Text Placeholder 5">
-            <a:extLst>
-              <a:ext uri="{FF2B5EF4-FFF2-40B4-BE49-F238E27FC236}">
-                <a16:creationId xmlns:a16="http://schemas.microsoft.com/office/drawing/2014/main" id="{F377B074-E758-F33D-CD09-9C70E2624DCC}"/>
-              </a:ext>
-            </a:extLst>
-          </p:cNvPr>
-          <p:cNvSpPr>
-            <a:spLocks noGrp="1"/>
-          </p:cNvSpPr>
-          <p:nvPr>
-            <p:ph type="body" sz="quarter" idx="17"/>
-          </p:nvPr>
-        </p:nvSpPr>
-        <p:spPr/>
-        <p:txBody>
-          <a:bodyPr/>
-          <a:lstStyle/>
-          <a:p>
-            <a:r>
-              <a:rPr lang="en-US" dirty="0"/>
-              <a:t>Why is there still a large error around the start of the sequence?</a:t>
-            </a:r>
-          </a:p>
-          <a:p>
-            <a:pPr lvl="1"/>
-            <a:r>
-              <a:rPr lang="en-US" dirty="0"/>
-              <a:t>Maybe because it is difficult to learn that the starting condition is given at the first timestep, but not at the later ones.</a:t>
-            </a:r>
-            <a:br>
-              <a:rPr lang="en-US" dirty="0"/>
-            </a:br>
-            <a:r>
-              <a:rPr lang="en-US" dirty="0"/>
-              <a:t>Shouldn’t be the issue in this case, as that input is 0 for the first 300 timesteps, so not different for the first.</a:t>
-            </a:r>
-          </a:p>
-          <a:p>
-            <a:pPr lvl="1"/>
-            <a:r>
-              <a:rPr lang="en-US" dirty="0"/>
-              <a:t>Or longer training necessary; lower learning rates have not converged yet and might find lower minimum (could try reducing learning rate after certain number of epochs as well)</a:t>
-            </a:r>
-          </a:p>
-        </p:txBody>
-      </p:sp>
-      <p:pic>
-        <p:nvPicPr>
-          <p:cNvPr id="8" name="Picture 7" descr="Chart, line chart&#10;&#10;Description automatically generated">
-            <a:extLst>
-              <a:ext uri="{FF2B5EF4-FFF2-40B4-BE49-F238E27FC236}">
-                <a16:creationId xmlns:a16="http://schemas.microsoft.com/office/drawing/2014/main" id="{0E93F255-69BE-F4D6-9592-513B0D980278}"/>
-              </a:ext>
-            </a:extLst>
-          </p:cNvPr>
-          <p:cNvPicPr>
-            <a:picLocks noChangeAspect="1"/>
-          </p:cNvPicPr>
-          <p:nvPr/>
-        </p:nvPicPr>
-        <p:blipFill>
-          <a:blip r:embed="rId2">
-            <a:extLst>
-              <a:ext uri="{28A0092B-C50C-407E-A947-70E740481C1C}">
-                <a14:useLocalDpi xmlns:a14="http://schemas.microsoft.com/office/drawing/2010/main" val="0"/>
-              </a:ext>
-            </a:extLst>
-          </a:blip>
-          <a:stretch>
-            <a:fillRect/>
-          </a:stretch>
-        </p:blipFill>
-        <p:spPr>
-          <a:xfrm>
-            <a:off x="1236046" y="3049027"/>
-            <a:ext cx="4090697" cy="3068023"/>
-          </a:xfrm>
-          <a:prstGeom prst="rect">
-            <a:avLst/>
-          </a:prstGeom>
-        </p:spPr>
-      </p:pic>
     </p:spTree>
     <p:extLst>
       <p:ext uri="{BB962C8B-B14F-4D97-AF65-F5344CB8AC3E}">
-        <p14:creationId xmlns:p14="http://schemas.microsoft.com/office/powerpoint/2010/main" val="2224635491"/>
+        <p14:creationId xmlns:p14="http://schemas.microsoft.com/office/powerpoint/2010/main" val="2405918659"/>
       </p:ext>
     </p:extLst>
   </p:cSld>
@@ -9529,44 +9438,10 @@
       </p:grpSpPr>
       <p:sp>
         <p:nvSpPr>
-          <p:cNvPr id="21" name="Titel 20">
-            <a:extLst>
-              <a:ext uri="{FF2B5EF4-FFF2-40B4-BE49-F238E27FC236}">
-                <a16:creationId xmlns:a16="http://schemas.microsoft.com/office/drawing/2014/main" id="{3018BD05-96D8-43F2-A6AA-CC40E7C32CCE}"/>
-              </a:ext>
-            </a:extLst>
-          </p:cNvPr>
-          <p:cNvSpPr>
-            <a:spLocks noGrp="1"/>
-          </p:cNvSpPr>
-          <p:nvPr>
-            <p:ph type="title"/>
-          </p:nvPr>
-        </p:nvSpPr>
-        <p:spPr>
-          <a:xfrm>
-            <a:off x="518318" y="3152001"/>
-            <a:ext cx="11157743" cy="553998"/>
-          </a:xfrm>
-        </p:spPr>
-        <p:txBody>
-          <a:bodyPr/>
-          <a:lstStyle/>
-          <a:p>
-            <a:r>
-              <a:rPr lang="en-US" dirty="0" err="1"/>
-              <a:t>ToDo</a:t>
-            </a:r>
-            <a:endParaRPr lang="de-DE" dirty="0"/>
-          </a:p>
-        </p:txBody>
-      </p:sp>
-      <p:sp>
-        <p:nvSpPr>
-          <p:cNvPr id="2" name="Datumsplatzhalter 1">
-            <a:extLst>
-              <a:ext uri="{FF2B5EF4-FFF2-40B4-BE49-F238E27FC236}">
-                <a16:creationId xmlns:a16="http://schemas.microsoft.com/office/drawing/2014/main" id="{FE7214E1-5D14-4D0B-BADD-2E239FECEC10}"/>
+          <p:cNvPr id="2" name="Date Placeholder 1">
+            <a:extLst>
+              <a:ext uri="{FF2B5EF4-FFF2-40B4-BE49-F238E27FC236}">
+                <a16:creationId xmlns:a16="http://schemas.microsoft.com/office/drawing/2014/main" id="{2B8CAAFC-F0E6-F31E-198A-AA24CC49C316}"/>
               </a:ext>
             </a:extLst>
           </p:cNvPr>
@@ -9582,9 +9457,9 @@
           <a:bodyPr/>
           <a:lstStyle/>
           <a:p>
-            <a:fld id="{C683496F-A479-4189-AF7A-49EC797A60BB}" type="datetime8">
+            <a:fld id="{A2E8877F-2015-4290-957C-06EF82A52242}" type="datetime8">
               <a:rPr lang="en-DE" smtClean="0"/>
-              <a:t>11/01/2022 18:33</a:t>
+              <a:t>11/12/2022 16:39</a:t>
             </a:fld>
             <a:endParaRPr lang="de-DE" dirty="0"/>
           </a:p>
@@ -9592,10 +9467,10 @@
       </p:sp>
       <p:sp>
         <p:nvSpPr>
-          <p:cNvPr id="3" name="Fußzeilenplatzhalter 2">
-            <a:extLst>
-              <a:ext uri="{FF2B5EF4-FFF2-40B4-BE49-F238E27FC236}">
-                <a16:creationId xmlns:a16="http://schemas.microsoft.com/office/drawing/2014/main" id="{6A6AD034-0F65-47AF-9CAA-C4B0CEB30D4D}"/>
+          <p:cNvPr id="3" name="Footer Placeholder 2">
+            <a:extLst>
+              <a:ext uri="{FF2B5EF4-FFF2-40B4-BE49-F238E27FC236}">
+                <a16:creationId xmlns:a16="http://schemas.microsoft.com/office/drawing/2014/main" id="{C49146C1-0EFA-7410-35A6-1C2B33E3E160}"/>
               </a:ext>
             </a:extLst>
           </p:cNvPr>
@@ -9621,10 +9496,10 @@
       </p:sp>
       <p:sp>
         <p:nvSpPr>
-          <p:cNvPr id="4" name="Foliennummernplatzhalter 3">
-            <a:extLst>
-              <a:ext uri="{FF2B5EF4-FFF2-40B4-BE49-F238E27FC236}">
-                <a16:creationId xmlns:a16="http://schemas.microsoft.com/office/drawing/2014/main" id="{00F7E098-F740-40F7-A085-7034627D9148}"/>
+          <p:cNvPr id="4" name="Slide Number Placeholder 3">
+            <a:extLst>
+              <a:ext uri="{FF2B5EF4-FFF2-40B4-BE49-F238E27FC236}">
+                <a16:creationId xmlns:a16="http://schemas.microsoft.com/office/drawing/2014/main" id="{83EEE9A2-09B3-BA3D-B64B-856A8F226637}"/>
               </a:ext>
             </a:extLst>
           </p:cNvPr>
@@ -9649,10 +9524,115 @@
           </a:p>
         </p:txBody>
       </p:sp>
+      <p:sp>
+        <p:nvSpPr>
+          <p:cNvPr id="5" name="Title 4">
+            <a:extLst>
+              <a:ext uri="{FF2B5EF4-FFF2-40B4-BE49-F238E27FC236}">
+                <a16:creationId xmlns:a16="http://schemas.microsoft.com/office/drawing/2014/main" id="{BBB354EA-F495-6050-38E7-B27B0D727096}"/>
+              </a:ext>
+            </a:extLst>
+          </p:cNvPr>
+          <p:cNvSpPr>
+            <a:spLocks noGrp="1"/>
+          </p:cNvSpPr>
+          <p:nvPr>
+            <p:ph type="title"/>
+          </p:nvPr>
+        </p:nvSpPr>
+        <p:spPr/>
+        <p:txBody>
+          <a:bodyPr/>
+          <a:lstStyle/>
+          <a:p>
+            <a:r>
+              <a:rPr lang="en-US" dirty="0"/>
+              <a:t>Drag simple</a:t>
+            </a:r>
+          </a:p>
+        </p:txBody>
+      </p:sp>
+      <p:sp>
+        <p:nvSpPr>
+          <p:cNvPr id="6" name="Text Placeholder 5">
+            <a:extLst>
+              <a:ext uri="{FF2B5EF4-FFF2-40B4-BE49-F238E27FC236}">
+                <a16:creationId xmlns:a16="http://schemas.microsoft.com/office/drawing/2014/main" id="{4761E152-B7EF-00B5-47FF-110705BBE7D4}"/>
+              </a:ext>
+            </a:extLst>
+          </p:cNvPr>
+          <p:cNvSpPr>
+            <a:spLocks noGrp="1"/>
+          </p:cNvSpPr>
+          <p:nvPr>
+            <p:ph type="body" sz="quarter" idx="17"/>
+          </p:nvPr>
+        </p:nvSpPr>
+        <p:spPr/>
+        <p:txBody>
+          <a:bodyPr/>
+          <a:lstStyle/>
+          <a:p>
+            <a:endParaRPr lang="en-US" dirty="0"/>
+          </a:p>
+          <a:p>
+            <a:endParaRPr lang="en-US" sz="1800" dirty="0">
+              <a:effectLst/>
+              <a:latin typeface="Calibri" panose="020F0502020204030204" pitchFamily="34" charset="0"/>
+              <a:ea typeface="Calibri" panose="020F0502020204030204" pitchFamily="34" charset="0"/>
+              <a:cs typeface="Arial" panose="020B0604020202020204" pitchFamily="34" charset="0"/>
+            </a:endParaRPr>
+          </a:p>
+          <a:p>
+            <a:endParaRPr lang="en-US" sz="1800" dirty="0">
+              <a:effectLst/>
+              <a:latin typeface="Calibri" panose="020F0502020204030204" pitchFamily="34" charset="0"/>
+              <a:ea typeface="Calibri" panose="020F0502020204030204" pitchFamily="34" charset="0"/>
+              <a:cs typeface="Arial" panose="020B0604020202020204" pitchFamily="34" charset="0"/>
+            </a:endParaRPr>
+          </a:p>
+          <a:p>
+            <a:endParaRPr lang="en-US" dirty="0"/>
+          </a:p>
+          <a:p>
+            <a:endParaRPr lang="en-US" dirty="0"/>
+          </a:p>
+        </p:txBody>
+      </p:sp>
+      <p:pic>
+        <p:nvPicPr>
+          <p:cNvPr id="9" name="Picture 8">
+            <a:extLst>
+              <a:ext uri="{FF2B5EF4-FFF2-40B4-BE49-F238E27FC236}">
+                <a16:creationId xmlns:a16="http://schemas.microsoft.com/office/drawing/2014/main" id="{D7F6F74B-1883-F80E-6873-02E5B52F2050}"/>
+              </a:ext>
+            </a:extLst>
+          </p:cNvPr>
+          <p:cNvPicPr>
+            <a:picLocks noChangeAspect="1"/>
+          </p:cNvPicPr>
+          <p:nvPr/>
+        </p:nvPicPr>
+        <p:blipFill>
+          <a:blip r:embed="rId2"/>
+          <a:stretch>
+            <a:fillRect/>
+          </a:stretch>
+        </p:blipFill>
+        <p:spPr>
+          <a:xfrm>
+            <a:off x="3088823" y="1534934"/>
+            <a:ext cx="5718628" cy="4684282"/>
+          </a:xfrm>
+          <a:prstGeom prst="rect">
+            <a:avLst/>
+          </a:prstGeom>
+        </p:spPr>
+      </p:pic>
     </p:spTree>
     <p:extLst>
       <p:ext uri="{BB962C8B-B14F-4D97-AF65-F5344CB8AC3E}">
-        <p14:creationId xmlns:p14="http://schemas.microsoft.com/office/powerpoint/2010/main" val="296636520"/>
+        <p14:creationId xmlns:p14="http://schemas.microsoft.com/office/powerpoint/2010/main" val="2051088159"/>
       </p:ext>
     </p:extLst>
   </p:cSld>
@@ -9684,7 +9664,7 @@
           <p:cNvPr id="2" name="Date Placeholder 1">
             <a:extLst>
               <a:ext uri="{FF2B5EF4-FFF2-40B4-BE49-F238E27FC236}">
-                <a16:creationId xmlns:a16="http://schemas.microsoft.com/office/drawing/2014/main" id="{E653CDC2-E009-3556-5871-43AEB18817C7}"/>
+                <a16:creationId xmlns:a16="http://schemas.microsoft.com/office/drawing/2014/main" id="{2B8CAAFC-F0E6-F31E-198A-AA24CC49C316}"/>
               </a:ext>
             </a:extLst>
           </p:cNvPr>
@@ -9702,7 +9682,7 @@
           <a:p>
             <a:fld id="{A2E8877F-2015-4290-957C-06EF82A52242}" type="datetime8">
               <a:rPr lang="en-DE" smtClean="0"/>
-              <a:t>11/01/2022 18:33</a:t>
+              <a:t>11/12/2022 16:44</a:t>
             </a:fld>
             <a:endParaRPr lang="de-DE" dirty="0"/>
           </a:p>
@@ -9713,7 +9693,7 @@
           <p:cNvPr id="3" name="Footer Placeholder 2">
             <a:extLst>
               <a:ext uri="{FF2B5EF4-FFF2-40B4-BE49-F238E27FC236}">
-                <a16:creationId xmlns:a16="http://schemas.microsoft.com/office/drawing/2014/main" id="{31D70611-B689-F2D3-EC7A-E9C09F116747}"/>
+                <a16:creationId xmlns:a16="http://schemas.microsoft.com/office/drawing/2014/main" id="{C49146C1-0EFA-7410-35A6-1C2B33E3E160}"/>
               </a:ext>
             </a:extLst>
           </p:cNvPr>
@@ -9742,7 +9722,7 @@
           <p:cNvPr id="4" name="Slide Number Placeholder 3">
             <a:extLst>
               <a:ext uri="{FF2B5EF4-FFF2-40B4-BE49-F238E27FC236}">
-                <a16:creationId xmlns:a16="http://schemas.microsoft.com/office/drawing/2014/main" id="{72EF048D-E487-0918-E3D6-70DD63871490}"/>
+                <a16:creationId xmlns:a16="http://schemas.microsoft.com/office/drawing/2014/main" id="{83EEE9A2-09B3-BA3D-B64B-856A8F226637}"/>
               </a:ext>
             </a:extLst>
           </p:cNvPr>
@@ -9772,7 +9752,7 @@
           <p:cNvPr id="5" name="Title 4">
             <a:extLst>
               <a:ext uri="{FF2B5EF4-FFF2-40B4-BE49-F238E27FC236}">
-                <a16:creationId xmlns:a16="http://schemas.microsoft.com/office/drawing/2014/main" id="{45EE9607-A6C6-D200-B84D-465F5AABC4F5}"/>
+                <a16:creationId xmlns:a16="http://schemas.microsoft.com/office/drawing/2014/main" id="{BBB354EA-F495-6050-38E7-B27B0D727096}"/>
               </a:ext>
             </a:extLst>
           </p:cNvPr>
@@ -9789,10 +9769,9 @@
           <a:lstStyle/>
           <a:p>
             <a:r>
-              <a:rPr lang="en-US" dirty="0" err="1"/>
-              <a:t>ToDo</a:t>
+              <a:rPr lang="en-US" dirty="0"/>
+              <a:t>Drag complex</a:t>
             </a:r>
-            <a:endParaRPr lang="en-US" dirty="0"/>
           </a:p>
         </p:txBody>
       </p:sp>
@@ -9801,7 +9780,7 @@
           <p:cNvPr id="6" name="Text Placeholder 5">
             <a:extLst>
               <a:ext uri="{FF2B5EF4-FFF2-40B4-BE49-F238E27FC236}">
-                <a16:creationId xmlns:a16="http://schemas.microsoft.com/office/drawing/2014/main" id="{680BC9F9-2757-24C5-308C-2149987995FC}"/>
+                <a16:creationId xmlns:a16="http://schemas.microsoft.com/office/drawing/2014/main" id="{4761E152-B7EF-00B5-47FF-110705BBE7D4}"/>
               </a:ext>
             </a:extLst>
           </p:cNvPr>
@@ -9817,59 +9796,66 @@
           <a:bodyPr/>
           <a:lstStyle/>
           <a:p>
-            <a:r>
-              <a:rPr lang="en-US" dirty="0"/>
-              <a:t>Normalize! Probably doesn’t hurt.</a:t>
-            </a:r>
-          </a:p>
-          <a:p>
-            <a:r>
-              <a:rPr lang="en-US" dirty="0"/>
-              <a:t>Evaluate on new data!</a:t>
-            </a:r>
-          </a:p>
-          <a:p>
-            <a:pPr lvl="1"/>
-            <a:r>
-              <a:rPr lang="en-US" dirty="0"/>
-              <a:t>Need more similar data samples, variety of steps.</a:t>
-            </a:r>
-          </a:p>
-          <a:p>
-            <a:pPr lvl="1"/>
-            <a:r>
-              <a:rPr lang="en-US" dirty="0"/>
-              <a:t>Train again on </a:t>
-            </a:r>
-            <a:r>
-              <a:rPr lang="en-US" b="1" dirty="0"/>
-              <a:t>now multiple </a:t>
-            </a:r>
-            <a:r>
-              <a:rPr lang="en-US" dirty="0"/>
-              <a:t>different training samples</a:t>
-            </a:r>
-          </a:p>
-          <a:p>
-            <a:pPr lvl="1"/>
-            <a:r>
-              <a:rPr lang="en-US" dirty="0"/>
-              <a:t>Evaluate on the training data again, to make sure it can learn one sample of the multiple training samples well.</a:t>
-            </a:r>
-          </a:p>
-          <a:p>
-            <a:pPr lvl="1"/>
-            <a:r>
-              <a:rPr lang="en-US" dirty="0"/>
-              <a:t>Then evaluate on new data!</a:t>
-            </a:r>
+            <a:endParaRPr lang="en-US" dirty="0"/>
+          </a:p>
+          <a:p>
+            <a:endParaRPr lang="en-US" sz="1800" dirty="0">
+              <a:effectLst/>
+              <a:latin typeface="Calibri" panose="020F0502020204030204" pitchFamily="34" charset="0"/>
+              <a:ea typeface="Calibri" panose="020F0502020204030204" pitchFamily="34" charset="0"/>
+              <a:cs typeface="Arial" panose="020B0604020202020204" pitchFamily="34" charset="0"/>
+            </a:endParaRPr>
+          </a:p>
+          <a:p>
+            <a:endParaRPr lang="en-US" sz="1800" dirty="0">
+              <a:effectLst/>
+              <a:latin typeface="Calibri" panose="020F0502020204030204" pitchFamily="34" charset="0"/>
+              <a:ea typeface="Calibri" panose="020F0502020204030204" pitchFamily="34" charset="0"/>
+              <a:cs typeface="Arial" panose="020B0604020202020204" pitchFamily="34" charset="0"/>
+            </a:endParaRPr>
+          </a:p>
+          <a:p>
+            <a:endParaRPr lang="en-US" dirty="0"/>
+          </a:p>
+          <a:p>
+            <a:endParaRPr lang="en-US" dirty="0"/>
           </a:p>
         </p:txBody>
       </p:sp>
+      <p:pic>
+        <p:nvPicPr>
+          <p:cNvPr id="8" name="Picture 7">
+            <a:extLst>
+              <a:ext uri="{FF2B5EF4-FFF2-40B4-BE49-F238E27FC236}">
+                <a16:creationId xmlns:a16="http://schemas.microsoft.com/office/drawing/2014/main" id="{3CC9555A-A0C1-4F74-F94A-7E6BFDC9AD07}"/>
+              </a:ext>
+            </a:extLst>
+          </p:cNvPr>
+          <p:cNvPicPr>
+            <a:picLocks noChangeAspect="1"/>
+          </p:cNvPicPr>
+          <p:nvPr/>
+        </p:nvPicPr>
+        <p:blipFill>
+          <a:blip r:embed="rId2"/>
+          <a:stretch>
+            <a:fillRect/>
+          </a:stretch>
+        </p:blipFill>
+        <p:spPr>
+          <a:xfrm>
+            <a:off x="2401799" y="1274767"/>
+            <a:ext cx="6821714" cy="5167742"/>
+          </a:xfrm>
+          <a:prstGeom prst="rect">
+            <a:avLst/>
+          </a:prstGeom>
+        </p:spPr>
+      </p:pic>
     </p:spTree>
     <p:extLst>
       <p:ext uri="{BB962C8B-B14F-4D97-AF65-F5344CB8AC3E}">
-        <p14:creationId xmlns:p14="http://schemas.microsoft.com/office/powerpoint/2010/main" val="3682090299"/>
+        <p14:creationId xmlns:p14="http://schemas.microsoft.com/office/powerpoint/2010/main" val="3623868801"/>
       </p:ext>
     </p:extLst>
   </p:cSld>
@@ -9901,7 +9887,7 @@
           <p:cNvPr id="2" name="Date Placeholder 1">
             <a:extLst>
               <a:ext uri="{FF2B5EF4-FFF2-40B4-BE49-F238E27FC236}">
-                <a16:creationId xmlns:a16="http://schemas.microsoft.com/office/drawing/2014/main" id="{E653CDC2-E009-3556-5871-43AEB18817C7}"/>
+                <a16:creationId xmlns:a16="http://schemas.microsoft.com/office/drawing/2014/main" id="{2B8CAAFC-F0E6-F31E-198A-AA24CC49C316}"/>
               </a:ext>
             </a:extLst>
           </p:cNvPr>
@@ -9919,7 +9905,7 @@
           <a:p>
             <a:fld id="{A2E8877F-2015-4290-957C-06EF82A52242}" type="datetime8">
               <a:rPr lang="en-DE" smtClean="0"/>
-              <a:t>11/01/2022 18:33</a:t>
+              <a:t>11/12/2022 16:45</a:t>
             </a:fld>
             <a:endParaRPr lang="de-DE" dirty="0"/>
           </a:p>
@@ -9930,7 +9916,7 @@
           <p:cNvPr id="3" name="Footer Placeholder 2">
             <a:extLst>
               <a:ext uri="{FF2B5EF4-FFF2-40B4-BE49-F238E27FC236}">
-                <a16:creationId xmlns:a16="http://schemas.microsoft.com/office/drawing/2014/main" id="{31D70611-B689-F2D3-EC7A-E9C09F116747}"/>
+                <a16:creationId xmlns:a16="http://schemas.microsoft.com/office/drawing/2014/main" id="{C49146C1-0EFA-7410-35A6-1C2B33E3E160}"/>
               </a:ext>
             </a:extLst>
           </p:cNvPr>
@@ -9959,7 +9945,7 @@
           <p:cNvPr id="4" name="Slide Number Placeholder 3">
             <a:extLst>
               <a:ext uri="{FF2B5EF4-FFF2-40B4-BE49-F238E27FC236}">
-                <a16:creationId xmlns:a16="http://schemas.microsoft.com/office/drawing/2014/main" id="{72EF048D-E487-0918-E3D6-70DD63871490}"/>
+                <a16:creationId xmlns:a16="http://schemas.microsoft.com/office/drawing/2014/main" id="{83EEE9A2-09B3-BA3D-B64B-856A8F226637}"/>
               </a:ext>
             </a:extLst>
           </p:cNvPr>
@@ -9989,7 +9975,7 @@
           <p:cNvPr id="5" name="Title 4">
             <a:extLst>
               <a:ext uri="{FF2B5EF4-FFF2-40B4-BE49-F238E27FC236}">
-                <a16:creationId xmlns:a16="http://schemas.microsoft.com/office/drawing/2014/main" id="{45EE9607-A6C6-D200-B84D-465F5AABC4F5}"/>
+                <a16:creationId xmlns:a16="http://schemas.microsoft.com/office/drawing/2014/main" id="{BBB354EA-F495-6050-38E7-B27B0D727096}"/>
               </a:ext>
             </a:extLst>
           </p:cNvPr>
@@ -10007,7 +9993,7 @@
           <a:p>
             <a:r>
               <a:rPr lang="en-US" dirty="0"/>
-              <a:t>Pendulum</a:t>
+              <a:t>Pendulum simple</a:t>
             </a:r>
           </a:p>
         </p:txBody>
@@ -10017,7 +10003,7 @@
           <p:cNvPr id="6" name="Text Placeholder 5">
             <a:extLst>
               <a:ext uri="{FF2B5EF4-FFF2-40B4-BE49-F238E27FC236}">
-                <a16:creationId xmlns:a16="http://schemas.microsoft.com/office/drawing/2014/main" id="{680BC9F9-2757-24C5-308C-2149987995FC}"/>
+                <a16:creationId xmlns:a16="http://schemas.microsoft.com/office/drawing/2014/main" id="{4761E152-B7EF-00B5-47FF-110705BBE7D4}"/>
               </a:ext>
             </a:extLst>
           </p:cNvPr>
@@ -10033,75 +10019,96 @@
           <a:bodyPr/>
           <a:lstStyle/>
           <a:p>
-            <a:r>
-              <a:rPr lang="en-US" dirty="0"/>
-              <a:t>First Pendulum</a:t>
-            </a:r>
-          </a:p>
-          <a:p>
-            <a:r>
-              <a:rPr lang="en-US" dirty="0"/>
-              <a:t>Evaluate on new data!</a:t>
-            </a:r>
-          </a:p>
-          <a:p>
-            <a:pPr lvl="1"/>
-            <a:r>
-              <a:rPr lang="en-US" dirty="0"/>
-              <a:t>Need more similar data samples, variety of steps. </a:t>
-            </a:r>
-            <a:r>
-              <a:rPr lang="en-US" dirty="0">
-                <a:sym typeface="Wingdings" panose="05000000000000000000" pitchFamily="2" charset="2"/>
-              </a:rPr>
-              <a:t> Different starting conditions between -2 and 2, 100 different series</a:t>
-            </a:r>
-          </a:p>
-          <a:p>
-            <a:pPr lvl="1"/>
-            <a:r>
-              <a:rPr lang="en-US" dirty="0">
-                <a:sym typeface="Wingdings" panose="05000000000000000000" pitchFamily="2" charset="2"/>
-              </a:rPr>
-              <a:t>Normalization not necessary, variables have similar ranges</a:t>
-            </a:r>
             <a:endParaRPr lang="en-US" dirty="0"/>
           </a:p>
           <a:p>
-            <a:pPr lvl="1"/>
-            <a:r>
-              <a:rPr lang="en-US" dirty="0"/>
-              <a:t>Train again on </a:t>
-            </a:r>
-            <a:r>
-              <a:rPr lang="en-US" b="1" dirty="0"/>
-              <a:t>now multiple </a:t>
-            </a:r>
-            <a:r>
-              <a:rPr lang="en-US" dirty="0"/>
-              <a:t>different training samples</a:t>
-            </a:r>
-          </a:p>
-          <a:p>
-            <a:pPr lvl="1"/>
-            <a:r>
-              <a:rPr lang="en-US" dirty="0"/>
-              <a:t>Evaluate on the training data again, to make sure it can learn one sample of the multiple training samples well.</a:t>
-            </a:r>
-          </a:p>
-          <a:p>
-            <a:pPr lvl="1"/>
-            <a:r>
-              <a:rPr lang="en-US" dirty="0"/>
-              <a:t>Then evaluate on new data!</a:t>
-            </a:r>
+            <a:endParaRPr lang="en-US" sz="1800" dirty="0">
+              <a:effectLst/>
+              <a:latin typeface="Calibri" panose="020F0502020204030204" pitchFamily="34" charset="0"/>
+              <a:ea typeface="Calibri" panose="020F0502020204030204" pitchFamily="34" charset="0"/>
+              <a:cs typeface="Arial" panose="020B0604020202020204" pitchFamily="34" charset="0"/>
+            </a:endParaRPr>
+          </a:p>
+          <a:p>
+            <a:endParaRPr lang="en-US" sz="1800" dirty="0">
+              <a:effectLst/>
+              <a:latin typeface="Calibri" panose="020F0502020204030204" pitchFamily="34" charset="0"/>
+              <a:ea typeface="Calibri" panose="020F0502020204030204" pitchFamily="34" charset="0"/>
+              <a:cs typeface="Arial" panose="020B0604020202020204" pitchFamily="34" charset="0"/>
+            </a:endParaRPr>
+          </a:p>
+          <a:p>
+            <a:endParaRPr lang="en-US" dirty="0"/>
+          </a:p>
+          <a:p>
+            <a:endParaRPr lang="en-US" dirty="0"/>
           </a:p>
         </p:txBody>
       </p:sp>
+      <p:pic>
+        <p:nvPicPr>
+          <p:cNvPr id="8" name="Picture 7">
+            <a:extLst>
+              <a:ext uri="{FF2B5EF4-FFF2-40B4-BE49-F238E27FC236}">
+                <a16:creationId xmlns:a16="http://schemas.microsoft.com/office/drawing/2014/main" id="{2090A23B-C24A-4E01-79B0-F009C9A3820B}"/>
+              </a:ext>
+            </a:extLst>
+          </p:cNvPr>
+          <p:cNvPicPr>
+            <a:picLocks noChangeAspect="1"/>
+          </p:cNvPicPr>
+          <p:nvPr/>
+        </p:nvPicPr>
+        <p:blipFill>
+          <a:blip r:embed="rId2"/>
+          <a:stretch>
+            <a:fillRect/>
+          </a:stretch>
+        </p:blipFill>
+        <p:spPr>
+          <a:xfrm>
+            <a:off x="518318" y="1711850"/>
+            <a:ext cx="5422902" cy="4293576"/>
+          </a:xfrm>
+          <a:prstGeom prst="rect">
+            <a:avLst/>
+          </a:prstGeom>
+        </p:spPr>
+      </p:pic>
+      <p:pic>
+        <p:nvPicPr>
+          <p:cNvPr id="11" name="Picture 10">
+            <a:extLst>
+              <a:ext uri="{FF2B5EF4-FFF2-40B4-BE49-F238E27FC236}">
+                <a16:creationId xmlns:a16="http://schemas.microsoft.com/office/drawing/2014/main" id="{805CEF22-34D1-BB08-E1B5-DA8D78E2166A}"/>
+              </a:ext>
+            </a:extLst>
+          </p:cNvPr>
+          <p:cNvPicPr>
+            <a:picLocks noChangeAspect="1"/>
+          </p:cNvPicPr>
+          <p:nvPr/>
+        </p:nvPicPr>
+        <p:blipFill>
+          <a:blip r:embed="rId3"/>
+          <a:stretch>
+            <a:fillRect/>
+          </a:stretch>
+        </p:blipFill>
+        <p:spPr>
+          <a:xfrm>
+            <a:off x="6119210" y="1674294"/>
+            <a:ext cx="5422902" cy="4387342"/>
+          </a:xfrm>
+          <a:prstGeom prst="rect">
+            <a:avLst/>
+          </a:prstGeom>
+        </p:spPr>
+      </p:pic>
     </p:spTree>
     <p:extLst>
       <p:ext uri="{BB962C8B-B14F-4D97-AF65-F5344CB8AC3E}">
-        <p14:creationId xmlns:p14="http://schemas.microsoft.com/office/powerpoint/2010/main" val="3939193098"/>
+        <p14:creationId xmlns:p14="http://schemas.microsoft.com/office/powerpoint/2010/main" val="1522733866"/>
       </p:ext>
     </p:extLst>
   </p:cSld>
@@ -10130,10 +10137,10 @@
       </p:grpSpPr>
       <p:sp>
         <p:nvSpPr>
-          <p:cNvPr id="2" name="Datumsplatzhalter 1">
-            <a:extLst>
-              <a:ext uri="{FF2B5EF4-FFF2-40B4-BE49-F238E27FC236}">
-                <a16:creationId xmlns:a16="http://schemas.microsoft.com/office/drawing/2014/main" id="{B446B528-9123-B86E-03BB-CC1AFE33FB8E}"/>
+          <p:cNvPr id="2" name="Date Placeholder 1">
+            <a:extLst>
+              <a:ext uri="{FF2B5EF4-FFF2-40B4-BE49-F238E27FC236}">
+                <a16:creationId xmlns:a16="http://schemas.microsoft.com/office/drawing/2014/main" id="{2B8CAAFC-F0E6-F31E-198A-AA24CC49C316}"/>
               </a:ext>
             </a:extLst>
           </p:cNvPr>
@@ -10151,7 +10158,7 @@
           <a:p>
             <a:fld id="{A2E8877F-2015-4290-957C-06EF82A52242}" type="datetime8">
               <a:rPr lang="en-DE" smtClean="0"/>
-              <a:t>11/01/2022 18:33</a:t>
+              <a:t>11/12/2022 16:45</a:t>
             </a:fld>
             <a:endParaRPr lang="de-DE" dirty="0"/>
           </a:p>
@@ -10159,10 +10166,10 @@
       </p:sp>
       <p:sp>
         <p:nvSpPr>
-          <p:cNvPr id="3" name="Fußzeilenplatzhalter 2">
-            <a:extLst>
-              <a:ext uri="{FF2B5EF4-FFF2-40B4-BE49-F238E27FC236}">
-                <a16:creationId xmlns:a16="http://schemas.microsoft.com/office/drawing/2014/main" id="{9039D9D2-CC83-71B3-9FD1-8EE930EC3D74}"/>
+          <p:cNvPr id="3" name="Footer Placeholder 2">
+            <a:extLst>
+              <a:ext uri="{FF2B5EF4-FFF2-40B4-BE49-F238E27FC236}">
+                <a16:creationId xmlns:a16="http://schemas.microsoft.com/office/drawing/2014/main" id="{C49146C1-0EFA-7410-35A6-1C2B33E3E160}"/>
               </a:ext>
             </a:extLst>
           </p:cNvPr>
@@ -10188,10 +10195,10 @@
       </p:sp>
       <p:sp>
         <p:nvSpPr>
-          <p:cNvPr id="4" name="Foliennummernplatzhalter 3">
-            <a:extLst>
-              <a:ext uri="{FF2B5EF4-FFF2-40B4-BE49-F238E27FC236}">
-                <a16:creationId xmlns:a16="http://schemas.microsoft.com/office/drawing/2014/main" id="{6799EE1F-7DA2-681B-18DD-284EC80CE7C1}"/>
+          <p:cNvPr id="4" name="Slide Number Placeholder 3">
+            <a:extLst>
+              <a:ext uri="{FF2B5EF4-FFF2-40B4-BE49-F238E27FC236}">
+                <a16:creationId xmlns:a16="http://schemas.microsoft.com/office/drawing/2014/main" id="{83EEE9A2-09B3-BA3D-B64B-856A8F226637}"/>
               </a:ext>
             </a:extLst>
           </p:cNvPr>
@@ -10218,10 +10225,10 @@
       </p:sp>
       <p:sp>
         <p:nvSpPr>
-          <p:cNvPr id="5" name="Titel 4">
-            <a:extLst>
-              <a:ext uri="{FF2B5EF4-FFF2-40B4-BE49-F238E27FC236}">
-                <a16:creationId xmlns:a16="http://schemas.microsoft.com/office/drawing/2014/main" id="{1E6B2A5D-4314-E0F4-B6A1-769A8DB4F7C3}"/>
+          <p:cNvPr id="5" name="Title 4">
+            <a:extLst>
+              <a:ext uri="{FF2B5EF4-FFF2-40B4-BE49-F238E27FC236}">
+                <a16:creationId xmlns:a16="http://schemas.microsoft.com/office/drawing/2014/main" id="{BBB354EA-F495-6050-38E7-B27B0D727096}"/>
               </a:ext>
             </a:extLst>
           </p:cNvPr>
@@ -10239,17 +10246,17 @@
           <a:p>
             <a:r>
               <a:rPr lang="en-US" dirty="0"/>
-              <a:t>Pendulum – Multiple Samples</a:t>
+              <a:t>Pendulum complex</a:t>
             </a:r>
           </a:p>
         </p:txBody>
       </p:sp>
       <p:sp>
         <p:nvSpPr>
-          <p:cNvPr id="6" name="Textplatzhalter 5">
-            <a:extLst>
-              <a:ext uri="{FF2B5EF4-FFF2-40B4-BE49-F238E27FC236}">
-                <a16:creationId xmlns:a16="http://schemas.microsoft.com/office/drawing/2014/main" id="{202B2346-17ED-3E6E-A606-65763BDC6E02}"/>
+          <p:cNvPr id="6" name="Text Placeholder 5">
+            <a:extLst>
+              <a:ext uri="{FF2B5EF4-FFF2-40B4-BE49-F238E27FC236}">
+                <a16:creationId xmlns:a16="http://schemas.microsoft.com/office/drawing/2014/main" id="{4761E152-B7EF-00B5-47FF-110705BBE7D4}"/>
               </a:ext>
             </a:extLst>
           </p:cNvPr>
@@ -10265,24 +10272,38 @@
           <a:bodyPr/>
           <a:lstStyle/>
           <a:p>
-            <a:r>
-              <a:rPr lang="en-US" dirty="0"/>
-              <a:t>Prediction on </a:t>
-            </a:r>
-            <a:r>
-              <a:rPr lang="en-US" dirty="0" err="1"/>
-              <a:t>Trainingset</a:t>
-            </a:r>
+            <a:endParaRPr lang="en-US" dirty="0"/>
+          </a:p>
+          <a:p>
+            <a:endParaRPr lang="en-US" sz="1800" dirty="0">
+              <a:effectLst/>
+              <a:latin typeface="Calibri" panose="020F0502020204030204" pitchFamily="34" charset="0"/>
+              <a:ea typeface="Calibri" panose="020F0502020204030204" pitchFamily="34" charset="0"/>
+              <a:cs typeface="Arial" panose="020B0604020202020204" pitchFamily="34" charset="0"/>
+            </a:endParaRPr>
+          </a:p>
+          <a:p>
+            <a:endParaRPr lang="en-US" sz="1800" dirty="0">
+              <a:effectLst/>
+              <a:latin typeface="Calibri" panose="020F0502020204030204" pitchFamily="34" charset="0"/>
+              <a:ea typeface="Calibri" panose="020F0502020204030204" pitchFamily="34" charset="0"/>
+              <a:cs typeface="Arial" panose="020B0604020202020204" pitchFamily="34" charset="0"/>
+            </a:endParaRPr>
+          </a:p>
+          <a:p>
+            <a:endParaRPr lang="en-US" dirty="0"/>
+          </a:p>
+          <a:p>
             <a:endParaRPr lang="en-US" dirty="0"/>
           </a:p>
         </p:txBody>
       </p:sp>
       <p:pic>
         <p:nvPicPr>
-          <p:cNvPr id="8" name="Grafik 7">
-            <a:extLst>
-              <a:ext uri="{FF2B5EF4-FFF2-40B4-BE49-F238E27FC236}">
-                <a16:creationId xmlns:a16="http://schemas.microsoft.com/office/drawing/2014/main" id="{41C2722B-06E4-7722-E423-C82D0EAD8AD0}"/>
+          <p:cNvPr id="9" name="Picture 8">
+            <a:extLst>
+              <a:ext uri="{FF2B5EF4-FFF2-40B4-BE49-F238E27FC236}">
+                <a16:creationId xmlns:a16="http://schemas.microsoft.com/office/drawing/2014/main" id="{F7CE517B-52F1-F7D1-58EA-67647A11BBFB}"/>
               </a:ext>
             </a:extLst>
           </p:cNvPr>
@@ -10292,21 +10313,45 @@
           <p:nvPr/>
         </p:nvPicPr>
         <p:blipFill>
-          <a:blip r:embed="rId2">
-            <a:extLst>
-              <a:ext uri="{28A0092B-C50C-407E-A947-70E740481C1C}">
-                <a14:useLocalDpi xmlns:a14="http://schemas.microsoft.com/office/drawing/2010/main" val="0"/>
-              </a:ext>
-            </a:extLst>
-          </a:blip>
+          <a:blip r:embed="rId2"/>
           <a:stretch>
             <a:fillRect/>
           </a:stretch>
         </p:blipFill>
         <p:spPr>
           <a:xfrm>
-            <a:off x="3860438" y="1323537"/>
-            <a:ext cx="6746069" cy="5059551"/>
+            <a:off x="314739" y="1498060"/>
+            <a:ext cx="5810194" cy="4721156"/>
+          </a:xfrm>
+          <a:prstGeom prst="rect">
+            <a:avLst/>
+          </a:prstGeom>
+        </p:spPr>
+      </p:pic>
+      <p:pic>
+        <p:nvPicPr>
+          <p:cNvPr id="11" name="Picture 10">
+            <a:extLst>
+              <a:ext uri="{FF2B5EF4-FFF2-40B4-BE49-F238E27FC236}">
+                <a16:creationId xmlns:a16="http://schemas.microsoft.com/office/drawing/2014/main" id="{BBF1442B-B2F0-A283-579A-D83E89834A38}"/>
+              </a:ext>
+            </a:extLst>
+          </p:cNvPr>
+          <p:cNvPicPr>
+            <a:picLocks noChangeAspect="1"/>
+          </p:cNvPicPr>
+          <p:nvPr/>
+        </p:nvPicPr>
+        <p:blipFill>
+          <a:blip r:embed="rId3"/>
+          <a:stretch>
+            <a:fillRect/>
+          </a:stretch>
+        </p:blipFill>
+        <p:spPr>
+          <a:xfrm>
+            <a:off x="5902354" y="1498060"/>
+            <a:ext cx="5810194" cy="4561817"/>
           </a:xfrm>
           <a:prstGeom prst="rect">
             <a:avLst/>
@@ -10316,7 +10361,7 @@
     </p:spTree>
     <p:extLst>
       <p:ext uri="{BB962C8B-B14F-4D97-AF65-F5344CB8AC3E}">
-        <p14:creationId xmlns:p14="http://schemas.microsoft.com/office/powerpoint/2010/main" val="2123225334"/>
+        <p14:creationId xmlns:p14="http://schemas.microsoft.com/office/powerpoint/2010/main" val="2122804780"/>
       </p:ext>
     </p:extLst>
   </p:cSld>
@@ -10345,10 +10390,10 @@
       </p:grpSpPr>
       <p:sp>
         <p:nvSpPr>
-          <p:cNvPr id="2" name="Datumsplatzhalter 1">
-            <a:extLst>
-              <a:ext uri="{FF2B5EF4-FFF2-40B4-BE49-F238E27FC236}">
-                <a16:creationId xmlns:a16="http://schemas.microsoft.com/office/drawing/2014/main" id="{B446B528-9123-B86E-03BB-CC1AFE33FB8E}"/>
+          <p:cNvPr id="2" name="Date Placeholder 1">
+            <a:extLst>
+              <a:ext uri="{FF2B5EF4-FFF2-40B4-BE49-F238E27FC236}">
+                <a16:creationId xmlns:a16="http://schemas.microsoft.com/office/drawing/2014/main" id="{2B8CAAFC-F0E6-F31E-198A-AA24CC49C316}"/>
               </a:ext>
             </a:extLst>
           </p:cNvPr>
@@ -10366,7 +10411,7 @@
           <a:p>
             <a:fld id="{A2E8877F-2015-4290-957C-06EF82A52242}" type="datetime8">
               <a:rPr lang="en-DE" smtClean="0"/>
-              <a:t>11/01/2022 18:33</a:t>
+              <a:t>11/12/2022 16:49</a:t>
             </a:fld>
             <a:endParaRPr lang="de-DE" dirty="0"/>
           </a:p>
@@ -10374,10 +10419,10 @@
       </p:sp>
       <p:sp>
         <p:nvSpPr>
-          <p:cNvPr id="3" name="Fußzeilenplatzhalter 2">
-            <a:extLst>
-              <a:ext uri="{FF2B5EF4-FFF2-40B4-BE49-F238E27FC236}">
-                <a16:creationId xmlns:a16="http://schemas.microsoft.com/office/drawing/2014/main" id="{9039D9D2-CC83-71B3-9FD1-8EE930EC3D74}"/>
+          <p:cNvPr id="3" name="Footer Placeholder 2">
+            <a:extLst>
+              <a:ext uri="{FF2B5EF4-FFF2-40B4-BE49-F238E27FC236}">
+                <a16:creationId xmlns:a16="http://schemas.microsoft.com/office/drawing/2014/main" id="{C49146C1-0EFA-7410-35A6-1C2B33E3E160}"/>
               </a:ext>
             </a:extLst>
           </p:cNvPr>
@@ -10403,10 +10448,10 @@
       </p:sp>
       <p:sp>
         <p:nvSpPr>
-          <p:cNvPr id="4" name="Foliennummernplatzhalter 3">
-            <a:extLst>
-              <a:ext uri="{FF2B5EF4-FFF2-40B4-BE49-F238E27FC236}">
-                <a16:creationId xmlns:a16="http://schemas.microsoft.com/office/drawing/2014/main" id="{6799EE1F-7DA2-681B-18DD-284EC80CE7C1}"/>
+          <p:cNvPr id="4" name="Slide Number Placeholder 3">
+            <a:extLst>
+              <a:ext uri="{FF2B5EF4-FFF2-40B4-BE49-F238E27FC236}">
+                <a16:creationId xmlns:a16="http://schemas.microsoft.com/office/drawing/2014/main" id="{83EEE9A2-09B3-BA3D-B64B-856A8F226637}"/>
               </a:ext>
             </a:extLst>
           </p:cNvPr>
@@ -10433,10 +10478,10 @@
       </p:sp>
       <p:sp>
         <p:nvSpPr>
-          <p:cNvPr id="5" name="Titel 4">
-            <a:extLst>
-              <a:ext uri="{FF2B5EF4-FFF2-40B4-BE49-F238E27FC236}">
-                <a16:creationId xmlns:a16="http://schemas.microsoft.com/office/drawing/2014/main" id="{1E6B2A5D-4314-E0F4-B6A1-769A8DB4F7C3}"/>
+          <p:cNvPr id="5" name="Title 4">
+            <a:extLst>
+              <a:ext uri="{FF2B5EF4-FFF2-40B4-BE49-F238E27FC236}">
+                <a16:creationId xmlns:a16="http://schemas.microsoft.com/office/drawing/2014/main" id="{BBB354EA-F495-6050-38E7-B27B0D727096}"/>
               </a:ext>
             </a:extLst>
           </p:cNvPr>
@@ -10454,17 +10499,17 @@
           <a:p>
             <a:r>
               <a:rPr lang="en-US" dirty="0"/>
-              <a:t>Pendulum – Multiple Samples</a:t>
+              <a:t>Preparation for Training</a:t>
             </a:r>
           </a:p>
         </p:txBody>
       </p:sp>
       <p:sp>
         <p:nvSpPr>
-          <p:cNvPr id="6" name="Textplatzhalter 5">
-            <a:extLst>
-              <a:ext uri="{FF2B5EF4-FFF2-40B4-BE49-F238E27FC236}">
-                <a16:creationId xmlns:a16="http://schemas.microsoft.com/office/drawing/2014/main" id="{202B2346-17ED-3E6E-A606-65763BDC6E02}"/>
+          <p:cNvPr id="6" name="Text Placeholder 5">
+            <a:extLst>
+              <a:ext uri="{FF2B5EF4-FFF2-40B4-BE49-F238E27FC236}">
+                <a16:creationId xmlns:a16="http://schemas.microsoft.com/office/drawing/2014/main" id="{4761E152-B7EF-00B5-47FF-110705BBE7D4}"/>
               </a:ext>
             </a:extLst>
           </p:cNvPr>
@@ -10480,19 +10525,346 @@
           <a:bodyPr/>
           <a:lstStyle/>
           <a:p>
+            <a:endParaRPr lang="en-US" dirty="0"/>
+          </a:p>
+          <a:p>
+            <a:endParaRPr lang="en-US" sz="1800" dirty="0">
+              <a:effectLst/>
+              <a:latin typeface="Calibri" panose="020F0502020204030204" pitchFamily="34" charset="0"/>
+              <a:ea typeface="Calibri" panose="020F0502020204030204" pitchFamily="34" charset="0"/>
+              <a:cs typeface="Arial" panose="020B0604020202020204" pitchFamily="34" charset="0"/>
+            </a:endParaRPr>
+          </a:p>
+          <a:p>
+            <a:endParaRPr lang="en-US" sz="1800" dirty="0">
+              <a:effectLst/>
+              <a:latin typeface="Calibri" panose="020F0502020204030204" pitchFamily="34" charset="0"/>
+              <a:ea typeface="Calibri" panose="020F0502020204030204" pitchFamily="34" charset="0"/>
+              <a:cs typeface="Arial" panose="020B0604020202020204" pitchFamily="34" charset="0"/>
+            </a:endParaRPr>
+          </a:p>
+          <a:p>
+            <a:endParaRPr lang="en-US" dirty="0"/>
+          </a:p>
+          <a:p>
+            <a:endParaRPr lang="en-US" dirty="0"/>
+          </a:p>
+        </p:txBody>
+      </p:sp>
+      <p:sp>
+        <p:nvSpPr>
+          <p:cNvPr id="7" name="Text Placeholder 5">
+            <a:extLst>
+              <a:ext uri="{FF2B5EF4-FFF2-40B4-BE49-F238E27FC236}">
+                <a16:creationId xmlns:a16="http://schemas.microsoft.com/office/drawing/2014/main" id="{9566E055-639F-36C7-FA54-FF2DB2C85FB8}"/>
+              </a:ext>
+            </a:extLst>
+          </p:cNvPr>
+          <p:cNvSpPr txBox="1">
+            <a:spLocks/>
+          </p:cNvSpPr>
+          <p:nvPr/>
+        </p:nvSpPr>
+        <p:spPr>
+          <a:xfrm>
+            <a:off x="670719" y="1650460"/>
+            <a:ext cx="11358942" cy="4721156"/>
+          </a:xfrm>
+          <a:prstGeom prst="rect">
+            <a:avLst/>
+          </a:prstGeom>
+        </p:spPr>
+        <p:txBody>
+          <a:bodyPr vert="horz" lIns="0" tIns="0" rIns="0" bIns="0" rtlCol="0" anchor="t" anchorCtr="0">
+            <a:noAutofit/>
+          </a:bodyPr>
+          <a:lstStyle>
+            <a:lvl1pPr marL="266700" indent="-266700" algn="l" defTabSz="914400" rtl="0" eaLnBrk="1" latinLnBrk="0" hangingPunct="1">
+              <a:lnSpc>
+                <a:spcPct val="110000"/>
+              </a:lnSpc>
+              <a:spcBef>
+                <a:spcPts val="400"/>
+              </a:spcBef>
+              <a:spcAft>
+                <a:spcPts val="600"/>
+              </a:spcAft>
+              <a:buClr>
+                <a:srgbClr val="779FB4"/>
+              </a:buClr>
+              <a:buFont typeface="Wingdings" pitchFamily="2" charset="2"/>
+              <a:buChar char="§"/>
+              <a:tabLst/>
+              <a:defRPr sz="1800" b="0" kern="1200">
+                <a:solidFill>
+                  <a:srgbClr val="000000"/>
+                </a:solidFill>
+                <a:latin typeface="+mn-lt"/>
+                <a:ea typeface="+mn-ea"/>
+                <a:cs typeface="+mn-cs"/>
+              </a:defRPr>
+            </a:lvl1pPr>
+            <a:lvl2pPr marL="534988" indent="-268288" algn="l" defTabSz="914400" rtl="0" eaLnBrk="1" latinLnBrk="0" hangingPunct="1">
+              <a:lnSpc>
+                <a:spcPct val="110000"/>
+              </a:lnSpc>
+              <a:spcBef>
+                <a:spcPts val="0"/>
+              </a:spcBef>
+              <a:spcAft>
+                <a:spcPts val="600"/>
+              </a:spcAft>
+              <a:buClr>
+                <a:srgbClr val="779FB4"/>
+              </a:buClr>
+              <a:buFont typeface="Wingdings" pitchFamily="2" charset="2"/>
+              <a:buChar char="§"/>
+              <a:tabLst/>
+              <a:defRPr sz="1600" kern="1200">
+                <a:solidFill>
+                  <a:schemeClr val="bg1"/>
+                </a:solidFill>
+                <a:latin typeface="+mn-lt"/>
+                <a:ea typeface="+mn-ea"/>
+                <a:cs typeface="+mn-cs"/>
+              </a:defRPr>
+            </a:lvl2pPr>
+            <a:lvl3pPr marL="534988" indent="317500" algn="l" defTabSz="914400" rtl="0" eaLnBrk="1" latinLnBrk="0" hangingPunct="1">
+              <a:lnSpc>
+                <a:spcPct val="110000"/>
+              </a:lnSpc>
+              <a:spcBef>
+                <a:spcPts val="0"/>
+              </a:spcBef>
+              <a:spcAft>
+                <a:spcPts val="600"/>
+              </a:spcAft>
+              <a:buClr>
+                <a:srgbClr val="779FB4"/>
+              </a:buClr>
+              <a:buFont typeface="Symbol" pitchFamily="2" charset="2"/>
+              <a:buChar char="-"/>
+              <a:tabLst/>
+              <a:defRPr sz="1600" kern="1200">
+                <a:solidFill>
+                  <a:schemeClr val="bg1"/>
+                </a:solidFill>
+                <a:latin typeface="+mn-lt"/>
+                <a:ea typeface="+mn-ea"/>
+                <a:cs typeface="+mn-cs"/>
+              </a:defRPr>
+            </a:lvl3pPr>
+            <a:lvl4pPr marL="540000" indent="-180000" algn="l" defTabSz="914400" rtl="0" eaLnBrk="1" latinLnBrk="0" hangingPunct="1">
+              <a:lnSpc>
+                <a:spcPct val="110000"/>
+              </a:lnSpc>
+              <a:spcBef>
+                <a:spcPts val="0"/>
+              </a:spcBef>
+              <a:spcAft>
+                <a:spcPts val="1200"/>
+              </a:spcAft>
+              <a:buClr>
+                <a:schemeClr val="accent4"/>
+              </a:buClr>
+              <a:buFont typeface="Symbol" panose="05050102010706020507" pitchFamily="18" charset="2"/>
+              <a:buChar char="-"/>
+              <a:defRPr sz="1800" kern="1200">
+                <a:solidFill>
+                  <a:schemeClr val="tx1"/>
+                </a:solidFill>
+                <a:latin typeface="+mn-lt"/>
+                <a:ea typeface="+mn-ea"/>
+                <a:cs typeface="+mn-cs"/>
+              </a:defRPr>
+            </a:lvl4pPr>
+            <a:lvl5pPr marL="720000" indent="-180000" algn="l" defTabSz="914400" rtl="0" eaLnBrk="1" latinLnBrk="0" hangingPunct="1">
+              <a:lnSpc>
+                <a:spcPct val="110000"/>
+              </a:lnSpc>
+              <a:spcBef>
+                <a:spcPts val="0"/>
+              </a:spcBef>
+              <a:spcAft>
+                <a:spcPts val="1200"/>
+              </a:spcAft>
+              <a:buClr>
+                <a:schemeClr val="accent4"/>
+              </a:buClr>
+              <a:buFont typeface="Symbol" panose="05050102010706020507" pitchFamily="18" charset="2"/>
+              <a:buChar char="-"/>
+              <a:defRPr sz="1800" kern="1200">
+                <a:solidFill>
+                  <a:schemeClr val="tx1"/>
+                </a:solidFill>
+                <a:latin typeface="+mn-lt"/>
+                <a:ea typeface="+mn-ea"/>
+                <a:cs typeface="+mn-cs"/>
+              </a:defRPr>
+            </a:lvl5pPr>
+            <a:lvl6pPr marL="900000" indent="-180000" algn="l" defTabSz="914400" rtl="0" eaLnBrk="1" latinLnBrk="0" hangingPunct="1">
+              <a:lnSpc>
+                <a:spcPct val="110000"/>
+              </a:lnSpc>
+              <a:spcBef>
+                <a:spcPts val="0"/>
+              </a:spcBef>
+              <a:spcAft>
+                <a:spcPts val="1200"/>
+              </a:spcAft>
+              <a:buClr>
+                <a:schemeClr val="accent4"/>
+              </a:buClr>
+              <a:buFont typeface="Symbol" panose="05050102010706020507" pitchFamily="18" charset="2"/>
+              <a:buChar char="-"/>
+              <a:defRPr sz="1200" kern="1200">
+                <a:solidFill>
+                  <a:schemeClr val="tx1"/>
+                </a:solidFill>
+                <a:latin typeface="+mn-lt"/>
+                <a:ea typeface="+mn-ea"/>
+                <a:cs typeface="+mn-cs"/>
+              </a:defRPr>
+            </a:lvl6pPr>
+            <a:lvl7pPr marL="1080000" indent="-180000" algn="l" defTabSz="914400" rtl="0" eaLnBrk="1" latinLnBrk="0" hangingPunct="1">
+              <a:lnSpc>
+                <a:spcPct val="110000"/>
+              </a:lnSpc>
+              <a:spcBef>
+                <a:spcPts val="0"/>
+              </a:spcBef>
+              <a:spcAft>
+                <a:spcPts val="1200"/>
+              </a:spcAft>
+              <a:buClr>
+                <a:schemeClr val="accent4"/>
+              </a:buClr>
+              <a:buFont typeface="Symbol" panose="05050102010706020507" pitchFamily="18" charset="2"/>
+              <a:buChar char="-"/>
+              <a:defRPr sz="1200" kern="1200">
+                <a:solidFill>
+                  <a:schemeClr val="tx1"/>
+                </a:solidFill>
+                <a:latin typeface="+mn-lt"/>
+                <a:ea typeface="+mn-ea"/>
+                <a:cs typeface="+mn-cs"/>
+              </a:defRPr>
+            </a:lvl7pPr>
+            <a:lvl8pPr marL="1260000" indent="-180000" algn="l" defTabSz="914400" rtl="0" eaLnBrk="1" latinLnBrk="0" hangingPunct="1">
+              <a:lnSpc>
+                <a:spcPct val="110000"/>
+              </a:lnSpc>
+              <a:spcBef>
+                <a:spcPts val="0"/>
+              </a:spcBef>
+              <a:spcAft>
+                <a:spcPts val="1200"/>
+              </a:spcAft>
+              <a:buClr>
+                <a:schemeClr val="accent4"/>
+              </a:buClr>
+              <a:buFont typeface="Symbol" panose="05050102010706020507" pitchFamily="18" charset="2"/>
+              <a:buChar char="-"/>
+              <a:defRPr sz="1200" kern="1200">
+                <a:solidFill>
+                  <a:schemeClr val="tx1"/>
+                </a:solidFill>
+                <a:latin typeface="+mn-lt"/>
+                <a:ea typeface="+mn-ea"/>
+                <a:cs typeface="+mn-cs"/>
+              </a:defRPr>
+            </a:lvl8pPr>
+            <a:lvl9pPr marL="1440000" indent="-180000" algn="l" defTabSz="914400" rtl="0" eaLnBrk="1" latinLnBrk="0" hangingPunct="1">
+              <a:lnSpc>
+                <a:spcPct val="110000"/>
+              </a:lnSpc>
+              <a:spcBef>
+                <a:spcPts val="0"/>
+              </a:spcBef>
+              <a:spcAft>
+                <a:spcPts val="1200"/>
+              </a:spcAft>
+              <a:buClr>
+                <a:schemeClr val="accent4"/>
+              </a:buClr>
+              <a:buFont typeface="Symbol" panose="05050102010706020507" pitchFamily="18" charset="2"/>
+              <a:buChar char="-"/>
+              <a:defRPr sz="1200" kern="1200">
+                <a:solidFill>
+                  <a:schemeClr val="tx1"/>
+                </a:solidFill>
+                <a:latin typeface="+mn-lt"/>
+                <a:ea typeface="+mn-ea"/>
+                <a:cs typeface="+mn-cs"/>
+              </a:defRPr>
+            </a:lvl9pPr>
+          </a:lstStyle>
+          <a:p>
             <a:r>
               <a:rPr lang="en-US" dirty="0"/>
-              <a:t>Prediction on Validation Set</a:t>
+              <a:t>Split into training, validation and test set</a:t>
             </a:r>
+          </a:p>
+          <a:p>
+            <a:r>
+              <a:rPr lang="en-US" dirty="0"/>
+              <a:t>Scaling with </a:t>
+            </a:r>
+            <a:r>
+              <a:rPr lang="en-US" dirty="0" err="1"/>
+              <a:t>MinMaxScaler</a:t>
+            </a:r>
+            <a:r>
+              <a:rPr lang="en-US" dirty="0"/>
+              <a:t> to [-1,1] to match LSTM output</a:t>
+            </a:r>
+          </a:p>
+          <a:p>
+            <a:r>
+              <a:rPr lang="en-US" dirty="0"/>
+              <a:t>Initial condition given at first timestep, after zero</a:t>
+            </a:r>
+          </a:p>
+          <a:p>
+            <a:r>
+              <a:rPr lang="en-US" dirty="0"/>
+              <a:t>Force input given at every time step</a:t>
+            </a:r>
+          </a:p>
+          <a:p>
+            <a:endParaRPr lang="en-US" dirty="0"/>
+          </a:p>
+          <a:p>
+            <a:endParaRPr lang="en-US" dirty="0"/>
+          </a:p>
+          <a:p>
+            <a:endParaRPr lang="en-US" dirty="0">
+              <a:latin typeface="Calibri" panose="020F0502020204030204" pitchFamily="34" charset="0"/>
+              <a:ea typeface="Calibri" panose="020F0502020204030204" pitchFamily="34" charset="0"/>
+              <a:cs typeface="Arial" panose="020B0604020202020204" pitchFamily="34" charset="0"/>
+            </a:endParaRPr>
+          </a:p>
+          <a:p>
+            <a:endParaRPr lang="en-US" dirty="0">
+              <a:latin typeface="Calibri" panose="020F0502020204030204" pitchFamily="34" charset="0"/>
+              <a:ea typeface="Calibri" panose="020F0502020204030204" pitchFamily="34" charset="0"/>
+              <a:cs typeface="Arial" panose="020B0604020202020204" pitchFamily="34" charset="0"/>
+            </a:endParaRPr>
+          </a:p>
+          <a:p>
+            <a:endParaRPr lang="en-US" dirty="0"/>
+          </a:p>
+          <a:p>
+            <a:endParaRPr lang="en-US" dirty="0"/>
           </a:p>
         </p:txBody>
       </p:sp>
       <p:pic>
         <p:nvPicPr>
-          <p:cNvPr id="9" name="Grafik 8">
-            <a:extLst>
-              <a:ext uri="{FF2B5EF4-FFF2-40B4-BE49-F238E27FC236}">
-                <a16:creationId xmlns:a16="http://schemas.microsoft.com/office/drawing/2014/main" id="{50B5C8B4-418D-72AC-D6AA-9044D23D4EBA}"/>
+          <p:cNvPr id="10" name="Picture 9">
+            <a:extLst>
+              <a:ext uri="{FF2B5EF4-FFF2-40B4-BE49-F238E27FC236}">
+                <a16:creationId xmlns:a16="http://schemas.microsoft.com/office/drawing/2014/main" id="{5D139594-4779-5AAF-5E24-C83846FF35AE}"/>
               </a:ext>
             </a:extLst>
           </p:cNvPr>
@@ -10502,21 +10874,15 @@
           <p:nvPr/>
         </p:nvPicPr>
         <p:blipFill>
-          <a:blip r:embed="rId2">
-            <a:extLst>
-              <a:ext uri="{28A0092B-C50C-407E-A947-70E740481C1C}">
-                <a14:useLocalDpi xmlns:a14="http://schemas.microsoft.com/office/drawing/2010/main" val="0"/>
-              </a:ext>
-            </a:extLst>
-          </a:blip>
+          <a:blip r:embed="rId2"/>
           <a:stretch>
             <a:fillRect/>
           </a:stretch>
         </p:blipFill>
         <p:spPr>
           <a:xfrm>
-            <a:off x="3926868" y="1353773"/>
-            <a:ext cx="6679639" cy="5009729"/>
+            <a:off x="3040702" y="3429000"/>
+            <a:ext cx="5544142" cy="2715774"/>
           </a:xfrm>
           <a:prstGeom prst="rect">
             <a:avLst/>
@@ -10526,7 +10892,7 @@
     </p:spTree>
     <p:extLst>
       <p:ext uri="{BB962C8B-B14F-4D97-AF65-F5344CB8AC3E}">
-        <p14:creationId xmlns:p14="http://schemas.microsoft.com/office/powerpoint/2010/main" val="786337867"/>
+        <p14:creationId xmlns:p14="http://schemas.microsoft.com/office/powerpoint/2010/main" val="3048573571"/>
       </p:ext>
     </p:extLst>
   </p:cSld>
@@ -10555,10 +10921,48 @@
       </p:grpSpPr>
       <p:sp>
         <p:nvSpPr>
+          <p:cNvPr id="21" name="Titel 20">
+            <a:extLst>
+              <a:ext uri="{FF2B5EF4-FFF2-40B4-BE49-F238E27FC236}">
+                <a16:creationId xmlns:a16="http://schemas.microsoft.com/office/drawing/2014/main" id="{3018BD05-96D8-43F2-A6AA-CC40E7C32CCE}"/>
+              </a:ext>
+            </a:extLst>
+          </p:cNvPr>
+          <p:cNvSpPr>
+            <a:spLocks noGrp="1"/>
+          </p:cNvSpPr>
+          <p:nvPr>
+            <p:ph type="title"/>
+          </p:nvPr>
+        </p:nvSpPr>
+        <p:spPr>
+          <a:xfrm>
+            <a:off x="518318" y="3152001"/>
+            <a:ext cx="11157743" cy="553998"/>
+          </a:xfrm>
+        </p:spPr>
+        <p:txBody>
+          <a:bodyPr/>
+          <a:lstStyle/>
+          <a:p>
+            <a:r>
+              <a:rPr lang="de-DE" dirty="0"/>
+              <a:t>Hyperparameter </a:t>
+            </a:r>
+            <a:r>
+              <a:rPr lang="de-DE" dirty="0" err="1"/>
+              <a:t>search</a:t>
+            </a:r>
+            <a:endParaRPr lang="de-DE" dirty="0"/>
+          </a:p>
+        </p:txBody>
+      </p:sp>
+      <p:sp>
+        <p:nvSpPr>
           <p:cNvPr id="2" name="Datumsplatzhalter 1">
             <a:extLst>
               <a:ext uri="{FF2B5EF4-FFF2-40B4-BE49-F238E27FC236}">
-                <a16:creationId xmlns:a16="http://schemas.microsoft.com/office/drawing/2014/main" id="{B446B528-9123-B86E-03BB-CC1AFE33FB8E}"/>
+                <a16:creationId xmlns:a16="http://schemas.microsoft.com/office/drawing/2014/main" id="{FE7214E1-5D14-4D0B-BADD-2E239FECEC10}"/>
               </a:ext>
             </a:extLst>
           </p:cNvPr>
@@ -10574,9 +10978,9 @@
           <a:bodyPr/>
           <a:lstStyle/>
           <a:p>
-            <a:fld id="{A2E8877F-2015-4290-957C-06EF82A52242}" type="datetime8">
+            <a:fld id="{C683496F-A479-4189-AF7A-49EC797A60BB}" type="datetime8">
               <a:rPr lang="en-DE" smtClean="0"/>
-              <a:t>11/01/2022 18:33</a:t>
+              <a:t>11/12/2022 16:49</a:t>
             </a:fld>
             <a:endParaRPr lang="de-DE" dirty="0"/>
           </a:p>
@@ -10587,7 +10991,7 @@
           <p:cNvPr id="3" name="Fußzeilenplatzhalter 2">
             <a:extLst>
               <a:ext uri="{FF2B5EF4-FFF2-40B4-BE49-F238E27FC236}">
-                <a16:creationId xmlns:a16="http://schemas.microsoft.com/office/drawing/2014/main" id="{9039D9D2-CC83-71B3-9FD1-8EE930EC3D74}"/>
+                <a16:creationId xmlns:a16="http://schemas.microsoft.com/office/drawing/2014/main" id="{6A6AD034-0F65-47AF-9CAA-C4B0CEB30D4D}"/>
               </a:ext>
             </a:extLst>
           </p:cNvPr>
@@ -10616,7 +11020,7 @@
           <p:cNvPr id="4" name="Foliennummernplatzhalter 3">
             <a:extLst>
               <a:ext uri="{FF2B5EF4-FFF2-40B4-BE49-F238E27FC236}">
-                <a16:creationId xmlns:a16="http://schemas.microsoft.com/office/drawing/2014/main" id="{6799EE1F-7DA2-681B-18DD-284EC80CE7C1}"/>
+                <a16:creationId xmlns:a16="http://schemas.microsoft.com/office/drawing/2014/main" id="{00F7E098-F740-40F7-A085-7034627D9148}"/>
               </a:ext>
             </a:extLst>
           </p:cNvPr>
@@ -10641,102 +11045,10 @@
           </a:p>
         </p:txBody>
       </p:sp>
-      <p:sp>
-        <p:nvSpPr>
-          <p:cNvPr id="5" name="Titel 4">
-            <a:extLst>
-              <a:ext uri="{FF2B5EF4-FFF2-40B4-BE49-F238E27FC236}">
-                <a16:creationId xmlns:a16="http://schemas.microsoft.com/office/drawing/2014/main" id="{1E6B2A5D-4314-E0F4-B6A1-769A8DB4F7C3}"/>
-              </a:ext>
-            </a:extLst>
-          </p:cNvPr>
-          <p:cNvSpPr>
-            <a:spLocks noGrp="1"/>
-          </p:cNvSpPr>
-          <p:nvPr>
-            <p:ph type="title"/>
-          </p:nvPr>
-        </p:nvSpPr>
-        <p:spPr/>
-        <p:txBody>
-          <a:bodyPr/>
-          <a:lstStyle/>
-          <a:p>
-            <a:r>
-              <a:rPr lang="en-US" dirty="0"/>
-              <a:t>Pendulum – Multiple Samples</a:t>
-            </a:r>
-          </a:p>
-        </p:txBody>
-      </p:sp>
-      <p:sp>
-        <p:nvSpPr>
-          <p:cNvPr id="6" name="Textplatzhalter 5">
-            <a:extLst>
-              <a:ext uri="{FF2B5EF4-FFF2-40B4-BE49-F238E27FC236}">
-                <a16:creationId xmlns:a16="http://schemas.microsoft.com/office/drawing/2014/main" id="{202B2346-17ED-3E6E-A606-65763BDC6E02}"/>
-              </a:ext>
-            </a:extLst>
-          </p:cNvPr>
-          <p:cNvSpPr>
-            <a:spLocks noGrp="1"/>
-          </p:cNvSpPr>
-          <p:nvPr>
-            <p:ph type="body" sz="quarter" idx="17"/>
-          </p:nvPr>
-        </p:nvSpPr>
-        <p:spPr/>
-        <p:txBody>
-          <a:bodyPr/>
-          <a:lstStyle/>
-          <a:p>
-            <a:r>
-              <a:rPr lang="en-US" dirty="0"/>
-              <a:t>Prediction on Test Set</a:t>
-            </a:r>
-          </a:p>
-        </p:txBody>
-      </p:sp>
-      <p:pic>
-        <p:nvPicPr>
-          <p:cNvPr id="11" name="Grafik 10">
-            <a:extLst>
-              <a:ext uri="{FF2B5EF4-FFF2-40B4-BE49-F238E27FC236}">
-                <a16:creationId xmlns:a16="http://schemas.microsoft.com/office/drawing/2014/main" id="{3EF1A20F-4806-8D5D-1EA6-81C82385315F}"/>
-              </a:ext>
-            </a:extLst>
-          </p:cNvPr>
-          <p:cNvPicPr>
-            <a:picLocks noChangeAspect="1"/>
-          </p:cNvPicPr>
-          <p:nvPr/>
-        </p:nvPicPr>
-        <p:blipFill>
-          <a:blip r:embed="rId2">
-            <a:extLst>
-              <a:ext uri="{28A0092B-C50C-407E-A947-70E740481C1C}">
-                <a14:useLocalDpi xmlns:a14="http://schemas.microsoft.com/office/drawing/2010/main" val="0"/>
-              </a:ext>
-            </a:extLst>
-          </a:blip>
-          <a:stretch>
-            <a:fillRect/>
-          </a:stretch>
-        </p:blipFill>
-        <p:spPr>
-          <a:xfrm>
-            <a:off x="3757034" y="1289836"/>
-            <a:ext cx="6849473" cy="5137105"/>
-          </a:xfrm>
-          <a:prstGeom prst="rect">
-            <a:avLst/>
-          </a:prstGeom>
-        </p:spPr>
-      </p:pic>
     </p:spTree>
     <p:extLst>
       <p:ext uri="{BB962C8B-B14F-4D97-AF65-F5344CB8AC3E}">
-        <p14:creationId xmlns:p14="http://schemas.microsoft.com/office/powerpoint/2010/main" val="1951731976"/>
+        <p14:creationId xmlns:p14="http://schemas.microsoft.com/office/powerpoint/2010/main" val="4150871612"/>
       </p:ext>
     </p:extLst>
   </p:cSld>
@@ -10765,48 +11077,10 @@
       </p:grpSpPr>
       <p:sp>
         <p:nvSpPr>
-          <p:cNvPr id="21" name="Titel 20">
-            <a:extLst>
-              <a:ext uri="{FF2B5EF4-FFF2-40B4-BE49-F238E27FC236}">
-                <a16:creationId xmlns:a16="http://schemas.microsoft.com/office/drawing/2014/main" id="{3018BD05-96D8-43F2-A6AA-CC40E7C32CCE}"/>
-              </a:ext>
-            </a:extLst>
-          </p:cNvPr>
-          <p:cNvSpPr>
-            <a:spLocks noGrp="1"/>
-          </p:cNvSpPr>
-          <p:nvPr>
-            <p:ph type="title"/>
-          </p:nvPr>
-        </p:nvSpPr>
-        <p:spPr>
-          <a:xfrm>
-            <a:off x="518318" y="3152001"/>
-            <a:ext cx="11157743" cy="553998"/>
-          </a:xfrm>
-        </p:spPr>
-        <p:txBody>
-          <a:bodyPr/>
-          <a:lstStyle/>
-          <a:p>
-            <a:r>
-              <a:rPr lang="en-US" dirty="0" err="1"/>
-              <a:t>ToDo</a:t>
-            </a:r>
-            <a:r>
-              <a:rPr lang="en-US" dirty="0"/>
-              <a:t> - Drag</a:t>
-            </a:r>
-            <a:endParaRPr lang="de-DE" dirty="0"/>
-          </a:p>
-        </p:txBody>
-      </p:sp>
-      <p:sp>
-        <p:nvSpPr>
-          <p:cNvPr id="2" name="Datumsplatzhalter 1">
-            <a:extLst>
-              <a:ext uri="{FF2B5EF4-FFF2-40B4-BE49-F238E27FC236}">
-                <a16:creationId xmlns:a16="http://schemas.microsoft.com/office/drawing/2014/main" id="{FE7214E1-5D14-4D0B-BADD-2E239FECEC10}"/>
+          <p:cNvPr id="2" name="Date Placeholder 1">
+            <a:extLst>
+              <a:ext uri="{FF2B5EF4-FFF2-40B4-BE49-F238E27FC236}">
+                <a16:creationId xmlns:a16="http://schemas.microsoft.com/office/drawing/2014/main" id="{2B8CAAFC-F0E6-F31E-198A-AA24CC49C316}"/>
               </a:ext>
             </a:extLst>
           </p:cNvPr>
@@ -10822,9 +11096,9 @@
           <a:bodyPr/>
           <a:lstStyle/>
           <a:p>
-            <a:fld id="{C683496F-A479-4189-AF7A-49EC797A60BB}" type="datetime8">
+            <a:fld id="{A2E8877F-2015-4290-957C-06EF82A52242}" type="datetime8">
               <a:rPr lang="en-DE" smtClean="0"/>
-              <a:t>11/01/2022 18:33</a:t>
+              <a:t>11/12/2022 16:55</a:t>
             </a:fld>
             <a:endParaRPr lang="de-DE" dirty="0"/>
           </a:p>
@@ -10832,10 +11106,10 @@
       </p:sp>
       <p:sp>
         <p:nvSpPr>
-          <p:cNvPr id="3" name="Fußzeilenplatzhalter 2">
-            <a:extLst>
-              <a:ext uri="{FF2B5EF4-FFF2-40B4-BE49-F238E27FC236}">
-                <a16:creationId xmlns:a16="http://schemas.microsoft.com/office/drawing/2014/main" id="{6A6AD034-0F65-47AF-9CAA-C4B0CEB30D4D}"/>
+          <p:cNvPr id="3" name="Footer Placeholder 2">
+            <a:extLst>
+              <a:ext uri="{FF2B5EF4-FFF2-40B4-BE49-F238E27FC236}">
+                <a16:creationId xmlns:a16="http://schemas.microsoft.com/office/drawing/2014/main" id="{C49146C1-0EFA-7410-35A6-1C2B33E3E160}"/>
               </a:ext>
             </a:extLst>
           </p:cNvPr>
@@ -10861,10 +11135,10 @@
       </p:sp>
       <p:sp>
         <p:nvSpPr>
-          <p:cNvPr id="4" name="Foliennummernplatzhalter 3">
-            <a:extLst>
-              <a:ext uri="{FF2B5EF4-FFF2-40B4-BE49-F238E27FC236}">
-                <a16:creationId xmlns:a16="http://schemas.microsoft.com/office/drawing/2014/main" id="{00F7E098-F740-40F7-A085-7034627D9148}"/>
+          <p:cNvPr id="4" name="Slide Number Placeholder 3">
+            <a:extLst>
+              <a:ext uri="{FF2B5EF4-FFF2-40B4-BE49-F238E27FC236}">
+                <a16:creationId xmlns:a16="http://schemas.microsoft.com/office/drawing/2014/main" id="{83EEE9A2-09B3-BA3D-B64B-856A8F226637}"/>
               </a:ext>
             </a:extLst>
           </p:cNvPr>
@@ -10889,10 +11163,395 @@
           </a:p>
         </p:txBody>
       </p:sp>
+      <p:sp>
+        <p:nvSpPr>
+          <p:cNvPr id="5" name="Title 4">
+            <a:extLst>
+              <a:ext uri="{FF2B5EF4-FFF2-40B4-BE49-F238E27FC236}">
+                <a16:creationId xmlns:a16="http://schemas.microsoft.com/office/drawing/2014/main" id="{BBB354EA-F495-6050-38E7-B27B0D727096}"/>
+              </a:ext>
+            </a:extLst>
+          </p:cNvPr>
+          <p:cNvSpPr>
+            <a:spLocks noGrp="1"/>
+          </p:cNvSpPr>
+          <p:nvPr>
+            <p:ph type="title"/>
+          </p:nvPr>
+        </p:nvSpPr>
+        <p:spPr/>
+        <p:txBody>
+          <a:bodyPr/>
+          <a:lstStyle/>
+          <a:p>
+            <a:r>
+              <a:rPr lang="en-US" dirty="0"/>
+              <a:t>Manual search</a:t>
+            </a:r>
+          </a:p>
+        </p:txBody>
+      </p:sp>
+      <p:sp>
+        <p:nvSpPr>
+          <p:cNvPr id="7" name="Text Placeholder 5">
+            <a:extLst>
+              <a:ext uri="{FF2B5EF4-FFF2-40B4-BE49-F238E27FC236}">
+                <a16:creationId xmlns:a16="http://schemas.microsoft.com/office/drawing/2014/main" id="{9566E055-639F-36C7-FA54-FF2DB2C85FB8}"/>
+              </a:ext>
+            </a:extLst>
+          </p:cNvPr>
+          <p:cNvSpPr txBox="1">
+            <a:spLocks/>
+          </p:cNvSpPr>
+          <p:nvPr/>
+        </p:nvSpPr>
+        <p:spPr>
+          <a:xfrm>
+            <a:off x="670719" y="1650460"/>
+            <a:ext cx="11358942" cy="4721156"/>
+          </a:xfrm>
+          <a:prstGeom prst="rect">
+            <a:avLst/>
+          </a:prstGeom>
+        </p:spPr>
+        <p:txBody>
+          <a:bodyPr vert="horz" lIns="0" tIns="0" rIns="0" bIns="0" rtlCol="0" anchor="t" anchorCtr="0">
+            <a:noAutofit/>
+          </a:bodyPr>
+          <a:lstStyle>
+            <a:lvl1pPr marL="266700" indent="-266700" algn="l" defTabSz="914400" rtl="0" eaLnBrk="1" latinLnBrk="0" hangingPunct="1">
+              <a:lnSpc>
+                <a:spcPct val="110000"/>
+              </a:lnSpc>
+              <a:spcBef>
+                <a:spcPts val="400"/>
+              </a:spcBef>
+              <a:spcAft>
+                <a:spcPts val="600"/>
+              </a:spcAft>
+              <a:buClr>
+                <a:srgbClr val="779FB4"/>
+              </a:buClr>
+              <a:buFont typeface="Wingdings" pitchFamily="2" charset="2"/>
+              <a:buChar char="§"/>
+              <a:tabLst/>
+              <a:defRPr sz="1800" b="0" kern="1200">
+                <a:solidFill>
+                  <a:srgbClr val="000000"/>
+                </a:solidFill>
+                <a:latin typeface="+mn-lt"/>
+                <a:ea typeface="+mn-ea"/>
+                <a:cs typeface="+mn-cs"/>
+              </a:defRPr>
+            </a:lvl1pPr>
+            <a:lvl2pPr marL="534988" indent="-268288" algn="l" defTabSz="914400" rtl="0" eaLnBrk="1" latinLnBrk="0" hangingPunct="1">
+              <a:lnSpc>
+                <a:spcPct val="110000"/>
+              </a:lnSpc>
+              <a:spcBef>
+                <a:spcPts val="0"/>
+              </a:spcBef>
+              <a:spcAft>
+                <a:spcPts val="600"/>
+              </a:spcAft>
+              <a:buClr>
+                <a:srgbClr val="779FB4"/>
+              </a:buClr>
+              <a:buFont typeface="Wingdings" pitchFamily="2" charset="2"/>
+              <a:buChar char="§"/>
+              <a:tabLst/>
+              <a:defRPr sz="1600" kern="1200">
+                <a:solidFill>
+                  <a:schemeClr val="bg1"/>
+                </a:solidFill>
+                <a:latin typeface="+mn-lt"/>
+                <a:ea typeface="+mn-ea"/>
+                <a:cs typeface="+mn-cs"/>
+              </a:defRPr>
+            </a:lvl2pPr>
+            <a:lvl3pPr marL="534988" indent="317500" algn="l" defTabSz="914400" rtl="0" eaLnBrk="1" latinLnBrk="0" hangingPunct="1">
+              <a:lnSpc>
+                <a:spcPct val="110000"/>
+              </a:lnSpc>
+              <a:spcBef>
+                <a:spcPts val="0"/>
+              </a:spcBef>
+              <a:spcAft>
+                <a:spcPts val="600"/>
+              </a:spcAft>
+              <a:buClr>
+                <a:srgbClr val="779FB4"/>
+              </a:buClr>
+              <a:buFont typeface="Symbol" pitchFamily="2" charset="2"/>
+              <a:buChar char="-"/>
+              <a:tabLst/>
+              <a:defRPr sz="1600" kern="1200">
+                <a:solidFill>
+                  <a:schemeClr val="bg1"/>
+                </a:solidFill>
+                <a:latin typeface="+mn-lt"/>
+                <a:ea typeface="+mn-ea"/>
+                <a:cs typeface="+mn-cs"/>
+              </a:defRPr>
+            </a:lvl3pPr>
+            <a:lvl4pPr marL="540000" indent="-180000" algn="l" defTabSz="914400" rtl="0" eaLnBrk="1" latinLnBrk="0" hangingPunct="1">
+              <a:lnSpc>
+                <a:spcPct val="110000"/>
+              </a:lnSpc>
+              <a:spcBef>
+                <a:spcPts val="0"/>
+              </a:spcBef>
+              <a:spcAft>
+                <a:spcPts val="1200"/>
+              </a:spcAft>
+              <a:buClr>
+                <a:schemeClr val="accent4"/>
+              </a:buClr>
+              <a:buFont typeface="Symbol" panose="05050102010706020507" pitchFamily="18" charset="2"/>
+              <a:buChar char="-"/>
+              <a:defRPr sz="1800" kern="1200">
+                <a:solidFill>
+                  <a:schemeClr val="tx1"/>
+                </a:solidFill>
+                <a:latin typeface="+mn-lt"/>
+                <a:ea typeface="+mn-ea"/>
+                <a:cs typeface="+mn-cs"/>
+              </a:defRPr>
+            </a:lvl4pPr>
+            <a:lvl5pPr marL="720000" indent="-180000" algn="l" defTabSz="914400" rtl="0" eaLnBrk="1" latinLnBrk="0" hangingPunct="1">
+              <a:lnSpc>
+                <a:spcPct val="110000"/>
+              </a:lnSpc>
+              <a:spcBef>
+                <a:spcPts val="0"/>
+              </a:spcBef>
+              <a:spcAft>
+                <a:spcPts val="1200"/>
+              </a:spcAft>
+              <a:buClr>
+                <a:schemeClr val="accent4"/>
+              </a:buClr>
+              <a:buFont typeface="Symbol" panose="05050102010706020507" pitchFamily="18" charset="2"/>
+              <a:buChar char="-"/>
+              <a:defRPr sz="1800" kern="1200">
+                <a:solidFill>
+                  <a:schemeClr val="tx1"/>
+                </a:solidFill>
+                <a:latin typeface="+mn-lt"/>
+                <a:ea typeface="+mn-ea"/>
+                <a:cs typeface="+mn-cs"/>
+              </a:defRPr>
+            </a:lvl5pPr>
+            <a:lvl6pPr marL="900000" indent="-180000" algn="l" defTabSz="914400" rtl="0" eaLnBrk="1" latinLnBrk="0" hangingPunct="1">
+              <a:lnSpc>
+                <a:spcPct val="110000"/>
+              </a:lnSpc>
+              <a:spcBef>
+                <a:spcPts val="0"/>
+              </a:spcBef>
+              <a:spcAft>
+                <a:spcPts val="1200"/>
+              </a:spcAft>
+              <a:buClr>
+                <a:schemeClr val="accent4"/>
+              </a:buClr>
+              <a:buFont typeface="Symbol" panose="05050102010706020507" pitchFamily="18" charset="2"/>
+              <a:buChar char="-"/>
+              <a:defRPr sz="1200" kern="1200">
+                <a:solidFill>
+                  <a:schemeClr val="tx1"/>
+                </a:solidFill>
+                <a:latin typeface="+mn-lt"/>
+                <a:ea typeface="+mn-ea"/>
+                <a:cs typeface="+mn-cs"/>
+              </a:defRPr>
+            </a:lvl6pPr>
+            <a:lvl7pPr marL="1080000" indent="-180000" algn="l" defTabSz="914400" rtl="0" eaLnBrk="1" latinLnBrk="0" hangingPunct="1">
+              <a:lnSpc>
+                <a:spcPct val="110000"/>
+              </a:lnSpc>
+              <a:spcBef>
+                <a:spcPts val="0"/>
+              </a:spcBef>
+              <a:spcAft>
+                <a:spcPts val="1200"/>
+              </a:spcAft>
+              <a:buClr>
+                <a:schemeClr val="accent4"/>
+              </a:buClr>
+              <a:buFont typeface="Symbol" panose="05050102010706020507" pitchFamily="18" charset="2"/>
+              <a:buChar char="-"/>
+              <a:defRPr sz="1200" kern="1200">
+                <a:solidFill>
+                  <a:schemeClr val="tx1"/>
+                </a:solidFill>
+                <a:latin typeface="+mn-lt"/>
+                <a:ea typeface="+mn-ea"/>
+                <a:cs typeface="+mn-cs"/>
+              </a:defRPr>
+            </a:lvl7pPr>
+            <a:lvl8pPr marL="1260000" indent="-180000" algn="l" defTabSz="914400" rtl="0" eaLnBrk="1" latinLnBrk="0" hangingPunct="1">
+              <a:lnSpc>
+                <a:spcPct val="110000"/>
+              </a:lnSpc>
+              <a:spcBef>
+                <a:spcPts val="0"/>
+              </a:spcBef>
+              <a:spcAft>
+                <a:spcPts val="1200"/>
+              </a:spcAft>
+              <a:buClr>
+                <a:schemeClr val="accent4"/>
+              </a:buClr>
+              <a:buFont typeface="Symbol" panose="05050102010706020507" pitchFamily="18" charset="2"/>
+              <a:buChar char="-"/>
+              <a:defRPr sz="1200" kern="1200">
+                <a:solidFill>
+                  <a:schemeClr val="tx1"/>
+                </a:solidFill>
+                <a:latin typeface="+mn-lt"/>
+                <a:ea typeface="+mn-ea"/>
+                <a:cs typeface="+mn-cs"/>
+              </a:defRPr>
+            </a:lvl8pPr>
+            <a:lvl9pPr marL="1440000" indent="-180000" algn="l" defTabSz="914400" rtl="0" eaLnBrk="1" latinLnBrk="0" hangingPunct="1">
+              <a:lnSpc>
+                <a:spcPct val="110000"/>
+              </a:lnSpc>
+              <a:spcBef>
+                <a:spcPts val="0"/>
+              </a:spcBef>
+              <a:spcAft>
+                <a:spcPts val="1200"/>
+              </a:spcAft>
+              <a:buClr>
+                <a:schemeClr val="accent4"/>
+              </a:buClr>
+              <a:buFont typeface="Symbol" panose="05050102010706020507" pitchFamily="18" charset="2"/>
+              <a:buChar char="-"/>
+              <a:defRPr sz="1200" kern="1200">
+                <a:solidFill>
+                  <a:schemeClr val="tx1"/>
+                </a:solidFill>
+                <a:latin typeface="+mn-lt"/>
+                <a:ea typeface="+mn-ea"/>
+                <a:cs typeface="+mn-cs"/>
+              </a:defRPr>
+            </a:lvl9pPr>
+          </a:lstStyle>
+          <a:p>
+            <a:r>
+              <a:rPr lang="en-US" dirty="0"/>
+              <a:t>Monitoring validation loss for early stopping</a:t>
+            </a:r>
+          </a:p>
+          <a:p>
+            <a:r>
+              <a:rPr lang="en-US" dirty="0"/>
+              <a:t>Check hyperparameters one by one</a:t>
+            </a:r>
+          </a:p>
+          <a:p>
+            <a:r>
+              <a:rPr lang="en-US" dirty="0"/>
+              <a:t>Take best parameter for next step</a:t>
+            </a:r>
+          </a:p>
+          <a:p>
+            <a:r>
+              <a:rPr lang="en-US" dirty="0"/>
+              <a:t>Order of searching:</a:t>
+            </a:r>
+          </a:p>
+          <a:p>
+            <a:pPr marL="609600" lvl="1" indent="-342900">
+              <a:buFont typeface="+mj-lt"/>
+              <a:buAutoNum type="arabicPeriod"/>
+            </a:pPr>
+            <a:r>
+              <a:rPr lang="en-US" dirty="0"/>
+              <a:t>Learning rate</a:t>
+            </a:r>
+          </a:p>
+          <a:p>
+            <a:pPr marL="609600" lvl="1" indent="-342900">
+              <a:buFont typeface="+mj-lt"/>
+              <a:buAutoNum type="arabicPeriod"/>
+            </a:pPr>
+            <a:r>
+              <a:rPr lang="en-US" dirty="0"/>
+              <a:t>Number of layers</a:t>
+            </a:r>
+          </a:p>
+          <a:p>
+            <a:pPr marL="609600" lvl="1" indent="-342900">
+              <a:buFont typeface="+mj-lt"/>
+              <a:buAutoNum type="arabicPeriod"/>
+            </a:pPr>
+            <a:r>
+              <a:rPr lang="en-US" dirty="0"/>
+              <a:t>Number of nodes in each layer</a:t>
+            </a:r>
+          </a:p>
+          <a:p>
+            <a:pPr marL="341312" indent="-342900"/>
+            <a:r>
+              <a:rPr lang="en-US" dirty="0"/>
+              <a:t>Training for 500 epochs, then 5000 with best model</a:t>
+            </a:r>
+          </a:p>
+          <a:p>
+            <a:pPr marL="609600" lvl="1" indent="-342900">
+              <a:buFont typeface="+mj-lt"/>
+              <a:buAutoNum type="arabicPeriod"/>
+            </a:pPr>
+            <a:endParaRPr lang="en-US" dirty="0"/>
+          </a:p>
+          <a:p>
+            <a:pPr marL="266700" lvl="1" indent="0">
+              <a:buNone/>
+            </a:pPr>
+            <a:r>
+              <a:rPr lang="en-US" dirty="0"/>
+              <a:t>	</a:t>
+            </a:r>
+          </a:p>
+          <a:p>
+            <a:pPr lvl="1"/>
+            <a:endParaRPr lang="en-US" dirty="0"/>
+          </a:p>
+          <a:p>
+            <a:endParaRPr lang="en-US" dirty="0"/>
+          </a:p>
+          <a:p>
+            <a:endParaRPr lang="en-US" dirty="0"/>
+          </a:p>
+          <a:p>
+            <a:endParaRPr lang="en-US" dirty="0">
+              <a:latin typeface="Calibri" panose="020F0502020204030204" pitchFamily="34" charset="0"/>
+              <a:ea typeface="Calibri" panose="020F0502020204030204" pitchFamily="34" charset="0"/>
+              <a:cs typeface="Arial" panose="020B0604020202020204" pitchFamily="34" charset="0"/>
+            </a:endParaRPr>
+          </a:p>
+          <a:p>
+            <a:endParaRPr lang="en-US" dirty="0">
+              <a:latin typeface="Calibri" panose="020F0502020204030204" pitchFamily="34" charset="0"/>
+              <a:ea typeface="Calibri" panose="020F0502020204030204" pitchFamily="34" charset="0"/>
+              <a:cs typeface="Arial" panose="020B0604020202020204" pitchFamily="34" charset="0"/>
+            </a:endParaRPr>
+          </a:p>
+          <a:p>
+            <a:endParaRPr lang="en-US" dirty="0"/>
+          </a:p>
+          <a:p>
+            <a:endParaRPr lang="en-US" dirty="0"/>
+          </a:p>
+        </p:txBody>
+      </p:sp>
     </p:spTree>
     <p:extLst>
       <p:ext uri="{BB962C8B-B14F-4D97-AF65-F5344CB8AC3E}">
-        <p14:creationId xmlns:p14="http://schemas.microsoft.com/office/powerpoint/2010/main" val="3952180218"/>
+        <p14:creationId xmlns:p14="http://schemas.microsoft.com/office/powerpoint/2010/main" val="1291769580"/>
       </p:ext>
     </p:extLst>
   </p:cSld>
@@ -10924,7 +11583,7 @@
           <p:cNvPr id="2" name="Date Placeholder 1">
             <a:extLst>
               <a:ext uri="{FF2B5EF4-FFF2-40B4-BE49-F238E27FC236}">
-                <a16:creationId xmlns:a16="http://schemas.microsoft.com/office/drawing/2014/main" id="{E653CDC2-E009-3556-5871-43AEB18817C7}"/>
+                <a16:creationId xmlns:a16="http://schemas.microsoft.com/office/drawing/2014/main" id="{2B8CAAFC-F0E6-F31E-198A-AA24CC49C316}"/>
               </a:ext>
             </a:extLst>
           </p:cNvPr>
@@ -10942,7 +11601,7 @@
           <a:p>
             <a:fld id="{A2E8877F-2015-4290-957C-06EF82A52242}" type="datetime8">
               <a:rPr lang="en-DE" smtClean="0"/>
-              <a:t>11/01/2022 18:33</a:t>
+              <a:t>11/12/2022 17:02</a:t>
             </a:fld>
             <a:endParaRPr lang="de-DE" dirty="0"/>
           </a:p>
@@ -10953,7 +11612,7 @@
           <p:cNvPr id="3" name="Footer Placeholder 2">
             <a:extLst>
               <a:ext uri="{FF2B5EF4-FFF2-40B4-BE49-F238E27FC236}">
-                <a16:creationId xmlns:a16="http://schemas.microsoft.com/office/drawing/2014/main" id="{31D70611-B689-F2D3-EC7A-E9C09F116747}"/>
+                <a16:creationId xmlns:a16="http://schemas.microsoft.com/office/drawing/2014/main" id="{C49146C1-0EFA-7410-35A6-1C2B33E3E160}"/>
               </a:ext>
             </a:extLst>
           </p:cNvPr>
@@ -10982,7 +11641,7 @@
           <p:cNvPr id="4" name="Slide Number Placeholder 3">
             <a:extLst>
               <a:ext uri="{FF2B5EF4-FFF2-40B4-BE49-F238E27FC236}">
-                <a16:creationId xmlns:a16="http://schemas.microsoft.com/office/drawing/2014/main" id="{72EF048D-E487-0918-E3D6-70DD63871490}"/>
+                <a16:creationId xmlns:a16="http://schemas.microsoft.com/office/drawing/2014/main" id="{83EEE9A2-09B3-BA3D-B64B-856A8F226637}"/>
               </a:ext>
             </a:extLst>
           </p:cNvPr>
@@ -11012,7 +11671,7 @@
           <p:cNvPr id="5" name="Title 4">
             <a:extLst>
               <a:ext uri="{FF2B5EF4-FFF2-40B4-BE49-F238E27FC236}">
-                <a16:creationId xmlns:a16="http://schemas.microsoft.com/office/drawing/2014/main" id="{45EE9607-A6C6-D200-B84D-465F5AABC4F5}"/>
+                <a16:creationId xmlns:a16="http://schemas.microsoft.com/office/drawing/2014/main" id="{BBB354EA-F495-6050-38E7-B27B0D727096}"/>
               </a:ext>
             </a:extLst>
           </p:cNvPr>
@@ -11030,118 +11689,341 @@
           <a:p>
             <a:r>
               <a:rPr lang="en-US" dirty="0"/>
-              <a:t>Drag</a:t>
+              <a:t>Drag simple</a:t>
             </a:r>
           </a:p>
         </p:txBody>
       </p:sp>
       <p:sp>
         <p:nvSpPr>
-          <p:cNvPr id="6" name="Text Placeholder 5">
-            <a:extLst>
-              <a:ext uri="{FF2B5EF4-FFF2-40B4-BE49-F238E27FC236}">
-                <a16:creationId xmlns:a16="http://schemas.microsoft.com/office/drawing/2014/main" id="{680BC9F9-2757-24C5-308C-2149987995FC}"/>
-              </a:ext>
-            </a:extLst>
-          </p:cNvPr>
-          <p:cNvSpPr>
-            <a:spLocks noGrp="1"/>
+          <p:cNvPr id="7" name="Text Placeholder 5">
+            <a:extLst>
+              <a:ext uri="{FF2B5EF4-FFF2-40B4-BE49-F238E27FC236}">
+                <a16:creationId xmlns:a16="http://schemas.microsoft.com/office/drawing/2014/main" id="{9566E055-639F-36C7-FA54-FF2DB2C85FB8}"/>
+              </a:ext>
+            </a:extLst>
+          </p:cNvPr>
+          <p:cNvSpPr txBox="1">
+            <a:spLocks/>
           </p:cNvSpPr>
-          <p:nvPr>
-            <p:ph type="body" sz="quarter" idx="17"/>
-          </p:nvPr>
+          <p:nvPr/>
         </p:nvSpPr>
-        <p:spPr/>
+        <p:spPr>
+          <a:xfrm>
+            <a:off x="670719" y="1650460"/>
+            <a:ext cx="11358942" cy="4721156"/>
+          </a:xfrm>
+          <a:prstGeom prst="rect">
+            <a:avLst/>
+          </a:prstGeom>
+        </p:spPr>
         <p:txBody>
-          <a:bodyPr/>
-          <a:lstStyle/>
-          <a:p>
+          <a:bodyPr vert="horz" lIns="0" tIns="0" rIns="0" bIns="0" rtlCol="0" anchor="t" anchorCtr="0">
+            <a:noAutofit/>
+          </a:bodyPr>
+          <a:lstStyle>
+            <a:lvl1pPr marL="266700" indent="-266700" algn="l" defTabSz="914400" rtl="0" eaLnBrk="1" latinLnBrk="0" hangingPunct="1">
+              <a:lnSpc>
+                <a:spcPct val="110000"/>
+              </a:lnSpc>
+              <a:spcBef>
+                <a:spcPts val="400"/>
+              </a:spcBef>
+              <a:spcAft>
+                <a:spcPts val="600"/>
+              </a:spcAft>
+              <a:buClr>
+                <a:srgbClr val="779FB4"/>
+              </a:buClr>
+              <a:buFont typeface="Wingdings" pitchFamily="2" charset="2"/>
+              <a:buChar char="§"/>
+              <a:tabLst/>
+              <a:defRPr sz="1800" b="0" kern="1200">
+                <a:solidFill>
+                  <a:srgbClr val="000000"/>
+                </a:solidFill>
+                <a:latin typeface="+mn-lt"/>
+                <a:ea typeface="+mn-ea"/>
+                <a:cs typeface="+mn-cs"/>
+              </a:defRPr>
+            </a:lvl1pPr>
+            <a:lvl2pPr marL="534988" indent="-268288" algn="l" defTabSz="914400" rtl="0" eaLnBrk="1" latinLnBrk="0" hangingPunct="1">
+              <a:lnSpc>
+                <a:spcPct val="110000"/>
+              </a:lnSpc>
+              <a:spcBef>
+                <a:spcPts val="0"/>
+              </a:spcBef>
+              <a:spcAft>
+                <a:spcPts val="600"/>
+              </a:spcAft>
+              <a:buClr>
+                <a:srgbClr val="779FB4"/>
+              </a:buClr>
+              <a:buFont typeface="Wingdings" pitchFamily="2" charset="2"/>
+              <a:buChar char="§"/>
+              <a:tabLst/>
+              <a:defRPr sz="1600" kern="1200">
+                <a:solidFill>
+                  <a:schemeClr val="bg1"/>
+                </a:solidFill>
+                <a:latin typeface="+mn-lt"/>
+                <a:ea typeface="+mn-ea"/>
+                <a:cs typeface="+mn-cs"/>
+              </a:defRPr>
+            </a:lvl2pPr>
+            <a:lvl3pPr marL="534988" indent="317500" algn="l" defTabSz="914400" rtl="0" eaLnBrk="1" latinLnBrk="0" hangingPunct="1">
+              <a:lnSpc>
+                <a:spcPct val="110000"/>
+              </a:lnSpc>
+              <a:spcBef>
+                <a:spcPts val="0"/>
+              </a:spcBef>
+              <a:spcAft>
+                <a:spcPts val="600"/>
+              </a:spcAft>
+              <a:buClr>
+                <a:srgbClr val="779FB4"/>
+              </a:buClr>
+              <a:buFont typeface="Symbol" pitchFamily="2" charset="2"/>
+              <a:buChar char="-"/>
+              <a:tabLst/>
+              <a:defRPr sz="1600" kern="1200">
+                <a:solidFill>
+                  <a:schemeClr val="bg1"/>
+                </a:solidFill>
+                <a:latin typeface="+mn-lt"/>
+                <a:ea typeface="+mn-ea"/>
+                <a:cs typeface="+mn-cs"/>
+              </a:defRPr>
+            </a:lvl3pPr>
+            <a:lvl4pPr marL="540000" indent="-180000" algn="l" defTabSz="914400" rtl="0" eaLnBrk="1" latinLnBrk="0" hangingPunct="1">
+              <a:lnSpc>
+                <a:spcPct val="110000"/>
+              </a:lnSpc>
+              <a:spcBef>
+                <a:spcPts val="0"/>
+              </a:spcBef>
+              <a:spcAft>
+                <a:spcPts val="1200"/>
+              </a:spcAft>
+              <a:buClr>
+                <a:schemeClr val="accent4"/>
+              </a:buClr>
+              <a:buFont typeface="Symbol" panose="05050102010706020507" pitchFamily="18" charset="2"/>
+              <a:buChar char="-"/>
+              <a:defRPr sz="1800" kern="1200">
+                <a:solidFill>
+                  <a:schemeClr val="tx1"/>
+                </a:solidFill>
+                <a:latin typeface="+mn-lt"/>
+                <a:ea typeface="+mn-ea"/>
+                <a:cs typeface="+mn-cs"/>
+              </a:defRPr>
+            </a:lvl4pPr>
+            <a:lvl5pPr marL="720000" indent="-180000" algn="l" defTabSz="914400" rtl="0" eaLnBrk="1" latinLnBrk="0" hangingPunct="1">
+              <a:lnSpc>
+                <a:spcPct val="110000"/>
+              </a:lnSpc>
+              <a:spcBef>
+                <a:spcPts val="0"/>
+              </a:spcBef>
+              <a:spcAft>
+                <a:spcPts val="1200"/>
+              </a:spcAft>
+              <a:buClr>
+                <a:schemeClr val="accent4"/>
+              </a:buClr>
+              <a:buFont typeface="Symbol" panose="05050102010706020507" pitchFamily="18" charset="2"/>
+              <a:buChar char="-"/>
+              <a:defRPr sz="1800" kern="1200">
+                <a:solidFill>
+                  <a:schemeClr val="tx1"/>
+                </a:solidFill>
+                <a:latin typeface="+mn-lt"/>
+                <a:ea typeface="+mn-ea"/>
+                <a:cs typeface="+mn-cs"/>
+              </a:defRPr>
+            </a:lvl5pPr>
+            <a:lvl6pPr marL="900000" indent="-180000" algn="l" defTabSz="914400" rtl="0" eaLnBrk="1" latinLnBrk="0" hangingPunct="1">
+              <a:lnSpc>
+                <a:spcPct val="110000"/>
+              </a:lnSpc>
+              <a:spcBef>
+                <a:spcPts val="0"/>
+              </a:spcBef>
+              <a:spcAft>
+                <a:spcPts val="1200"/>
+              </a:spcAft>
+              <a:buClr>
+                <a:schemeClr val="accent4"/>
+              </a:buClr>
+              <a:buFont typeface="Symbol" panose="05050102010706020507" pitchFamily="18" charset="2"/>
+              <a:buChar char="-"/>
+              <a:defRPr sz="1200" kern="1200">
+                <a:solidFill>
+                  <a:schemeClr val="tx1"/>
+                </a:solidFill>
+                <a:latin typeface="+mn-lt"/>
+                <a:ea typeface="+mn-ea"/>
+                <a:cs typeface="+mn-cs"/>
+              </a:defRPr>
+            </a:lvl6pPr>
+            <a:lvl7pPr marL="1080000" indent="-180000" algn="l" defTabSz="914400" rtl="0" eaLnBrk="1" latinLnBrk="0" hangingPunct="1">
+              <a:lnSpc>
+                <a:spcPct val="110000"/>
+              </a:lnSpc>
+              <a:spcBef>
+                <a:spcPts val="0"/>
+              </a:spcBef>
+              <a:spcAft>
+                <a:spcPts val="1200"/>
+              </a:spcAft>
+              <a:buClr>
+                <a:schemeClr val="accent4"/>
+              </a:buClr>
+              <a:buFont typeface="Symbol" panose="05050102010706020507" pitchFamily="18" charset="2"/>
+              <a:buChar char="-"/>
+              <a:defRPr sz="1200" kern="1200">
+                <a:solidFill>
+                  <a:schemeClr val="tx1"/>
+                </a:solidFill>
+                <a:latin typeface="+mn-lt"/>
+                <a:ea typeface="+mn-ea"/>
+                <a:cs typeface="+mn-cs"/>
+              </a:defRPr>
+            </a:lvl7pPr>
+            <a:lvl8pPr marL="1260000" indent="-180000" algn="l" defTabSz="914400" rtl="0" eaLnBrk="1" latinLnBrk="0" hangingPunct="1">
+              <a:lnSpc>
+                <a:spcPct val="110000"/>
+              </a:lnSpc>
+              <a:spcBef>
+                <a:spcPts val="0"/>
+              </a:spcBef>
+              <a:spcAft>
+                <a:spcPts val="1200"/>
+              </a:spcAft>
+              <a:buClr>
+                <a:schemeClr val="accent4"/>
+              </a:buClr>
+              <a:buFont typeface="Symbol" panose="05050102010706020507" pitchFamily="18" charset="2"/>
+              <a:buChar char="-"/>
+              <a:defRPr sz="1200" kern="1200">
+                <a:solidFill>
+                  <a:schemeClr val="tx1"/>
+                </a:solidFill>
+                <a:latin typeface="+mn-lt"/>
+                <a:ea typeface="+mn-ea"/>
+                <a:cs typeface="+mn-cs"/>
+              </a:defRPr>
+            </a:lvl8pPr>
+            <a:lvl9pPr marL="1440000" indent="-180000" algn="l" defTabSz="914400" rtl="0" eaLnBrk="1" latinLnBrk="0" hangingPunct="1">
+              <a:lnSpc>
+                <a:spcPct val="110000"/>
+              </a:lnSpc>
+              <a:spcBef>
+                <a:spcPts val="0"/>
+              </a:spcBef>
+              <a:spcAft>
+                <a:spcPts val="1200"/>
+              </a:spcAft>
+              <a:buClr>
+                <a:schemeClr val="accent4"/>
+              </a:buClr>
+              <a:buFont typeface="Symbol" panose="05050102010706020507" pitchFamily="18" charset="2"/>
+              <a:buChar char="-"/>
+              <a:defRPr sz="1200" kern="1200">
+                <a:solidFill>
+                  <a:schemeClr val="tx1"/>
+                </a:solidFill>
+                <a:latin typeface="+mn-lt"/>
+                <a:ea typeface="+mn-ea"/>
+                <a:cs typeface="+mn-cs"/>
+              </a:defRPr>
+            </a:lvl9pPr>
+          </a:lstStyle>
+          <a:p>
+            <a:pPr marL="609600" lvl="1" indent="-342900">
+              <a:buFont typeface="+mj-lt"/>
+              <a:buAutoNum type="arabicPeriod"/>
+            </a:pPr>
+            <a:endParaRPr lang="en-US" dirty="0"/>
+          </a:p>
+          <a:p>
+            <a:pPr marL="266700" lvl="1" indent="0">
+              <a:buNone/>
+            </a:pPr>
             <a:r>
               <a:rPr lang="en-US" dirty="0"/>
-              <a:t>Drag</a:t>
+              <a:t>	</a:t>
             </a:r>
           </a:p>
           <a:p>
-            <a:r>
-              <a:rPr lang="en-US" dirty="0"/>
-              <a:t>Evaluate on new data!</a:t>
-            </a:r>
-          </a:p>
-          <a:p>
             <a:pPr lvl="1"/>
-            <a:r>
-              <a:rPr lang="en-US" dirty="0"/>
-              <a:t>Need more similar data samples, variety of steps. </a:t>
-            </a:r>
-            <a:r>
-              <a:rPr lang="en-US" dirty="0">
-                <a:sym typeface="Wingdings" panose="05000000000000000000" pitchFamily="2" charset="2"/>
-              </a:rPr>
-              <a:t> Different step heights, 20 variations (12 train, 4 </a:t>
-            </a:r>
-            <a:r>
-              <a:rPr lang="en-US" dirty="0" err="1">
-                <a:sym typeface="Wingdings" panose="05000000000000000000" pitchFamily="2" charset="2"/>
-              </a:rPr>
-              <a:t>val</a:t>
-            </a:r>
-            <a:r>
-              <a:rPr lang="en-US" dirty="0">
-                <a:sym typeface="Wingdings" panose="05000000000000000000" pitchFamily="2" charset="2"/>
-              </a:rPr>
-              <a:t>, 4 test)</a:t>
-            </a:r>
-          </a:p>
-          <a:p>
-            <a:pPr lvl="1"/>
-            <a:r>
-              <a:rPr lang="en-US" b="1" dirty="0">
-                <a:sym typeface="Wingdings" panose="05000000000000000000" pitchFamily="2" charset="2"/>
-              </a:rPr>
-              <a:t>Normalization </a:t>
-            </a:r>
-            <a:r>
-              <a:rPr lang="en-US" dirty="0">
-                <a:sym typeface="Wingdings" panose="05000000000000000000" pitchFamily="2" charset="2"/>
-              </a:rPr>
-              <a:t>to values between 0 and 1 (Min-Max)</a:t>
-            </a:r>
-          </a:p>
-          <a:p>
-            <a:pPr lvl="1"/>
-            <a:r>
-              <a:rPr lang="en-US" dirty="0"/>
-              <a:t>Train again on </a:t>
-            </a:r>
-            <a:r>
-              <a:rPr lang="en-US" b="1" dirty="0"/>
-              <a:t>now multiple </a:t>
-            </a:r>
-            <a:r>
-              <a:rPr lang="en-US" dirty="0"/>
-              <a:t>different training samples</a:t>
-            </a:r>
-          </a:p>
-          <a:p>
-            <a:pPr lvl="1"/>
-            <a:r>
-              <a:rPr lang="en-US" dirty="0"/>
-              <a:t>Evaluate on the training data again, to make sure it can learn one sample of the multiple training samples well.</a:t>
-            </a:r>
-          </a:p>
-          <a:p>
-            <a:pPr lvl="1"/>
-            <a:r>
-              <a:rPr lang="en-US" dirty="0"/>
-              <a:t>Then evaluate on new data!</a:t>
-            </a:r>
+            <a:endParaRPr lang="en-US" dirty="0"/>
+          </a:p>
+          <a:p>
+            <a:endParaRPr lang="en-US" dirty="0"/>
+          </a:p>
+          <a:p>
+            <a:endParaRPr lang="en-US" dirty="0"/>
+          </a:p>
+          <a:p>
+            <a:endParaRPr lang="en-US" dirty="0">
+              <a:latin typeface="Calibri" panose="020F0502020204030204" pitchFamily="34" charset="0"/>
+              <a:ea typeface="Calibri" panose="020F0502020204030204" pitchFamily="34" charset="0"/>
+              <a:cs typeface="Arial" panose="020B0604020202020204" pitchFamily="34" charset="0"/>
+            </a:endParaRPr>
+          </a:p>
+          <a:p>
+            <a:endParaRPr lang="en-US" dirty="0">
+              <a:latin typeface="Calibri" panose="020F0502020204030204" pitchFamily="34" charset="0"/>
+              <a:ea typeface="Calibri" panose="020F0502020204030204" pitchFamily="34" charset="0"/>
+              <a:cs typeface="Arial" panose="020B0604020202020204" pitchFamily="34" charset="0"/>
+            </a:endParaRPr>
+          </a:p>
+          <a:p>
+            <a:endParaRPr lang="en-US" dirty="0"/>
+          </a:p>
+          <a:p>
+            <a:endParaRPr lang="en-US" dirty="0"/>
           </a:p>
         </p:txBody>
       </p:sp>
+      <p:pic>
+        <p:nvPicPr>
+          <p:cNvPr id="8" name="Picture 7">
+            <a:extLst>
+              <a:ext uri="{FF2B5EF4-FFF2-40B4-BE49-F238E27FC236}">
+                <a16:creationId xmlns:a16="http://schemas.microsoft.com/office/drawing/2014/main" id="{AFFFFC17-F38E-5710-2B86-4D30F80E73CC}"/>
+              </a:ext>
+            </a:extLst>
+          </p:cNvPr>
+          <p:cNvPicPr>
+            <a:picLocks noChangeAspect="1"/>
+          </p:cNvPicPr>
+          <p:nvPr/>
+        </p:nvPicPr>
+        <p:blipFill>
+          <a:blip r:embed="rId2"/>
+          <a:stretch>
+            <a:fillRect/>
+          </a:stretch>
+        </p:blipFill>
+        <p:spPr>
+          <a:xfrm>
+            <a:off x="3163431" y="1352494"/>
+            <a:ext cx="5818307" cy="5019122"/>
+          </a:xfrm>
+          <a:prstGeom prst="rect">
+            <a:avLst/>
+          </a:prstGeom>
+        </p:spPr>
+      </p:pic>
     </p:spTree>
     <p:extLst>
       <p:ext uri="{BB962C8B-B14F-4D97-AF65-F5344CB8AC3E}">
-        <p14:creationId xmlns:p14="http://schemas.microsoft.com/office/powerpoint/2010/main" val="1936224446"/>
+        <p14:creationId xmlns:p14="http://schemas.microsoft.com/office/powerpoint/2010/main" val="4271453590"/>
       </p:ext>
     </p:extLst>
   </p:cSld>
@@ -11195,12 +12077,8 @@
           <a:lstStyle/>
           <a:p>
             <a:r>
-              <a:rPr lang="de-DE" dirty="0"/>
-              <a:t>Problem </a:t>
-            </a:r>
-            <a:r>
               <a:rPr lang="de-DE" dirty="0" err="1"/>
-              <a:t>description</a:t>
+              <a:t>Introduction</a:t>
             </a:r>
             <a:endParaRPr lang="de-DE" dirty="0"/>
           </a:p>
@@ -11229,7 +12107,7 @@
           <a:p>
             <a:fld id="{C683496F-A479-4189-AF7A-49EC797A60BB}" type="datetime8">
               <a:rPr lang="en-DE" smtClean="0"/>
-              <a:t>11/01/2022 18:33</a:t>
+              <a:t>11/12/2022 13:29</a:t>
             </a:fld>
             <a:endParaRPr lang="de-DE" dirty="0"/>
           </a:p>
@@ -11326,10 +12204,10 @@
       </p:grpSpPr>
       <p:sp>
         <p:nvSpPr>
-          <p:cNvPr id="2" name="Datumsplatzhalter 1">
-            <a:extLst>
-              <a:ext uri="{FF2B5EF4-FFF2-40B4-BE49-F238E27FC236}">
-                <a16:creationId xmlns:a16="http://schemas.microsoft.com/office/drawing/2014/main" id="{B446B528-9123-B86E-03BB-CC1AFE33FB8E}"/>
+          <p:cNvPr id="2" name="Date Placeholder 1">
+            <a:extLst>
+              <a:ext uri="{FF2B5EF4-FFF2-40B4-BE49-F238E27FC236}">
+                <a16:creationId xmlns:a16="http://schemas.microsoft.com/office/drawing/2014/main" id="{2B8CAAFC-F0E6-F31E-198A-AA24CC49C316}"/>
               </a:ext>
             </a:extLst>
           </p:cNvPr>
@@ -11347,7 +12225,7 @@
           <a:p>
             <a:fld id="{A2E8877F-2015-4290-957C-06EF82A52242}" type="datetime8">
               <a:rPr lang="en-DE" smtClean="0"/>
-              <a:t>11/01/2022 18:35</a:t>
+              <a:t>11/12/2022 17:03</a:t>
             </a:fld>
             <a:endParaRPr lang="de-DE" dirty="0"/>
           </a:p>
@@ -11355,10 +12233,10 @@
       </p:sp>
       <p:sp>
         <p:nvSpPr>
-          <p:cNvPr id="3" name="Fußzeilenplatzhalter 2">
-            <a:extLst>
-              <a:ext uri="{FF2B5EF4-FFF2-40B4-BE49-F238E27FC236}">
-                <a16:creationId xmlns:a16="http://schemas.microsoft.com/office/drawing/2014/main" id="{9039D9D2-CC83-71B3-9FD1-8EE930EC3D74}"/>
+          <p:cNvPr id="3" name="Footer Placeholder 2">
+            <a:extLst>
+              <a:ext uri="{FF2B5EF4-FFF2-40B4-BE49-F238E27FC236}">
+                <a16:creationId xmlns:a16="http://schemas.microsoft.com/office/drawing/2014/main" id="{C49146C1-0EFA-7410-35A6-1C2B33E3E160}"/>
               </a:ext>
             </a:extLst>
           </p:cNvPr>
@@ -11384,10 +12262,10 @@
       </p:sp>
       <p:sp>
         <p:nvSpPr>
-          <p:cNvPr id="4" name="Foliennummernplatzhalter 3">
-            <a:extLst>
-              <a:ext uri="{FF2B5EF4-FFF2-40B4-BE49-F238E27FC236}">
-                <a16:creationId xmlns:a16="http://schemas.microsoft.com/office/drawing/2014/main" id="{6799EE1F-7DA2-681B-18DD-284EC80CE7C1}"/>
+          <p:cNvPr id="4" name="Slide Number Placeholder 3">
+            <a:extLst>
+              <a:ext uri="{FF2B5EF4-FFF2-40B4-BE49-F238E27FC236}">
+                <a16:creationId xmlns:a16="http://schemas.microsoft.com/office/drawing/2014/main" id="{83EEE9A2-09B3-BA3D-B64B-856A8F226637}"/>
               </a:ext>
             </a:extLst>
           </p:cNvPr>
@@ -11414,10 +12292,10 @@
       </p:sp>
       <p:sp>
         <p:nvSpPr>
-          <p:cNvPr id="5" name="Titel 4">
-            <a:extLst>
-              <a:ext uri="{FF2B5EF4-FFF2-40B4-BE49-F238E27FC236}">
-                <a16:creationId xmlns:a16="http://schemas.microsoft.com/office/drawing/2014/main" id="{1E6B2A5D-4314-E0F4-B6A1-769A8DB4F7C3}"/>
+          <p:cNvPr id="5" name="Title 4">
+            <a:extLst>
+              <a:ext uri="{FF2B5EF4-FFF2-40B4-BE49-F238E27FC236}">
+                <a16:creationId xmlns:a16="http://schemas.microsoft.com/office/drawing/2014/main" id="{BBB354EA-F495-6050-38E7-B27B0D727096}"/>
               </a:ext>
             </a:extLst>
           </p:cNvPr>
@@ -11434,48 +12312,314 @@
           <a:lstStyle/>
           <a:p>
             <a:r>
-              <a:rPr lang="en-US"/>
-              <a:t>Drag norm – Multiple Samples</a:t>
+              <a:rPr lang="en-US" dirty="0"/>
+              <a:t>Drag complex</a:t>
             </a:r>
-            <a:endParaRPr lang="en-US" dirty="0"/>
           </a:p>
         </p:txBody>
       </p:sp>
       <p:sp>
         <p:nvSpPr>
-          <p:cNvPr id="6" name="Textplatzhalter 5">
-            <a:extLst>
-              <a:ext uri="{FF2B5EF4-FFF2-40B4-BE49-F238E27FC236}">
-                <a16:creationId xmlns:a16="http://schemas.microsoft.com/office/drawing/2014/main" id="{202B2346-17ED-3E6E-A606-65763BDC6E02}"/>
-              </a:ext>
-            </a:extLst>
-          </p:cNvPr>
-          <p:cNvSpPr>
-            <a:spLocks noGrp="1"/>
+          <p:cNvPr id="7" name="Text Placeholder 5">
+            <a:extLst>
+              <a:ext uri="{FF2B5EF4-FFF2-40B4-BE49-F238E27FC236}">
+                <a16:creationId xmlns:a16="http://schemas.microsoft.com/office/drawing/2014/main" id="{9566E055-639F-36C7-FA54-FF2DB2C85FB8}"/>
+              </a:ext>
+            </a:extLst>
+          </p:cNvPr>
+          <p:cNvSpPr txBox="1">
+            <a:spLocks/>
           </p:cNvSpPr>
-          <p:nvPr>
-            <p:ph type="body" sz="quarter" idx="17"/>
-          </p:nvPr>
+          <p:nvPr/>
         </p:nvSpPr>
-        <p:spPr/>
+        <p:spPr>
+          <a:xfrm>
+            <a:off x="670719" y="1650460"/>
+            <a:ext cx="11358942" cy="4721156"/>
+          </a:xfrm>
+          <a:prstGeom prst="rect">
+            <a:avLst/>
+          </a:prstGeom>
+        </p:spPr>
         <p:txBody>
-          <a:bodyPr/>
-          <a:lstStyle/>
-          <a:p>
+          <a:bodyPr vert="horz" lIns="0" tIns="0" rIns="0" bIns="0" rtlCol="0" anchor="t" anchorCtr="0">
+            <a:noAutofit/>
+          </a:bodyPr>
+          <a:lstStyle>
+            <a:lvl1pPr marL="266700" indent="-266700" algn="l" defTabSz="914400" rtl="0" eaLnBrk="1" latinLnBrk="0" hangingPunct="1">
+              <a:lnSpc>
+                <a:spcPct val="110000"/>
+              </a:lnSpc>
+              <a:spcBef>
+                <a:spcPts val="400"/>
+              </a:spcBef>
+              <a:spcAft>
+                <a:spcPts val="600"/>
+              </a:spcAft>
+              <a:buClr>
+                <a:srgbClr val="779FB4"/>
+              </a:buClr>
+              <a:buFont typeface="Wingdings" pitchFamily="2" charset="2"/>
+              <a:buChar char="§"/>
+              <a:tabLst/>
+              <a:defRPr sz="1800" b="0" kern="1200">
+                <a:solidFill>
+                  <a:srgbClr val="000000"/>
+                </a:solidFill>
+                <a:latin typeface="+mn-lt"/>
+                <a:ea typeface="+mn-ea"/>
+                <a:cs typeface="+mn-cs"/>
+              </a:defRPr>
+            </a:lvl1pPr>
+            <a:lvl2pPr marL="534988" indent="-268288" algn="l" defTabSz="914400" rtl="0" eaLnBrk="1" latinLnBrk="0" hangingPunct="1">
+              <a:lnSpc>
+                <a:spcPct val="110000"/>
+              </a:lnSpc>
+              <a:spcBef>
+                <a:spcPts val="0"/>
+              </a:spcBef>
+              <a:spcAft>
+                <a:spcPts val="600"/>
+              </a:spcAft>
+              <a:buClr>
+                <a:srgbClr val="779FB4"/>
+              </a:buClr>
+              <a:buFont typeface="Wingdings" pitchFamily="2" charset="2"/>
+              <a:buChar char="§"/>
+              <a:tabLst/>
+              <a:defRPr sz="1600" kern="1200">
+                <a:solidFill>
+                  <a:schemeClr val="bg1"/>
+                </a:solidFill>
+                <a:latin typeface="+mn-lt"/>
+                <a:ea typeface="+mn-ea"/>
+                <a:cs typeface="+mn-cs"/>
+              </a:defRPr>
+            </a:lvl2pPr>
+            <a:lvl3pPr marL="534988" indent="317500" algn="l" defTabSz="914400" rtl="0" eaLnBrk="1" latinLnBrk="0" hangingPunct="1">
+              <a:lnSpc>
+                <a:spcPct val="110000"/>
+              </a:lnSpc>
+              <a:spcBef>
+                <a:spcPts val="0"/>
+              </a:spcBef>
+              <a:spcAft>
+                <a:spcPts val="600"/>
+              </a:spcAft>
+              <a:buClr>
+                <a:srgbClr val="779FB4"/>
+              </a:buClr>
+              <a:buFont typeface="Symbol" pitchFamily="2" charset="2"/>
+              <a:buChar char="-"/>
+              <a:tabLst/>
+              <a:defRPr sz="1600" kern="1200">
+                <a:solidFill>
+                  <a:schemeClr val="bg1"/>
+                </a:solidFill>
+                <a:latin typeface="+mn-lt"/>
+                <a:ea typeface="+mn-ea"/>
+                <a:cs typeface="+mn-cs"/>
+              </a:defRPr>
+            </a:lvl3pPr>
+            <a:lvl4pPr marL="540000" indent="-180000" algn="l" defTabSz="914400" rtl="0" eaLnBrk="1" latinLnBrk="0" hangingPunct="1">
+              <a:lnSpc>
+                <a:spcPct val="110000"/>
+              </a:lnSpc>
+              <a:spcBef>
+                <a:spcPts val="0"/>
+              </a:spcBef>
+              <a:spcAft>
+                <a:spcPts val="1200"/>
+              </a:spcAft>
+              <a:buClr>
+                <a:schemeClr val="accent4"/>
+              </a:buClr>
+              <a:buFont typeface="Symbol" panose="05050102010706020507" pitchFamily="18" charset="2"/>
+              <a:buChar char="-"/>
+              <a:defRPr sz="1800" kern="1200">
+                <a:solidFill>
+                  <a:schemeClr val="tx1"/>
+                </a:solidFill>
+                <a:latin typeface="+mn-lt"/>
+                <a:ea typeface="+mn-ea"/>
+                <a:cs typeface="+mn-cs"/>
+              </a:defRPr>
+            </a:lvl4pPr>
+            <a:lvl5pPr marL="720000" indent="-180000" algn="l" defTabSz="914400" rtl="0" eaLnBrk="1" latinLnBrk="0" hangingPunct="1">
+              <a:lnSpc>
+                <a:spcPct val="110000"/>
+              </a:lnSpc>
+              <a:spcBef>
+                <a:spcPts val="0"/>
+              </a:spcBef>
+              <a:spcAft>
+                <a:spcPts val="1200"/>
+              </a:spcAft>
+              <a:buClr>
+                <a:schemeClr val="accent4"/>
+              </a:buClr>
+              <a:buFont typeface="Symbol" panose="05050102010706020507" pitchFamily="18" charset="2"/>
+              <a:buChar char="-"/>
+              <a:defRPr sz="1800" kern="1200">
+                <a:solidFill>
+                  <a:schemeClr val="tx1"/>
+                </a:solidFill>
+                <a:latin typeface="+mn-lt"/>
+                <a:ea typeface="+mn-ea"/>
+                <a:cs typeface="+mn-cs"/>
+              </a:defRPr>
+            </a:lvl5pPr>
+            <a:lvl6pPr marL="900000" indent="-180000" algn="l" defTabSz="914400" rtl="0" eaLnBrk="1" latinLnBrk="0" hangingPunct="1">
+              <a:lnSpc>
+                <a:spcPct val="110000"/>
+              </a:lnSpc>
+              <a:spcBef>
+                <a:spcPts val="0"/>
+              </a:spcBef>
+              <a:spcAft>
+                <a:spcPts val="1200"/>
+              </a:spcAft>
+              <a:buClr>
+                <a:schemeClr val="accent4"/>
+              </a:buClr>
+              <a:buFont typeface="Symbol" panose="05050102010706020507" pitchFamily="18" charset="2"/>
+              <a:buChar char="-"/>
+              <a:defRPr sz="1200" kern="1200">
+                <a:solidFill>
+                  <a:schemeClr val="tx1"/>
+                </a:solidFill>
+                <a:latin typeface="+mn-lt"/>
+                <a:ea typeface="+mn-ea"/>
+                <a:cs typeface="+mn-cs"/>
+              </a:defRPr>
+            </a:lvl6pPr>
+            <a:lvl7pPr marL="1080000" indent="-180000" algn="l" defTabSz="914400" rtl="0" eaLnBrk="1" latinLnBrk="0" hangingPunct="1">
+              <a:lnSpc>
+                <a:spcPct val="110000"/>
+              </a:lnSpc>
+              <a:spcBef>
+                <a:spcPts val="0"/>
+              </a:spcBef>
+              <a:spcAft>
+                <a:spcPts val="1200"/>
+              </a:spcAft>
+              <a:buClr>
+                <a:schemeClr val="accent4"/>
+              </a:buClr>
+              <a:buFont typeface="Symbol" panose="05050102010706020507" pitchFamily="18" charset="2"/>
+              <a:buChar char="-"/>
+              <a:defRPr sz="1200" kern="1200">
+                <a:solidFill>
+                  <a:schemeClr val="tx1"/>
+                </a:solidFill>
+                <a:latin typeface="+mn-lt"/>
+                <a:ea typeface="+mn-ea"/>
+                <a:cs typeface="+mn-cs"/>
+              </a:defRPr>
+            </a:lvl7pPr>
+            <a:lvl8pPr marL="1260000" indent="-180000" algn="l" defTabSz="914400" rtl="0" eaLnBrk="1" latinLnBrk="0" hangingPunct="1">
+              <a:lnSpc>
+                <a:spcPct val="110000"/>
+              </a:lnSpc>
+              <a:spcBef>
+                <a:spcPts val="0"/>
+              </a:spcBef>
+              <a:spcAft>
+                <a:spcPts val="1200"/>
+              </a:spcAft>
+              <a:buClr>
+                <a:schemeClr val="accent4"/>
+              </a:buClr>
+              <a:buFont typeface="Symbol" panose="05050102010706020507" pitchFamily="18" charset="2"/>
+              <a:buChar char="-"/>
+              <a:defRPr sz="1200" kern="1200">
+                <a:solidFill>
+                  <a:schemeClr val="tx1"/>
+                </a:solidFill>
+                <a:latin typeface="+mn-lt"/>
+                <a:ea typeface="+mn-ea"/>
+                <a:cs typeface="+mn-cs"/>
+              </a:defRPr>
+            </a:lvl8pPr>
+            <a:lvl9pPr marL="1440000" indent="-180000" algn="l" defTabSz="914400" rtl="0" eaLnBrk="1" latinLnBrk="0" hangingPunct="1">
+              <a:lnSpc>
+                <a:spcPct val="110000"/>
+              </a:lnSpc>
+              <a:spcBef>
+                <a:spcPts val="0"/>
+              </a:spcBef>
+              <a:spcAft>
+                <a:spcPts val="1200"/>
+              </a:spcAft>
+              <a:buClr>
+                <a:schemeClr val="accent4"/>
+              </a:buClr>
+              <a:buFont typeface="Symbol" panose="05050102010706020507" pitchFamily="18" charset="2"/>
+              <a:buChar char="-"/>
+              <a:defRPr sz="1200" kern="1200">
+                <a:solidFill>
+                  <a:schemeClr val="tx1"/>
+                </a:solidFill>
+                <a:latin typeface="+mn-lt"/>
+                <a:ea typeface="+mn-ea"/>
+                <a:cs typeface="+mn-cs"/>
+              </a:defRPr>
+            </a:lvl9pPr>
+          </a:lstStyle>
+          <a:p>
+            <a:pPr marL="609600" lvl="1" indent="-342900">
+              <a:buFont typeface="+mj-lt"/>
+              <a:buAutoNum type="arabicPeriod"/>
+            </a:pPr>
+            <a:endParaRPr lang="en-US" dirty="0"/>
+          </a:p>
+          <a:p>
+            <a:pPr marL="266700" lvl="1" indent="0">
+              <a:buNone/>
+            </a:pPr>
             <a:r>
-              <a:rPr lang="en-US"/>
-              <a:t>Prediction on Trainingset</a:t>
+              <a:rPr lang="en-US" dirty="0"/>
+              <a:t>	</a:t>
             </a:r>
+          </a:p>
+          <a:p>
+            <a:pPr lvl="1"/>
+            <a:endParaRPr lang="en-US" dirty="0"/>
+          </a:p>
+          <a:p>
+            <a:endParaRPr lang="en-US" dirty="0"/>
+          </a:p>
+          <a:p>
+            <a:endParaRPr lang="en-US" dirty="0"/>
+          </a:p>
+          <a:p>
+            <a:endParaRPr lang="en-US" dirty="0">
+              <a:latin typeface="Calibri" panose="020F0502020204030204" pitchFamily="34" charset="0"/>
+              <a:ea typeface="Calibri" panose="020F0502020204030204" pitchFamily="34" charset="0"/>
+              <a:cs typeface="Arial" panose="020B0604020202020204" pitchFamily="34" charset="0"/>
+            </a:endParaRPr>
+          </a:p>
+          <a:p>
+            <a:endParaRPr lang="en-US" dirty="0">
+              <a:latin typeface="Calibri" panose="020F0502020204030204" pitchFamily="34" charset="0"/>
+              <a:ea typeface="Calibri" panose="020F0502020204030204" pitchFamily="34" charset="0"/>
+              <a:cs typeface="Arial" panose="020B0604020202020204" pitchFamily="34" charset="0"/>
+            </a:endParaRPr>
+          </a:p>
+          <a:p>
+            <a:endParaRPr lang="en-US" dirty="0"/>
+          </a:p>
+          <a:p>
             <a:endParaRPr lang="en-US" dirty="0"/>
           </a:p>
         </p:txBody>
       </p:sp>
       <p:pic>
         <p:nvPicPr>
-          <p:cNvPr id="8" name="Grafik 7">
-            <a:extLst>
-              <a:ext uri="{FF2B5EF4-FFF2-40B4-BE49-F238E27FC236}">
-                <a16:creationId xmlns:a16="http://schemas.microsoft.com/office/drawing/2014/main" id="{D57134CD-915A-3FA7-65A9-FE8BD03FF90E}"/>
+          <p:cNvPr id="9" name="Picture 8">
+            <a:extLst>
+              <a:ext uri="{FF2B5EF4-FFF2-40B4-BE49-F238E27FC236}">
+                <a16:creationId xmlns:a16="http://schemas.microsoft.com/office/drawing/2014/main" id="{4C6FDD69-CE64-32D5-8EF7-4FB0937A21D1}"/>
               </a:ext>
             </a:extLst>
           </p:cNvPr>
@@ -11485,21 +12629,15 @@
           <p:nvPr/>
         </p:nvPicPr>
         <p:blipFill>
-          <a:blip r:embed="rId2">
-            <a:extLst>
-              <a:ext uri="{28A0092B-C50C-407E-A947-70E740481C1C}">
-                <a14:useLocalDpi xmlns:a14="http://schemas.microsoft.com/office/drawing/2010/main" val="0"/>
-              </a:ext>
-            </a:extLst>
-          </a:blip>
+          <a:blip r:embed="rId2"/>
           <a:stretch>
             <a:fillRect/>
           </a:stretch>
         </p:blipFill>
         <p:spPr>
           <a:xfrm>
-            <a:off x="3973812" y="1276916"/>
-            <a:ext cx="6864083" cy="5148062"/>
+            <a:off x="3299291" y="1502666"/>
+            <a:ext cx="5593418" cy="4868950"/>
           </a:xfrm>
           <a:prstGeom prst="rect">
             <a:avLst/>
@@ -11509,7 +12647,7 @@
     </p:spTree>
     <p:extLst>
       <p:ext uri="{BB962C8B-B14F-4D97-AF65-F5344CB8AC3E}">
-        <p14:creationId xmlns:p14="http://schemas.microsoft.com/office/powerpoint/2010/main" val="1143952171"/>
+        <p14:creationId xmlns:p14="http://schemas.microsoft.com/office/powerpoint/2010/main" val="633009712"/>
       </p:ext>
     </p:extLst>
   </p:cSld>
@@ -11538,10 +12676,10 @@
       </p:grpSpPr>
       <p:sp>
         <p:nvSpPr>
-          <p:cNvPr id="2" name="Datumsplatzhalter 1">
-            <a:extLst>
-              <a:ext uri="{FF2B5EF4-FFF2-40B4-BE49-F238E27FC236}">
-                <a16:creationId xmlns:a16="http://schemas.microsoft.com/office/drawing/2014/main" id="{B446B528-9123-B86E-03BB-CC1AFE33FB8E}"/>
+          <p:cNvPr id="2" name="Date Placeholder 1">
+            <a:extLst>
+              <a:ext uri="{FF2B5EF4-FFF2-40B4-BE49-F238E27FC236}">
+                <a16:creationId xmlns:a16="http://schemas.microsoft.com/office/drawing/2014/main" id="{2B8CAAFC-F0E6-F31E-198A-AA24CC49C316}"/>
               </a:ext>
             </a:extLst>
           </p:cNvPr>
@@ -11559,7 +12697,7 @@
           <a:p>
             <a:fld id="{A2E8877F-2015-4290-957C-06EF82A52242}" type="datetime8">
               <a:rPr lang="en-DE" smtClean="0"/>
-              <a:t>11/01/2022 18:35</a:t>
+              <a:t>11/12/2022 17:04</a:t>
             </a:fld>
             <a:endParaRPr lang="de-DE" dirty="0"/>
           </a:p>
@@ -11567,10 +12705,10 @@
       </p:sp>
       <p:sp>
         <p:nvSpPr>
-          <p:cNvPr id="3" name="Fußzeilenplatzhalter 2">
-            <a:extLst>
-              <a:ext uri="{FF2B5EF4-FFF2-40B4-BE49-F238E27FC236}">
-                <a16:creationId xmlns:a16="http://schemas.microsoft.com/office/drawing/2014/main" id="{9039D9D2-CC83-71B3-9FD1-8EE930EC3D74}"/>
+          <p:cNvPr id="3" name="Footer Placeholder 2">
+            <a:extLst>
+              <a:ext uri="{FF2B5EF4-FFF2-40B4-BE49-F238E27FC236}">
+                <a16:creationId xmlns:a16="http://schemas.microsoft.com/office/drawing/2014/main" id="{C49146C1-0EFA-7410-35A6-1C2B33E3E160}"/>
               </a:ext>
             </a:extLst>
           </p:cNvPr>
@@ -11596,10 +12734,10 @@
       </p:sp>
       <p:sp>
         <p:nvSpPr>
-          <p:cNvPr id="4" name="Foliennummernplatzhalter 3">
-            <a:extLst>
-              <a:ext uri="{FF2B5EF4-FFF2-40B4-BE49-F238E27FC236}">
-                <a16:creationId xmlns:a16="http://schemas.microsoft.com/office/drawing/2014/main" id="{6799EE1F-7DA2-681B-18DD-284EC80CE7C1}"/>
+          <p:cNvPr id="4" name="Slide Number Placeholder 3">
+            <a:extLst>
+              <a:ext uri="{FF2B5EF4-FFF2-40B4-BE49-F238E27FC236}">
+                <a16:creationId xmlns:a16="http://schemas.microsoft.com/office/drawing/2014/main" id="{83EEE9A2-09B3-BA3D-B64B-856A8F226637}"/>
               </a:ext>
             </a:extLst>
           </p:cNvPr>
@@ -11626,10 +12764,10 @@
       </p:sp>
       <p:sp>
         <p:nvSpPr>
-          <p:cNvPr id="5" name="Titel 4">
-            <a:extLst>
-              <a:ext uri="{FF2B5EF4-FFF2-40B4-BE49-F238E27FC236}">
-                <a16:creationId xmlns:a16="http://schemas.microsoft.com/office/drawing/2014/main" id="{1E6B2A5D-4314-E0F4-B6A1-769A8DB4F7C3}"/>
+          <p:cNvPr id="5" name="Title 4">
+            <a:extLst>
+              <a:ext uri="{FF2B5EF4-FFF2-40B4-BE49-F238E27FC236}">
+                <a16:creationId xmlns:a16="http://schemas.microsoft.com/office/drawing/2014/main" id="{BBB354EA-F495-6050-38E7-B27B0D727096}"/>
               </a:ext>
             </a:extLst>
           </p:cNvPr>
@@ -11647,45 +12785,313 @@
           <a:p>
             <a:r>
               <a:rPr lang="en-US" dirty="0"/>
-              <a:t>Drag norm – Multiple Samples</a:t>
+              <a:t>Pendulum simple</a:t>
             </a:r>
           </a:p>
         </p:txBody>
       </p:sp>
       <p:sp>
         <p:nvSpPr>
-          <p:cNvPr id="6" name="Textplatzhalter 5">
-            <a:extLst>
-              <a:ext uri="{FF2B5EF4-FFF2-40B4-BE49-F238E27FC236}">
-                <a16:creationId xmlns:a16="http://schemas.microsoft.com/office/drawing/2014/main" id="{202B2346-17ED-3E6E-A606-65763BDC6E02}"/>
-              </a:ext>
-            </a:extLst>
-          </p:cNvPr>
-          <p:cNvSpPr>
-            <a:spLocks noGrp="1"/>
+          <p:cNvPr id="7" name="Text Placeholder 5">
+            <a:extLst>
+              <a:ext uri="{FF2B5EF4-FFF2-40B4-BE49-F238E27FC236}">
+                <a16:creationId xmlns:a16="http://schemas.microsoft.com/office/drawing/2014/main" id="{9566E055-639F-36C7-FA54-FF2DB2C85FB8}"/>
+              </a:ext>
+            </a:extLst>
+          </p:cNvPr>
+          <p:cNvSpPr txBox="1">
+            <a:spLocks/>
           </p:cNvSpPr>
-          <p:nvPr>
-            <p:ph type="body" sz="quarter" idx="17"/>
-          </p:nvPr>
+          <p:nvPr/>
         </p:nvSpPr>
-        <p:spPr/>
+        <p:spPr>
+          <a:xfrm>
+            <a:off x="670719" y="1650460"/>
+            <a:ext cx="11358942" cy="4721156"/>
+          </a:xfrm>
+          <a:prstGeom prst="rect">
+            <a:avLst/>
+          </a:prstGeom>
+        </p:spPr>
         <p:txBody>
-          <a:bodyPr/>
-          <a:lstStyle/>
-          <a:p>
+          <a:bodyPr vert="horz" lIns="0" tIns="0" rIns="0" bIns="0" rtlCol="0" anchor="t" anchorCtr="0">
+            <a:noAutofit/>
+          </a:bodyPr>
+          <a:lstStyle>
+            <a:lvl1pPr marL="266700" indent="-266700" algn="l" defTabSz="914400" rtl="0" eaLnBrk="1" latinLnBrk="0" hangingPunct="1">
+              <a:lnSpc>
+                <a:spcPct val="110000"/>
+              </a:lnSpc>
+              <a:spcBef>
+                <a:spcPts val="400"/>
+              </a:spcBef>
+              <a:spcAft>
+                <a:spcPts val="600"/>
+              </a:spcAft>
+              <a:buClr>
+                <a:srgbClr val="779FB4"/>
+              </a:buClr>
+              <a:buFont typeface="Wingdings" pitchFamily="2" charset="2"/>
+              <a:buChar char="§"/>
+              <a:tabLst/>
+              <a:defRPr sz="1800" b="0" kern="1200">
+                <a:solidFill>
+                  <a:srgbClr val="000000"/>
+                </a:solidFill>
+                <a:latin typeface="+mn-lt"/>
+                <a:ea typeface="+mn-ea"/>
+                <a:cs typeface="+mn-cs"/>
+              </a:defRPr>
+            </a:lvl1pPr>
+            <a:lvl2pPr marL="534988" indent="-268288" algn="l" defTabSz="914400" rtl="0" eaLnBrk="1" latinLnBrk="0" hangingPunct="1">
+              <a:lnSpc>
+                <a:spcPct val="110000"/>
+              </a:lnSpc>
+              <a:spcBef>
+                <a:spcPts val="0"/>
+              </a:spcBef>
+              <a:spcAft>
+                <a:spcPts val="600"/>
+              </a:spcAft>
+              <a:buClr>
+                <a:srgbClr val="779FB4"/>
+              </a:buClr>
+              <a:buFont typeface="Wingdings" pitchFamily="2" charset="2"/>
+              <a:buChar char="§"/>
+              <a:tabLst/>
+              <a:defRPr sz="1600" kern="1200">
+                <a:solidFill>
+                  <a:schemeClr val="bg1"/>
+                </a:solidFill>
+                <a:latin typeface="+mn-lt"/>
+                <a:ea typeface="+mn-ea"/>
+                <a:cs typeface="+mn-cs"/>
+              </a:defRPr>
+            </a:lvl2pPr>
+            <a:lvl3pPr marL="534988" indent="317500" algn="l" defTabSz="914400" rtl="0" eaLnBrk="1" latinLnBrk="0" hangingPunct="1">
+              <a:lnSpc>
+                <a:spcPct val="110000"/>
+              </a:lnSpc>
+              <a:spcBef>
+                <a:spcPts val="0"/>
+              </a:spcBef>
+              <a:spcAft>
+                <a:spcPts val="600"/>
+              </a:spcAft>
+              <a:buClr>
+                <a:srgbClr val="779FB4"/>
+              </a:buClr>
+              <a:buFont typeface="Symbol" pitchFamily="2" charset="2"/>
+              <a:buChar char="-"/>
+              <a:tabLst/>
+              <a:defRPr sz="1600" kern="1200">
+                <a:solidFill>
+                  <a:schemeClr val="bg1"/>
+                </a:solidFill>
+                <a:latin typeface="+mn-lt"/>
+                <a:ea typeface="+mn-ea"/>
+                <a:cs typeface="+mn-cs"/>
+              </a:defRPr>
+            </a:lvl3pPr>
+            <a:lvl4pPr marL="540000" indent="-180000" algn="l" defTabSz="914400" rtl="0" eaLnBrk="1" latinLnBrk="0" hangingPunct="1">
+              <a:lnSpc>
+                <a:spcPct val="110000"/>
+              </a:lnSpc>
+              <a:spcBef>
+                <a:spcPts val="0"/>
+              </a:spcBef>
+              <a:spcAft>
+                <a:spcPts val="1200"/>
+              </a:spcAft>
+              <a:buClr>
+                <a:schemeClr val="accent4"/>
+              </a:buClr>
+              <a:buFont typeface="Symbol" panose="05050102010706020507" pitchFamily="18" charset="2"/>
+              <a:buChar char="-"/>
+              <a:defRPr sz="1800" kern="1200">
+                <a:solidFill>
+                  <a:schemeClr val="tx1"/>
+                </a:solidFill>
+                <a:latin typeface="+mn-lt"/>
+                <a:ea typeface="+mn-ea"/>
+                <a:cs typeface="+mn-cs"/>
+              </a:defRPr>
+            </a:lvl4pPr>
+            <a:lvl5pPr marL="720000" indent="-180000" algn="l" defTabSz="914400" rtl="0" eaLnBrk="1" latinLnBrk="0" hangingPunct="1">
+              <a:lnSpc>
+                <a:spcPct val="110000"/>
+              </a:lnSpc>
+              <a:spcBef>
+                <a:spcPts val="0"/>
+              </a:spcBef>
+              <a:spcAft>
+                <a:spcPts val="1200"/>
+              </a:spcAft>
+              <a:buClr>
+                <a:schemeClr val="accent4"/>
+              </a:buClr>
+              <a:buFont typeface="Symbol" panose="05050102010706020507" pitchFamily="18" charset="2"/>
+              <a:buChar char="-"/>
+              <a:defRPr sz="1800" kern="1200">
+                <a:solidFill>
+                  <a:schemeClr val="tx1"/>
+                </a:solidFill>
+                <a:latin typeface="+mn-lt"/>
+                <a:ea typeface="+mn-ea"/>
+                <a:cs typeface="+mn-cs"/>
+              </a:defRPr>
+            </a:lvl5pPr>
+            <a:lvl6pPr marL="900000" indent="-180000" algn="l" defTabSz="914400" rtl="0" eaLnBrk="1" latinLnBrk="0" hangingPunct="1">
+              <a:lnSpc>
+                <a:spcPct val="110000"/>
+              </a:lnSpc>
+              <a:spcBef>
+                <a:spcPts val="0"/>
+              </a:spcBef>
+              <a:spcAft>
+                <a:spcPts val="1200"/>
+              </a:spcAft>
+              <a:buClr>
+                <a:schemeClr val="accent4"/>
+              </a:buClr>
+              <a:buFont typeface="Symbol" panose="05050102010706020507" pitchFamily="18" charset="2"/>
+              <a:buChar char="-"/>
+              <a:defRPr sz="1200" kern="1200">
+                <a:solidFill>
+                  <a:schemeClr val="tx1"/>
+                </a:solidFill>
+                <a:latin typeface="+mn-lt"/>
+                <a:ea typeface="+mn-ea"/>
+                <a:cs typeface="+mn-cs"/>
+              </a:defRPr>
+            </a:lvl6pPr>
+            <a:lvl7pPr marL="1080000" indent="-180000" algn="l" defTabSz="914400" rtl="0" eaLnBrk="1" latinLnBrk="0" hangingPunct="1">
+              <a:lnSpc>
+                <a:spcPct val="110000"/>
+              </a:lnSpc>
+              <a:spcBef>
+                <a:spcPts val="0"/>
+              </a:spcBef>
+              <a:spcAft>
+                <a:spcPts val="1200"/>
+              </a:spcAft>
+              <a:buClr>
+                <a:schemeClr val="accent4"/>
+              </a:buClr>
+              <a:buFont typeface="Symbol" panose="05050102010706020507" pitchFamily="18" charset="2"/>
+              <a:buChar char="-"/>
+              <a:defRPr sz="1200" kern="1200">
+                <a:solidFill>
+                  <a:schemeClr val="tx1"/>
+                </a:solidFill>
+                <a:latin typeface="+mn-lt"/>
+                <a:ea typeface="+mn-ea"/>
+                <a:cs typeface="+mn-cs"/>
+              </a:defRPr>
+            </a:lvl7pPr>
+            <a:lvl8pPr marL="1260000" indent="-180000" algn="l" defTabSz="914400" rtl="0" eaLnBrk="1" latinLnBrk="0" hangingPunct="1">
+              <a:lnSpc>
+                <a:spcPct val="110000"/>
+              </a:lnSpc>
+              <a:spcBef>
+                <a:spcPts val="0"/>
+              </a:spcBef>
+              <a:spcAft>
+                <a:spcPts val="1200"/>
+              </a:spcAft>
+              <a:buClr>
+                <a:schemeClr val="accent4"/>
+              </a:buClr>
+              <a:buFont typeface="Symbol" panose="05050102010706020507" pitchFamily="18" charset="2"/>
+              <a:buChar char="-"/>
+              <a:defRPr sz="1200" kern="1200">
+                <a:solidFill>
+                  <a:schemeClr val="tx1"/>
+                </a:solidFill>
+                <a:latin typeface="+mn-lt"/>
+                <a:ea typeface="+mn-ea"/>
+                <a:cs typeface="+mn-cs"/>
+              </a:defRPr>
+            </a:lvl8pPr>
+            <a:lvl9pPr marL="1440000" indent="-180000" algn="l" defTabSz="914400" rtl="0" eaLnBrk="1" latinLnBrk="0" hangingPunct="1">
+              <a:lnSpc>
+                <a:spcPct val="110000"/>
+              </a:lnSpc>
+              <a:spcBef>
+                <a:spcPts val="0"/>
+              </a:spcBef>
+              <a:spcAft>
+                <a:spcPts val="1200"/>
+              </a:spcAft>
+              <a:buClr>
+                <a:schemeClr val="accent4"/>
+              </a:buClr>
+              <a:buFont typeface="Symbol" panose="05050102010706020507" pitchFamily="18" charset="2"/>
+              <a:buChar char="-"/>
+              <a:defRPr sz="1200" kern="1200">
+                <a:solidFill>
+                  <a:schemeClr val="tx1"/>
+                </a:solidFill>
+                <a:latin typeface="+mn-lt"/>
+                <a:ea typeface="+mn-ea"/>
+                <a:cs typeface="+mn-cs"/>
+              </a:defRPr>
+            </a:lvl9pPr>
+          </a:lstStyle>
+          <a:p>
+            <a:pPr marL="609600" lvl="1" indent="-342900">
+              <a:buFont typeface="+mj-lt"/>
+              <a:buAutoNum type="arabicPeriod"/>
+            </a:pPr>
+            <a:endParaRPr lang="en-US" dirty="0"/>
+          </a:p>
+          <a:p>
+            <a:pPr marL="266700" lvl="1" indent="0">
+              <a:buNone/>
+            </a:pPr>
             <a:r>
               <a:rPr lang="en-US" dirty="0"/>
-              <a:t>Prediction on Validation Set</a:t>
+              <a:t>	</a:t>
             </a:r>
+          </a:p>
+          <a:p>
+            <a:pPr lvl="1"/>
+            <a:endParaRPr lang="en-US" dirty="0"/>
+          </a:p>
+          <a:p>
+            <a:endParaRPr lang="en-US" dirty="0"/>
+          </a:p>
+          <a:p>
+            <a:endParaRPr lang="en-US" dirty="0"/>
+          </a:p>
+          <a:p>
+            <a:endParaRPr lang="en-US" dirty="0">
+              <a:latin typeface="Calibri" panose="020F0502020204030204" pitchFamily="34" charset="0"/>
+              <a:ea typeface="Calibri" panose="020F0502020204030204" pitchFamily="34" charset="0"/>
+              <a:cs typeface="Arial" panose="020B0604020202020204" pitchFamily="34" charset="0"/>
+            </a:endParaRPr>
+          </a:p>
+          <a:p>
+            <a:endParaRPr lang="en-US" dirty="0">
+              <a:latin typeface="Calibri" panose="020F0502020204030204" pitchFamily="34" charset="0"/>
+              <a:ea typeface="Calibri" panose="020F0502020204030204" pitchFamily="34" charset="0"/>
+              <a:cs typeface="Arial" panose="020B0604020202020204" pitchFamily="34" charset="0"/>
+            </a:endParaRPr>
+          </a:p>
+          <a:p>
+            <a:endParaRPr lang="en-US" dirty="0"/>
+          </a:p>
+          <a:p>
+            <a:endParaRPr lang="en-US" dirty="0"/>
           </a:p>
         </p:txBody>
       </p:sp>
       <p:pic>
         <p:nvPicPr>
-          <p:cNvPr id="9" name="Grafik 8">
-            <a:extLst>
-              <a:ext uri="{FF2B5EF4-FFF2-40B4-BE49-F238E27FC236}">
-                <a16:creationId xmlns:a16="http://schemas.microsoft.com/office/drawing/2014/main" id="{1431F442-B0B9-3419-5D70-1CF4701BD9DD}"/>
+          <p:cNvPr id="8" name="Picture 7">
+            <a:extLst>
+              <a:ext uri="{FF2B5EF4-FFF2-40B4-BE49-F238E27FC236}">
+                <a16:creationId xmlns:a16="http://schemas.microsoft.com/office/drawing/2014/main" id="{B5330796-D83E-989F-3FE0-5674D09A63A8}"/>
               </a:ext>
             </a:extLst>
           </p:cNvPr>
@@ -11695,21 +13101,15 @@
           <p:nvPr/>
         </p:nvPicPr>
         <p:blipFill>
-          <a:blip r:embed="rId2">
-            <a:extLst>
-              <a:ext uri="{28A0092B-C50C-407E-A947-70E740481C1C}">
-                <a14:useLocalDpi xmlns:a14="http://schemas.microsoft.com/office/drawing/2010/main" val="0"/>
-              </a:ext>
-            </a:extLst>
-          </a:blip>
+          <a:blip r:embed="rId2"/>
           <a:stretch>
             <a:fillRect/>
           </a:stretch>
         </p:blipFill>
         <p:spPr>
           <a:xfrm>
-            <a:off x="4196855" y="1415548"/>
-            <a:ext cx="6679240" cy="5009430"/>
+            <a:off x="3236319" y="1427095"/>
+            <a:ext cx="5719361" cy="4944521"/>
           </a:xfrm>
           <a:prstGeom prst="rect">
             <a:avLst/>
@@ -11719,7 +13119,7 @@
     </p:spTree>
     <p:extLst>
       <p:ext uri="{BB962C8B-B14F-4D97-AF65-F5344CB8AC3E}">
-        <p14:creationId xmlns:p14="http://schemas.microsoft.com/office/powerpoint/2010/main" val="2559965656"/>
+        <p14:creationId xmlns:p14="http://schemas.microsoft.com/office/powerpoint/2010/main" val="3048018040"/>
       </p:ext>
     </p:extLst>
   </p:cSld>
@@ -11748,10 +13148,10 @@
       </p:grpSpPr>
       <p:sp>
         <p:nvSpPr>
-          <p:cNvPr id="2" name="Datumsplatzhalter 1">
-            <a:extLst>
-              <a:ext uri="{FF2B5EF4-FFF2-40B4-BE49-F238E27FC236}">
-                <a16:creationId xmlns:a16="http://schemas.microsoft.com/office/drawing/2014/main" id="{B446B528-9123-B86E-03BB-CC1AFE33FB8E}"/>
+          <p:cNvPr id="2" name="Date Placeholder 1">
+            <a:extLst>
+              <a:ext uri="{FF2B5EF4-FFF2-40B4-BE49-F238E27FC236}">
+                <a16:creationId xmlns:a16="http://schemas.microsoft.com/office/drawing/2014/main" id="{2B8CAAFC-F0E6-F31E-198A-AA24CC49C316}"/>
               </a:ext>
             </a:extLst>
           </p:cNvPr>
@@ -11769,7 +13169,7 @@
           <a:p>
             <a:fld id="{A2E8877F-2015-4290-957C-06EF82A52242}" type="datetime8">
               <a:rPr lang="en-DE" smtClean="0"/>
-              <a:t>11/01/2022 18:35</a:t>
+              <a:t>11/12/2022 17:04</a:t>
             </a:fld>
             <a:endParaRPr lang="de-DE" dirty="0"/>
           </a:p>
@@ -11777,10 +13177,10 @@
       </p:sp>
       <p:sp>
         <p:nvSpPr>
-          <p:cNvPr id="3" name="Fußzeilenplatzhalter 2">
-            <a:extLst>
-              <a:ext uri="{FF2B5EF4-FFF2-40B4-BE49-F238E27FC236}">
-                <a16:creationId xmlns:a16="http://schemas.microsoft.com/office/drawing/2014/main" id="{9039D9D2-CC83-71B3-9FD1-8EE930EC3D74}"/>
+          <p:cNvPr id="3" name="Footer Placeholder 2">
+            <a:extLst>
+              <a:ext uri="{FF2B5EF4-FFF2-40B4-BE49-F238E27FC236}">
+                <a16:creationId xmlns:a16="http://schemas.microsoft.com/office/drawing/2014/main" id="{C49146C1-0EFA-7410-35A6-1C2B33E3E160}"/>
               </a:ext>
             </a:extLst>
           </p:cNvPr>
@@ -11806,10 +13206,10 @@
       </p:sp>
       <p:sp>
         <p:nvSpPr>
-          <p:cNvPr id="4" name="Foliennummernplatzhalter 3">
-            <a:extLst>
-              <a:ext uri="{FF2B5EF4-FFF2-40B4-BE49-F238E27FC236}">
-                <a16:creationId xmlns:a16="http://schemas.microsoft.com/office/drawing/2014/main" id="{6799EE1F-7DA2-681B-18DD-284EC80CE7C1}"/>
+          <p:cNvPr id="4" name="Slide Number Placeholder 3">
+            <a:extLst>
+              <a:ext uri="{FF2B5EF4-FFF2-40B4-BE49-F238E27FC236}">
+                <a16:creationId xmlns:a16="http://schemas.microsoft.com/office/drawing/2014/main" id="{83EEE9A2-09B3-BA3D-B64B-856A8F226637}"/>
               </a:ext>
             </a:extLst>
           </p:cNvPr>
@@ -11836,10 +13236,10 @@
       </p:sp>
       <p:sp>
         <p:nvSpPr>
-          <p:cNvPr id="5" name="Titel 4">
-            <a:extLst>
-              <a:ext uri="{FF2B5EF4-FFF2-40B4-BE49-F238E27FC236}">
-                <a16:creationId xmlns:a16="http://schemas.microsoft.com/office/drawing/2014/main" id="{1E6B2A5D-4314-E0F4-B6A1-769A8DB4F7C3}"/>
+          <p:cNvPr id="5" name="Title 4">
+            <a:extLst>
+              <a:ext uri="{FF2B5EF4-FFF2-40B4-BE49-F238E27FC236}">
+                <a16:creationId xmlns:a16="http://schemas.microsoft.com/office/drawing/2014/main" id="{BBB354EA-F495-6050-38E7-B27B0D727096}"/>
               </a:ext>
             </a:extLst>
           </p:cNvPr>
@@ -11857,45 +13257,313 @@
           <a:p>
             <a:r>
               <a:rPr lang="en-US" dirty="0"/>
-              <a:t>Drag norm – Multiple Samples</a:t>
+              <a:t>Pendulum complex</a:t>
             </a:r>
           </a:p>
         </p:txBody>
       </p:sp>
       <p:sp>
         <p:nvSpPr>
-          <p:cNvPr id="6" name="Textplatzhalter 5">
-            <a:extLst>
-              <a:ext uri="{FF2B5EF4-FFF2-40B4-BE49-F238E27FC236}">
-                <a16:creationId xmlns:a16="http://schemas.microsoft.com/office/drawing/2014/main" id="{202B2346-17ED-3E6E-A606-65763BDC6E02}"/>
-              </a:ext>
-            </a:extLst>
-          </p:cNvPr>
-          <p:cNvSpPr>
-            <a:spLocks noGrp="1"/>
+          <p:cNvPr id="7" name="Text Placeholder 5">
+            <a:extLst>
+              <a:ext uri="{FF2B5EF4-FFF2-40B4-BE49-F238E27FC236}">
+                <a16:creationId xmlns:a16="http://schemas.microsoft.com/office/drawing/2014/main" id="{9566E055-639F-36C7-FA54-FF2DB2C85FB8}"/>
+              </a:ext>
+            </a:extLst>
+          </p:cNvPr>
+          <p:cNvSpPr txBox="1">
+            <a:spLocks/>
           </p:cNvSpPr>
-          <p:nvPr>
-            <p:ph type="body" sz="quarter" idx="17"/>
-          </p:nvPr>
+          <p:nvPr/>
         </p:nvSpPr>
-        <p:spPr/>
+        <p:spPr>
+          <a:xfrm>
+            <a:off x="670719" y="1650460"/>
+            <a:ext cx="11358942" cy="4721156"/>
+          </a:xfrm>
+          <a:prstGeom prst="rect">
+            <a:avLst/>
+          </a:prstGeom>
+        </p:spPr>
         <p:txBody>
-          <a:bodyPr/>
-          <a:lstStyle/>
-          <a:p>
+          <a:bodyPr vert="horz" lIns="0" tIns="0" rIns="0" bIns="0" rtlCol="0" anchor="t" anchorCtr="0">
+            <a:noAutofit/>
+          </a:bodyPr>
+          <a:lstStyle>
+            <a:lvl1pPr marL="266700" indent="-266700" algn="l" defTabSz="914400" rtl="0" eaLnBrk="1" latinLnBrk="0" hangingPunct="1">
+              <a:lnSpc>
+                <a:spcPct val="110000"/>
+              </a:lnSpc>
+              <a:spcBef>
+                <a:spcPts val="400"/>
+              </a:spcBef>
+              <a:spcAft>
+                <a:spcPts val="600"/>
+              </a:spcAft>
+              <a:buClr>
+                <a:srgbClr val="779FB4"/>
+              </a:buClr>
+              <a:buFont typeface="Wingdings" pitchFamily="2" charset="2"/>
+              <a:buChar char="§"/>
+              <a:tabLst/>
+              <a:defRPr sz="1800" b="0" kern="1200">
+                <a:solidFill>
+                  <a:srgbClr val="000000"/>
+                </a:solidFill>
+                <a:latin typeface="+mn-lt"/>
+                <a:ea typeface="+mn-ea"/>
+                <a:cs typeface="+mn-cs"/>
+              </a:defRPr>
+            </a:lvl1pPr>
+            <a:lvl2pPr marL="534988" indent="-268288" algn="l" defTabSz="914400" rtl="0" eaLnBrk="1" latinLnBrk="0" hangingPunct="1">
+              <a:lnSpc>
+                <a:spcPct val="110000"/>
+              </a:lnSpc>
+              <a:spcBef>
+                <a:spcPts val="0"/>
+              </a:spcBef>
+              <a:spcAft>
+                <a:spcPts val="600"/>
+              </a:spcAft>
+              <a:buClr>
+                <a:srgbClr val="779FB4"/>
+              </a:buClr>
+              <a:buFont typeface="Wingdings" pitchFamily="2" charset="2"/>
+              <a:buChar char="§"/>
+              <a:tabLst/>
+              <a:defRPr sz="1600" kern="1200">
+                <a:solidFill>
+                  <a:schemeClr val="bg1"/>
+                </a:solidFill>
+                <a:latin typeface="+mn-lt"/>
+                <a:ea typeface="+mn-ea"/>
+                <a:cs typeface="+mn-cs"/>
+              </a:defRPr>
+            </a:lvl2pPr>
+            <a:lvl3pPr marL="534988" indent="317500" algn="l" defTabSz="914400" rtl="0" eaLnBrk="1" latinLnBrk="0" hangingPunct="1">
+              <a:lnSpc>
+                <a:spcPct val="110000"/>
+              </a:lnSpc>
+              <a:spcBef>
+                <a:spcPts val="0"/>
+              </a:spcBef>
+              <a:spcAft>
+                <a:spcPts val="600"/>
+              </a:spcAft>
+              <a:buClr>
+                <a:srgbClr val="779FB4"/>
+              </a:buClr>
+              <a:buFont typeface="Symbol" pitchFamily="2" charset="2"/>
+              <a:buChar char="-"/>
+              <a:tabLst/>
+              <a:defRPr sz="1600" kern="1200">
+                <a:solidFill>
+                  <a:schemeClr val="bg1"/>
+                </a:solidFill>
+                <a:latin typeface="+mn-lt"/>
+                <a:ea typeface="+mn-ea"/>
+                <a:cs typeface="+mn-cs"/>
+              </a:defRPr>
+            </a:lvl3pPr>
+            <a:lvl4pPr marL="540000" indent="-180000" algn="l" defTabSz="914400" rtl="0" eaLnBrk="1" latinLnBrk="0" hangingPunct="1">
+              <a:lnSpc>
+                <a:spcPct val="110000"/>
+              </a:lnSpc>
+              <a:spcBef>
+                <a:spcPts val="0"/>
+              </a:spcBef>
+              <a:spcAft>
+                <a:spcPts val="1200"/>
+              </a:spcAft>
+              <a:buClr>
+                <a:schemeClr val="accent4"/>
+              </a:buClr>
+              <a:buFont typeface="Symbol" panose="05050102010706020507" pitchFamily="18" charset="2"/>
+              <a:buChar char="-"/>
+              <a:defRPr sz="1800" kern="1200">
+                <a:solidFill>
+                  <a:schemeClr val="tx1"/>
+                </a:solidFill>
+                <a:latin typeface="+mn-lt"/>
+                <a:ea typeface="+mn-ea"/>
+                <a:cs typeface="+mn-cs"/>
+              </a:defRPr>
+            </a:lvl4pPr>
+            <a:lvl5pPr marL="720000" indent="-180000" algn="l" defTabSz="914400" rtl="0" eaLnBrk="1" latinLnBrk="0" hangingPunct="1">
+              <a:lnSpc>
+                <a:spcPct val="110000"/>
+              </a:lnSpc>
+              <a:spcBef>
+                <a:spcPts val="0"/>
+              </a:spcBef>
+              <a:spcAft>
+                <a:spcPts val="1200"/>
+              </a:spcAft>
+              <a:buClr>
+                <a:schemeClr val="accent4"/>
+              </a:buClr>
+              <a:buFont typeface="Symbol" panose="05050102010706020507" pitchFamily="18" charset="2"/>
+              <a:buChar char="-"/>
+              <a:defRPr sz="1800" kern="1200">
+                <a:solidFill>
+                  <a:schemeClr val="tx1"/>
+                </a:solidFill>
+                <a:latin typeface="+mn-lt"/>
+                <a:ea typeface="+mn-ea"/>
+                <a:cs typeface="+mn-cs"/>
+              </a:defRPr>
+            </a:lvl5pPr>
+            <a:lvl6pPr marL="900000" indent="-180000" algn="l" defTabSz="914400" rtl="0" eaLnBrk="1" latinLnBrk="0" hangingPunct="1">
+              <a:lnSpc>
+                <a:spcPct val="110000"/>
+              </a:lnSpc>
+              <a:spcBef>
+                <a:spcPts val="0"/>
+              </a:spcBef>
+              <a:spcAft>
+                <a:spcPts val="1200"/>
+              </a:spcAft>
+              <a:buClr>
+                <a:schemeClr val="accent4"/>
+              </a:buClr>
+              <a:buFont typeface="Symbol" panose="05050102010706020507" pitchFamily="18" charset="2"/>
+              <a:buChar char="-"/>
+              <a:defRPr sz="1200" kern="1200">
+                <a:solidFill>
+                  <a:schemeClr val="tx1"/>
+                </a:solidFill>
+                <a:latin typeface="+mn-lt"/>
+                <a:ea typeface="+mn-ea"/>
+                <a:cs typeface="+mn-cs"/>
+              </a:defRPr>
+            </a:lvl6pPr>
+            <a:lvl7pPr marL="1080000" indent="-180000" algn="l" defTabSz="914400" rtl="0" eaLnBrk="1" latinLnBrk="0" hangingPunct="1">
+              <a:lnSpc>
+                <a:spcPct val="110000"/>
+              </a:lnSpc>
+              <a:spcBef>
+                <a:spcPts val="0"/>
+              </a:spcBef>
+              <a:spcAft>
+                <a:spcPts val="1200"/>
+              </a:spcAft>
+              <a:buClr>
+                <a:schemeClr val="accent4"/>
+              </a:buClr>
+              <a:buFont typeface="Symbol" panose="05050102010706020507" pitchFamily="18" charset="2"/>
+              <a:buChar char="-"/>
+              <a:defRPr sz="1200" kern="1200">
+                <a:solidFill>
+                  <a:schemeClr val="tx1"/>
+                </a:solidFill>
+                <a:latin typeface="+mn-lt"/>
+                <a:ea typeface="+mn-ea"/>
+                <a:cs typeface="+mn-cs"/>
+              </a:defRPr>
+            </a:lvl7pPr>
+            <a:lvl8pPr marL="1260000" indent="-180000" algn="l" defTabSz="914400" rtl="0" eaLnBrk="1" latinLnBrk="0" hangingPunct="1">
+              <a:lnSpc>
+                <a:spcPct val="110000"/>
+              </a:lnSpc>
+              <a:spcBef>
+                <a:spcPts val="0"/>
+              </a:spcBef>
+              <a:spcAft>
+                <a:spcPts val="1200"/>
+              </a:spcAft>
+              <a:buClr>
+                <a:schemeClr val="accent4"/>
+              </a:buClr>
+              <a:buFont typeface="Symbol" panose="05050102010706020507" pitchFamily="18" charset="2"/>
+              <a:buChar char="-"/>
+              <a:defRPr sz="1200" kern="1200">
+                <a:solidFill>
+                  <a:schemeClr val="tx1"/>
+                </a:solidFill>
+                <a:latin typeface="+mn-lt"/>
+                <a:ea typeface="+mn-ea"/>
+                <a:cs typeface="+mn-cs"/>
+              </a:defRPr>
+            </a:lvl8pPr>
+            <a:lvl9pPr marL="1440000" indent="-180000" algn="l" defTabSz="914400" rtl="0" eaLnBrk="1" latinLnBrk="0" hangingPunct="1">
+              <a:lnSpc>
+                <a:spcPct val="110000"/>
+              </a:lnSpc>
+              <a:spcBef>
+                <a:spcPts val="0"/>
+              </a:spcBef>
+              <a:spcAft>
+                <a:spcPts val="1200"/>
+              </a:spcAft>
+              <a:buClr>
+                <a:schemeClr val="accent4"/>
+              </a:buClr>
+              <a:buFont typeface="Symbol" panose="05050102010706020507" pitchFamily="18" charset="2"/>
+              <a:buChar char="-"/>
+              <a:defRPr sz="1200" kern="1200">
+                <a:solidFill>
+                  <a:schemeClr val="tx1"/>
+                </a:solidFill>
+                <a:latin typeface="+mn-lt"/>
+                <a:ea typeface="+mn-ea"/>
+                <a:cs typeface="+mn-cs"/>
+              </a:defRPr>
+            </a:lvl9pPr>
+          </a:lstStyle>
+          <a:p>
+            <a:pPr marL="609600" lvl="1" indent="-342900">
+              <a:buFont typeface="+mj-lt"/>
+              <a:buAutoNum type="arabicPeriod"/>
+            </a:pPr>
+            <a:endParaRPr lang="en-US" dirty="0"/>
+          </a:p>
+          <a:p>
+            <a:pPr marL="266700" lvl="1" indent="0">
+              <a:buNone/>
+            </a:pPr>
             <a:r>
               <a:rPr lang="en-US" dirty="0"/>
-              <a:t>Prediction on Test Set</a:t>
+              <a:t>	</a:t>
             </a:r>
+          </a:p>
+          <a:p>
+            <a:pPr lvl="1"/>
+            <a:endParaRPr lang="en-US" dirty="0"/>
+          </a:p>
+          <a:p>
+            <a:endParaRPr lang="en-US" dirty="0"/>
+          </a:p>
+          <a:p>
+            <a:endParaRPr lang="en-US" dirty="0"/>
+          </a:p>
+          <a:p>
+            <a:endParaRPr lang="en-US" dirty="0">
+              <a:latin typeface="Calibri" panose="020F0502020204030204" pitchFamily="34" charset="0"/>
+              <a:ea typeface="Calibri" panose="020F0502020204030204" pitchFamily="34" charset="0"/>
+              <a:cs typeface="Arial" panose="020B0604020202020204" pitchFamily="34" charset="0"/>
+            </a:endParaRPr>
+          </a:p>
+          <a:p>
+            <a:endParaRPr lang="en-US" dirty="0">
+              <a:latin typeface="Calibri" panose="020F0502020204030204" pitchFamily="34" charset="0"/>
+              <a:ea typeface="Calibri" panose="020F0502020204030204" pitchFamily="34" charset="0"/>
+              <a:cs typeface="Arial" panose="020B0604020202020204" pitchFamily="34" charset="0"/>
+            </a:endParaRPr>
+          </a:p>
+          <a:p>
+            <a:endParaRPr lang="en-US" dirty="0"/>
+          </a:p>
+          <a:p>
+            <a:endParaRPr lang="en-US" dirty="0"/>
           </a:p>
         </p:txBody>
       </p:sp>
       <p:pic>
         <p:nvPicPr>
-          <p:cNvPr id="11" name="Grafik 10">
-            <a:extLst>
-              <a:ext uri="{FF2B5EF4-FFF2-40B4-BE49-F238E27FC236}">
-                <a16:creationId xmlns:a16="http://schemas.microsoft.com/office/drawing/2014/main" id="{43076303-D7DA-40DF-066D-224760260A9C}"/>
+          <p:cNvPr id="8" name="Picture 7">
+            <a:extLst>
+              <a:ext uri="{FF2B5EF4-FFF2-40B4-BE49-F238E27FC236}">
+                <a16:creationId xmlns:a16="http://schemas.microsoft.com/office/drawing/2014/main" id="{6FEAE87D-85A0-CE66-D959-B674AFA9EA3B}"/>
               </a:ext>
             </a:extLst>
           </p:cNvPr>
@@ -11905,21 +13573,15 @@
           <p:nvPr/>
         </p:nvPicPr>
         <p:blipFill>
-          <a:blip r:embed="rId2">
-            <a:extLst>
-              <a:ext uri="{28A0092B-C50C-407E-A947-70E740481C1C}">
-                <a14:useLocalDpi xmlns:a14="http://schemas.microsoft.com/office/drawing/2010/main" val="0"/>
-              </a:ext>
-            </a:extLst>
-          </a:blip>
+          <a:blip r:embed="rId2"/>
           <a:stretch>
             <a:fillRect/>
           </a:stretch>
         </p:blipFill>
         <p:spPr>
           <a:xfrm>
-            <a:off x="3951346" y="1435570"/>
-            <a:ext cx="6655161" cy="4991371"/>
+            <a:off x="3195254" y="1273129"/>
+            <a:ext cx="5801491" cy="5098487"/>
           </a:xfrm>
           <a:prstGeom prst="rect">
             <a:avLst/>
@@ -11929,7 +13591,7 @@
     </p:spTree>
     <p:extLst>
       <p:ext uri="{BB962C8B-B14F-4D97-AF65-F5344CB8AC3E}">
-        <p14:creationId xmlns:p14="http://schemas.microsoft.com/office/powerpoint/2010/main" val="2258630762"/>
+        <p14:creationId xmlns:p14="http://schemas.microsoft.com/office/powerpoint/2010/main" val="4203002642"/>
       </p:ext>
     </p:extLst>
   </p:cSld>
@@ -11983,10 +13645,9 @@
           <a:lstStyle/>
           <a:p>
             <a:r>
-              <a:rPr lang="en-US" dirty="0"/>
-              <a:t>Drag without Normalization</a:t>
+              <a:rPr lang="de-DE" dirty="0"/>
+              <a:t>Evaluation</a:t>
             </a:r>
-            <a:endParaRPr lang="de-DE" dirty="0"/>
           </a:p>
         </p:txBody>
       </p:sp>
@@ -12013,7 +13674,7 @@
           <a:p>
             <a:fld id="{C683496F-A479-4189-AF7A-49EC797A60BB}" type="datetime8">
               <a:rPr lang="en-DE" smtClean="0"/>
-              <a:t>11/01/2022 18:49</a:t>
+              <a:t>11/12/2022 17:07</a:t>
             </a:fld>
             <a:endParaRPr lang="de-DE" dirty="0"/>
           </a:p>
@@ -12081,7 +13742,7 @@
     </p:spTree>
     <p:extLst>
       <p:ext uri="{BB962C8B-B14F-4D97-AF65-F5344CB8AC3E}">
-        <p14:creationId xmlns:p14="http://schemas.microsoft.com/office/powerpoint/2010/main" val="894646411"/>
+        <p14:creationId xmlns:p14="http://schemas.microsoft.com/office/powerpoint/2010/main" val="2772451920"/>
       </p:ext>
     </p:extLst>
   </p:cSld>
@@ -12113,7 +13774,7 @@
           <p:cNvPr id="2" name="Date Placeholder 1">
             <a:extLst>
               <a:ext uri="{FF2B5EF4-FFF2-40B4-BE49-F238E27FC236}">
-                <a16:creationId xmlns:a16="http://schemas.microsoft.com/office/drawing/2014/main" id="{E653CDC2-E009-3556-5871-43AEB18817C7}"/>
+                <a16:creationId xmlns:a16="http://schemas.microsoft.com/office/drawing/2014/main" id="{2B8CAAFC-F0E6-F31E-198A-AA24CC49C316}"/>
               </a:ext>
             </a:extLst>
           </p:cNvPr>
@@ -12131,7 +13792,7 @@
           <a:p>
             <a:fld id="{A2E8877F-2015-4290-957C-06EF82A52242}" type="datetime8">
               <a:rPr lang="en-DE" smtClean="0"/>
-              <a:t>11/01/2022 18:33</a:t>
+              <a:t>11/12/2022 16:44</a:t>
             </a:fld>
             <a:endParaRPr lang="de-DE" dirty="0"/>
           </a:p>
@@ -12142,7 +13803,7 @@
           <p:cNvPr id="3" name="Footer Placeholder 2">
             <a:extLst>
               <a:ext uri="{FF2B5EF4-FFF2-40B4-BE49-F238E27FC236}">
-                <a16:creationId xmlns:a16="http://schemas.microsoft.com/office/drawing/2014/main" id="{31D70611-B689-F2D3-EC7A-E9C09F116747}"/>
+                <a16:creationId xmlns:a16="http://schemas.microsoft.com/office/drawing/2014/main" id="{C49146C1-0EFA-7410-35A6-1C2B33E3E160}"/>
               </a:ext>
             </a:extLst>
           </p:cNvPr>
@@ -12171,7 +13832,7 @@
           <p:cNvPr id="4" name="Slide Number Placeholder 3">
             <a:extLst>
               <a:ext uri="{FF2B5EF4-FFF2-40B4-BE49-F238E27FC236}">
-                <a16:creationId xmlns:a16="http://schemas.microsoft.com/office/drawing/2014/main" id="{72EF048D-E487-0918-E3D6-70DD63871490}"/>
+                <a16:creationId xmlns:a16="http://schemas.microsoft.com/office/drawing/2014/main" id="{83EEE9A2-09B3-BA3D-B64B-856A8F226637}"/>
               </a:ext>
             </a:extLst>
           </p:cNvPr>
@@ -12201,7 +13862,7 @@
           <p:cNvPr id="5" name="Title 4">
             <a:extLst>
               <a:ext uri="{FF2B5EF4-FFF2-40B4-BE49-F238E27FC236}">
-                <a16:creationId xmlns:a16="http://schemas.microsoft.com/office/drawing/2014/main" id="{45EE9607-A6C6-D200-B84D-465F5AABC4F5}"/>
+                <a16:creationId xmlns:a16="http://schemas.microsoft.com/office/drawing/2014/main" id="{BBB354EA-F495-6050-38E7-B27B0D727096}"/>
               </a:ext>
             </a:extLst>
           </p:cNvPr>
@@ -12219,7 +13880,7 @@
           <a:p>
             <a:r>
               <a:rPr lang="en-US" dirty="0"/>
-              <a:t>Drag</a:t>
+              <a:t>Evaluation – Drag simple</a:t>
             </a:r>
           </a:p>
         </p:txBody>
@@ -12229,7 +13890,7 @@
           <p:cNvPr id="6" name="Text Placeholder 5">
             <a:extLst>
               <a:ext uri="{FF2B5EF4-FFF2-40B4-BE49-F238E27FC236}">
-                <a16:creationId xmlns:a16="http://schemas.microsoft.com/office/drawing/2014/main" id="{680BC9F9-2757-24C5-308C-2149987995FC}"/>
+                <a16:creationId xmlns:a16="http://schemas.microsoft.com/office/drawing/2014/main" id="{4761E152-B7EF-00B5-47FF-110705BBE7D4}"/>
               </a:ext>
             </a:extLst>
           </p:cNvPr>
@@ -12245,92 +13906,63 @@
           <a:bodyPr/>
           <a:lstStyle/>
           <a:p>
-            <a:r>
-              <a:rPr lang="en-US" dirty="0"/>
-              <a:t>Drag</a:t>
-            </a:r>
-          </a:p>
-          <a:p>
-            <a:r>
-              <a:rPr lang="en-US" dirty="0"/>
-              <a:t>Evaluate on new data!</a:t>
-            </a:r>
-          </a:p>
-          <a:p>
-            <a:pPr lvl="1"/>
-            <a:r>
-              <a:rPr lang="en-US" dirty="0"/>
-              <a:t>Need more similar data samples, variety of steps. </a:t>
-            </a:r>
-            <a:r>
-              <a:rPr lang="en-US" dirty="0">
-                <a:sym typeface="Wingdings" panose="05000000000000000000" pitchFamily="2" charset="2"/>
-              </a:rPr>
-              <a:t> Different step heights, 20 variations (12 train, 4 </a:t>
-            </a:r>
-            <a:r>
-              <a:rPr lang="en-US" dirty="0" err="1">
-                <a:sym typeface="Wingdings" panose="05000000000000000000" pitchFamily="2" charset="2"/>
-              </a:rPr>
-              <a:t>val</a:t>
-            </a:r>
-            <a:r>
-              <a:rPr lang="en-US" dirty="0">
-                <a:sym typeface="Wingdings" panose="05000000000000000000" pitchFamily="2" charset="2"/>
-              </a:rPr>
-              <a:t>, 4 test)</a:t>
-            </a:r>
-          </a:p>
-          <a:p>
-            <a:pPr lvl="1"/>
-            <a:r>
-              <a:rPr lang="en-US" b="1" dirty="0">
-                <a:sym typeface="Wingdings" panose="05000000000000000000" pitchFamily="2" charset="2"/>
-              </a:rPr>
-              <a:t>No Normalization </a:t>
-            </a:r>
-            <a:r>
-              <a:rPr lang="en-US" dirty="0">
-                <a:sym typeface="Wingdings" panose="05000000000000000000" pitchFamily="2" charset="2"/>
-              </a:rPr>
-              <a:t>to values between 0 and 1 (Min-Max)</a:t>
-            </a:r>
-          </a:p>
-          <a:p>
-            <a:pPr lvl="1"/>
-            <a:r>
-              <a:rPr lang="en-US" dirty="0"/>
-              <a:t>Train again on </a:t>
-            </a:r>
-            <a:r>
-              <a:rPr lang="en-US" b="1" dirty="0"/>
-              <a:t>now multiple </a:t>
-            </a:r>
-            <a:r>
-              <a:rPr lang="en-US" dirty="0"/>
-              <a:t>different training samples</a:t>
-            </a:r>
-          </a:p>
-          <a:p>
-            <a:pPr lvl="1"/>
-            <a:r>
-              <a:rPr lang="en-US" dirty="0"/>
-              <a:t>Evaluate on the training data again, to make sure it can learn one sample of the multiple training samples well.</a:t>
-            </a:r>
-          </a:p>
-          <a:p>
-            <a:pPr lvl="1"/>
-            <a:r>
-              <a:rPr lang="en-US" dirty="0"/>
-              <a:t>Then evaluate on new data!</a:t>
-            </a:r>
+            <a:endParaRPr lang="en-US" sz="1800" dirty="0">
+              <a:effectLst/>
+              <a:latin typeface="Calibri" panose="020F0502020204030204" pitchFamily="34" charset="0"/>
+              <a:ea typeface="Calibri" panose="020F0502020204030204" pitchFamily="34" charset="0"/>
+              <a:cs typeface="Arial" panose="020B0604020202020204" pitchFamily="34" charset="0"/>
+            </a:endParaRPr>
+          </a:p>
+          <a:p>
+            <a:endParaRPr lang="en-US" sz="1800" dirty="0">
+              <a:effectLst/>
+              <a:latin typeface="Calibri" panose="020F0502020204030204" pitchFamily="34" charset="0"/>
+              <a:ea typeface="Calibri" panose="020F0502020204030204" pitchFamily="34" charset="0"/>
+              <a:cs typeface="Arial" panose="020B0604020202020204" pitchFamily="34" charset="0"/>
+            </a:endParaRPr>
+          </a:p>
+          <a:p>
+            <a:endParaRPr lang="en-US" dirty="0"/>
+          </a:p>
+          <a:p>
+            <a:endParaRPr lang="en-US" dirty="0"/>
           </a:p>
         </p:txBody>
       </p:sp>
+      <p:pic>
+        <p:nvPicPr>
+          <p:cNvPr id="8" name="Picture 7">
+            <a:extLst>
+              <a:ext uri="{FF2B5EF4-FFF2-40B4-BE49-F238E27FC236}">
+                <a16:creationId xmlns:a16="http://schemas.microsoft.com/office/drawing/2014/main" id="{E7B742B6-594A-5342-C818-3F28C09F4DCD}"/>
+              </a:ext>
+            </a:extLst>
+          </p:cNvPr>
+          <p:cNvPicPr>
+            <a:picLocks noChangeAspect="1"/>
+          </p:cNvPicPr>
+          <p:nvPr/>
+        </p:nvPicPr>
+        <p:blipFill>
+          <a:blip r:embed="rId2"/>
+          <a:stretch>
+            <a:fillRect/>
+          </a:stretch>
+        </p:blipFill>
+        <p:spPr>
+          <a:xfrm>
+            <a:off x="471488" y="1792677"/>
+            <a:ext cx="11249024" cy="4131922"/>
+          </a:xfrm>
+          <a:prstGeom prst="rect">
+            <a:avLst/>
+          </a:prstGeom>
+        </p:spPr>
+      </p:pic>
     </p:spTree>
     <p:extLst>
       <p:ext uri="{BB962C8B-B14F-4D97-AF65-F5344CB8AC3E}">
-        <p14:creationId xmlns:p14="http://schemas.microsoft.com/office/powerpoint/2010/main" val="3879249609"/>
+        <p14:creationId xmlns:p14="http://schemas.microsoft.com/office/powerpoint/2010/main" val="2280491048"/>
       </p:ext>
     </p:extLst>
   </p:cSld>
@@ -12359,10 +13991,10 @@
       </p:grpSpPr>
       <p:sp>
         <p:nvSpPr>
-          <p:cNvPr id="2" name="Datumsplatzhalter 1">
-            <a:extLst>
-              <a:ext uri="{FF2B5EF4-FFF2-40B4-BE49-F238E27FC236}">
-                <a16:creationId xmlns:a16="http://schemas.microsoft.com/office/drawing/2014/main" id="{B446B528-9123-B86E-03BB-CC1AFE33FB8E}"/>
+          <p:cNvPr id="2" name="Date Placeholder 1">
+            <a:extLst>
+              <a:ext uri="{FF2B5EF4-FFF2-40B4-BE49-F238E27FC236}">
+                <a16:creationId xmlns:a16="http://schemas.microsoft.com/office/drawing/2014/main" id="{2B8CAAFC-F0E6-F31E-198A-AA24CC49C316}"/>
               </a:ext>
             </a:extLst>
           </p:cNvPr>
@@ -12380,7 +14012,7 @@
           <a:p>
             <a:fld id="{A2E8877F-2015-4290-957C-06EF82A52242}" type="datetime8">
               <a:rPr lang="en-DE" smtClean="0"/>
-              <a:t>11/01/2022 18:33</a:t>
+              <a:t>11/12/2022 17:08</a:t>
             </a:fld>
             <a:endParaRPr lang="de-DE" dirty="0"/>
           </a:p>
@@ -12388,10 +14020,10 @@
       </p:sp>
       <p:sp>
         <p:nvSpPr>
-          <p:cNvPr id="3" name="Fußzeilenplatzhalter 2">
-            <a:extLst>
-              <a:ext uri="{FF2B5EF4-FFF2-40B4-BE49-F238E27FC236}">
-                <a16:creationId xmlns:a16="http://schemas.microsoft.com/office/drawing/2014/main" id="{9039D9D2-CC83-71B3-9FD1-8EE930EC3D74}"/>
+          <p:cNvPr id="3" name="Footer Placeholder 2">
+            <a:extLst>
+              <a:ext uri="{FF2B5EF4-FFF2-40B4-BE49-F238E27FC236}">
+                <a16:creationId xmlns:a16="http://schemas.microsoft.com/office/drawing/2014/main" id="{C49146C1-0EFA-7410-35A6-1C2B33E3E160}"/>
               </a:ext>
             </a:extLst>
           </p:cNvPr>
@@ -12417,10 +14049,10 @@
       </p:sp>
       <p:sp>
         <p:nvSpPr>
-          <p:cNvPr id="4" name="Foliennummernplatzhalter 3">
-            <a:extLst>
-              <a:ext uri="{FF2B5EF4-FFF2-40B4-BE49-F238E27FC236}">
-                <a16:creationId xmlns:a16="http://schemas.microsoft.com/office/drawing/2014/main" id="{6799EE1F-7DA2-681B-18DD-284EC80CE7C1}"/>
+          <p:cNvPr id="4" name="Slide Number Placeholder 3">
+            <a:extLst>
+              <a:ext uri="{FF2B5EF4-FFF2-40B4-BE49-F238E27FC236}">
+                <a16:creationId xmlns:a16="http://schemas.microsoft.com/office/drawing/2014/main" id="{83EEE9A2-09B3-BA3D-B64B-856A8F226637}"/>
               </a:ext>
             </a:extLst>
           </p:cNvPr>
@@ -12447,10 +14079,10 @@
       </p:sp>
       <p:sp>
         <p:nvSpPr>
-          <p:cNvPr id="5" name="Titel 4">
-            <a:extLst>
-              <a:ext uri="{FF2B5EF4-FFF2-40B4-BE49-F238E27FC236}">
-                <a16:creationId xmlns:a16="http://schemas.microsoft.com/office/drawing/2014/main" id="{1E6B2A5D-4314-E0F4-B6A1-769A8DB4F7C3}"/>
+          <p:cNvPr id="5" name="Title 4">
+            <a:extLst>
+              <a:ext uri="{FF2B5EF4-FFF2-40B4-BE49-F238E27FC236}">
+                <a16:creationId xmlns:a16="http://schemas.microsoft.com/office/drawing/2014/main" id="{BBB354EA-F495-6050-38E7-B27B0D727096}"/>
               </a:ext>
             </a:extLst>
           </p:cNvPr>
@@ -12468,17 +14100,17 @@
           <a:p>
             <a:r>
               <a:rPr lang="en-US" dirty="0"/>
-              <a:t>Drag no norm – Multiple Samples</a:t>
+              <a:t>Evaluation – Drag complex</a:t>
             </a:r>
           </a:p>
         </p:txBody>
       </p:sp>
       <p:sp>
         <p:nvSpPr>
-          <p:cNvPr id="6" name="Textplatzhalter 5">
-            <a:extLst>
-              <a:ext uri="{FF2B5EF4-FFF2-40B4-BE49-F238E27FC236}">
-                <a16:creationId xmlns:a16="http://schemas.microsoft.com/office/drawing/2014/main" id="{202B2346-17ED-3E6E-A606-65763BDC6E02}"/>
+          <p:cNvPr id="6" name="Text Placeholder 5">
+            <a:extLst>
+              <a:ext uri="{FF2B5EF4-FFF2-40B4-BE49-F238E27FC236}">
+                <a16:creationId xmlns:a16="http://schemas.microsoft.com/office/drawing/2014/main" id="{4761E152-B7EF-00B5-47FF-110705BBE7D4}"/>
               </a:ext>
             </a:extLst>
           </p:cNvPr>
@@ -12494,24 +14126,35 @@
           <a:bodyPr/>
           <a:lstStyle/>
           <a:p>
-            <a:r>
-              <a:rPr lang="en-US" dirty="0"/>
-              <a:t>Prediction on </a:t>
-            </a:r>
-            <a:r>
-              <a:rPr lang="en-US" dirty="0" err="1"/>
-              <a:t>Trainingset</a:t>
-            </a:r>
+            <a:endParaRPr lang="en-US" sz="1800" dirty="0">
+              <a:effectLst/>
+              <a:latin typeface="Calibri" panose="020F0502020204030204" pitchFamily="34" charset="0"/>
+              <a:ea typeface="Calibri" panose="020F0502020204030204" pitchFamily="34" charset="0"/>
+              <a:cs typeface="Arial" panose="020B0604020202020204" pitchFamily="34" charset="0"/>
+            </a:endParaRPr>
+          </a:p>
+          <a:p>
+            <a:endParaRPr lang="en-US" sz="1800" dirty="0">
+              <a:effectLst/>
+              <a:latin typeface="Calibri" panose="020F0502020204030204" pitchFamily="34" charset="0"/>
+              <a:ea typeface="Calibri" panose="020F0502020204030204" pitchFamily="34" charset="0"/>
+              <a:cs typeface="Arial" panose="020B0604020202020204" pitchFamily="34" charset="0"/>
+            </a:endParaRPr>
+          </a:p>
+          <a:p>
+            <a:endParaRPr lang="en-US" dirty="0"/>
+          </a:p>
+          <a:p>
             <a:endParaRPr lang="en-US" dirty="0"/>
           </a:p>
         </p:txBody>
       </p:sp>
       <p:pic>
         <p:nvPicPr>
-          <p:cNvPr id="9" name="Grafik 8">
-            <a:extLst>
-              <a:ext uri="{FF2B5EF4-FFF2-40B4-BE49-F238E27FC236}">
-                <a16:creationId xmlns:a16="http://schemas.microsoft.com/office/drawing/2014/main" id="{EAD48344-2E8F-028F-1C03-3CC75DEC15E0}"/>
+          <p:cNvPr id="9" name="Picture 8">
+            <a:extLst>
+              <a:ext uri="{FF2B5EF4-FFF2-40B4-BE49-F238E27FC236}">
+                <a16:creationId xmlns:a16="http://schemas.microsoft.com/office/drawing/2014/main" id="{7E6AD291-95E8-0CF2-1BF2-F3C9349E6B5D}"/>
               </a:ext>
             </a:extLst>
           </p:cNvPr>
@@ -12521,21 +14164,15 @@
           <p:nvPr/>
         </p:nvPicPr>
         <p:blipFill>
-          <a:blip r:embed="rId2">
-            <a:extLst>
-              <a:ext uri="{28A0092B-C50C-407E-A947-70E740481C1C}">
-                <a14:useLocalDpi xmlns:a14="http://schemas.microsoft.com/office/drawing/2010/main" val="0"/>
-              </a:ext>
-            </a:extLst>
-          </a:blip>
+          <a:blip r:embed="rId2"/>
           <a:stretch>
             <a:fillRect/>
           </a:stretch>
         </p:blipFill>
         <p:spPr>
           <a:xfrm>
-            <a:off x="4101402" y="1362682"/>
-            <a:ext cx="6810755" cy="5108066"/>
+            <a:off x="242070" y="1696161"/>
+            <a:ext cx="11707859" cy="4324954"/>
           </a:xfrm>
           <a:prstGeom prst="rect">
             <a:avLst/>
@@ -12545,7 +14182,7 @@
     </p:spTree>
     <p:extLst>
       <p:ext uri="{BB962C8B-B14F-4D97-AF65-F5344CB8AC3E}">
-        <p14:creationId xmlns:p14="http://schemas.microsoft.com/office/powerpoint/2010/main" val="2614790394"/>
+        <p14:creationId xmlns:p14="http://schemas.microsoft.com/office/powerpoint/2010/main" val="4055413292"/>
       </p:ext>
     </p:extLst>
   </p:cSld>
@@ -12574,10 +14211,10 @@
       </p:grpSpPr>
       <p:sp>
         <p:nvSpPr>
-          <p:cNvPr id="2" name="Datumsplatzhalter 1">
-            <a:extLst>
-              <a:ext uri="{FF2B5EF4-FFF2-40B4-BE49-F238E27FC236}">
-                <a16:creationId xmlns:a16="http://schemas.microsoft.com/office/drawing/2014/main" id="{B446B528-9123-B86E-03BB-CC1AFE33FB8E}"/>
+          <p:cNvPr id="2" name="Date Placeholder 1">
+            <a:extLst>
+              <a:ext uri="{FF2B5EF4-FFF2-40B4-BE49-F238E27FC236}">
+                <a16:creationId xmlns:a16="http://schemas.microsoft.com/office/drawing/2014/main" id="{2B8CAAFC-F0E6-F31E-198A-AA24CC49C316}"/>
               </a:ext>
             </a:extLst>
           </p:cNvPr>
@@ -12595,7 +14232,7 @@
           <a:p>
             <a:fld id="{A2E8877F-2015-4290-957C-06EF82A52242}" type="datetime8">
               <a:rPr lang="en-DE" smtClean="0"/>
-              <a:t>11/01/2022 18:33</a:t>
+              <a:t>11/12/2022 17:08</a:t>
             </a:fld>
             <a:endParaRPr lang="de-DE" dirty="0"/>
           </a:p>
@@ -12603,10 +14240,10 @@
       </p:sp>
       <p:sp>
         <p:nvSpPr>
-          <p:cNvPr id="3" name="Fußzeilenplatzhalter 2">
-            <a:extLst>
-              <a:ext uri="{FF2B5EF4-FFF2-40B4-BE49-F238E27FC236}">
-                <a16:creationId xmlns:a16="http://schemas.microsoft.com/office/drawing/2014/main" id="{9039D9D2-CC83-71B3-9FD1-8EE930EC3D74}"/>
+          <p:cNvPr id="3" name="Footer Placeholder 2">
+            <a:extLst>
+              <a:ext uri="{FF2B5EF4-FFF2-40B4-BE49-F238E27FC236}">
+                <a16:creationId xmlns:a16="http://schemas.microsoft.com/office/drawing/2014/main" id="{C49146C1-0EFA-7410-35A6-1C2B33E3E160}"/>
               </a:ext>
             </a:extLst>
           </p:cNvPr>
@@ -12632,10 +14269,10 @@
       </p:sp>
       <p:sp>
         <p:nvSpPr>
-          <p:cNvPr id="4" name="Foliennummernplatzhalter 3">
-            <a:extLst>
-              <a:ext uri="{FF2B5EF4-FFF2-40B4-BE49-F238E27FC236}">
-                <a16:creationId xmlns:a16="http://schemas.microsoft.com/office/drawing/2014/main" id="{6799EE1F-7DA2-681B-18DD-284EC80CE7C1}"/>
+          <p:cNvPr id="4" name="Slide Number Placeholder 3">
+            <a:extLst>
+              <a:ext uri="{FF2B5EF4-FFF2-40B4-BE49-F238E27FC236}">
+                <a16:creationId xmlns:a16="http://schemas.microsoft.com/office/drawing/2014/main" id="{83EEE9A2-09B3-BA3D-B64B-856A8F226637}"/>
               </a:ext>
             </a:extLst>
           </p:cNvPr>
@@ -12662,10 +14299,10 @@
       </p:sp>
       <p:sp>
         <p:nvSpPr>
-          <p:cNvPr id="5" name="Titel 4">
-            <a:extLst>
-              <a:ext uri="{FF2B5EF4-FFF2-40B4-BE49-F238E27FC236}">
-                <a16:creationId xmlns:a16="http://schemas.microsoft.com/office/drawing/2014/main" id="{1E6B2A5D-4314-E0F4-B6A1-769A8DB4F7C3}"/>
+          <p:cNvPr id="5" name="Title 4">
+            <a:extLst>
+              <a:ext uri="{FF2B5EF4-FFF2-40B4-BE49-F238E27FC236}">
+                <a16:creationId xmlns:a16="http://schemas.microsoft.com/office/drawing/2014/main" id="{BBB354EA-F495-6050-38E7-B27B0D727096}"/>
               </a:ext>
             </a:extLst>
           </p:cNvPr>
@@ -12683,17 +14320,17 @@
           <a:p>
             <a:r>
               <a:rPr lang="en-US" dirty="0"/>
-              <a:t>Drag no norm – Multiple Samples</a:t>
+              <a:t>Evaluation – Pendulum simple</a:t>
             </a:r>
           </a:p>
         </p:txBody>
       </p:sp>
       <p:sp>
         <p:nvSpPr>
-          <p:cNvPr id="6" name="Textplatzhalter 5">
-            <a:extLst>
-              <a:ext uri="{FF2B5EF4-FFF2-40B4-BE49-F238E27FC236}">
-                <a16:creationId xmlns:a16="http://schemas.microsoft.com/office/drawing/2014/main" id="{202B2346-17ED-3E6E-A606-65763BDC6E02}"/>
+          <p:cNvPr id="6" name="Text Placeholder 5">
+            <a:extLst>
+              <a:ext uri="{FF2B5EF4-FFF2-40B4-BE49-F238E27FC236}">
+                <a16:creationId xmlns:a16="http://schemas.microsoft.com/office/drawing/2014/main" id="{4761E152-B7EF-00B5-47FF-110705BBE7D4}"/>
               </a:ext>
             </a:extLst>
           </p:cNvPr>
@@ -12709,19 +14346,35 @@
           <a:bodyPr/>
           <a:lstStyle/>
           <a:p>
-            <a:r>
-              <a:rPr lang="en-US" dirty="0"/>
-              <a:t>Prediction on Validation Set</a:t>
-            </a:r>
+            <a:endParaRPr lang="en-US" sz="1800" dirty="0">
+              <a:effectLst/>
+              <a:latin typeface="Calibri" panose="020F0502020204030204" pitchFamily="34" charset="0"/>
+              <a:ea typeface="Calibri" panose="020F0502020204030204" pitchFamily="34" charset="0"/>
+              <a:cs typeface="Arial" panose="020B0604020202020204" pitchFamily="34" charset="0"/>
+            </a:endParaRPr>
+          </a:p>
+          <a:p>
+            <a:endParaRPr lang="en-US" sz="1800" dirty="0">
+              <a:effectLst/>
+              <a:latin typeface="Calibri" panose="020F0502020204030204" pitchFamily="34" charset="0"/>
+              <a:ea typeface="Calibri" panose="020F0502020204030204" pitchFamily="34" charset="0"/>
+              <a:cs typeface="Arial" panose="020B0604020202020204" pitchFamily="34" charset="0"/>
+            </a:endParaRPr>
+          </a:p>
+          <a:p>
+            <a:endParaRPr lang="en-US" dirty="0"/>
+          </a:p>
+          <a:p>
+            <a:endParaRPr lang="en-US" dirty="0"/>
           </a:p>
         </p:txBody>
       </p:sp>
       <p:pic>
         <p:nvPicPr>
-          <p:cNvPr id="8" name="Grafik 7">
-            <a:extLst>
-              <a:ext uri="{FF2B5EF4-FFF2-40B4-BE49-F238E27FC236}">
-                <a16:creationId xmlns:a16="http://schemas.microsoft.com/office/drawing/2014/main" id="{0FE016CC-4B36-EFA8-A8E3-66D6AB325EB5}"/>
+          <p:cNvPr id="11" name="Picture 10">
+            <a:extLst>
+              <a:ext uri="{FF2B5EF4-FFF2-40B4-BE49-F238E27FC236}">
+                <a16:creationId xmlns:a16="http://schemas.microsoft.com/office/drawing/2014/main" id="{C8FA1192-71A8-D843-070A-3AE009091E0A}"/>
               </a:ext>
             </a:extLst>
           </p:cNvPr>
@@ -12731,21 +14384,15 @@
           <p:nvPr/>
         </p:nvPicPr>
         <p:blipFill>
-          <a:blip r:embed="rId2">
-            <a:extLst>
-              <a:ext uri="{28A0092B-C50C-407E-A947-70E740481C1C}">
-                <a14:useLocalDpi xmlns:a14="http://schemas.microsoft.com/office/drawing/2010/main" val="0"/>
-              </a:ext>
-            </a:extLst>
-          </a:blip>
+          <a:blip r:embed="rId2"/>
           <a:stretch>
             <a:fillRect/>
           </a:stretch>
         </p:blipFill>
         <p:spPr>
           <a:xfrm>
-            <a:off x="4016001" y="1263366"/>
-            <a:ext cx="6920724" cy="5190543"/>
+            <a:off x="680281" y="1891451"/>
+            <a:ext cx="10831437" cy="3934374"/>
           </a:xfrm>
           <a:prstGeom prst="rect">
             <a:avLst/>
@@ -12755,7 +14402,7 @@
     </p:spTree>
     <p:extLst>
       <p:ext uri="{BB962C8B-B14F-4D97-AF65-F5344CB8AC3E}">
-        <p14:creationId xmlns:p14="http://schemas.microsoft.com/office/powerpoint/2010/main" val="4078750322"/>
+        <p14:creationId xmlns:p14="http://schemas.microsoft.com/office/powerpoint/2010/main" val="1523835104"/>
       </p:ext>
     </p:extLst>
   </p:cSld>
@@ -12784,10 +14431,10 @@
       </p:grpSpPr>
       <p:sp>
         <p:nvSpPr>
-          <p:cNvPr id="2" name="Datumsplatzhalter 1">
-            <a:extLst>
-              <a:ext uri="{FF2B5EF4-FFF2-40B4-BE49-F238E27FC236}">
-                <a16:creationId xmlns:a16="http://schemas.microsoft.com/office/drawing/2014/main" id="{B446B528-9123-B86E-03BB-CC1AFE33FB8E}"/>
+          <p:cNvPr id="2" name="Date Placeholder 1">
+            <a:extLst>
+              <a:ext uri="{FF2B5EF4-FFF2-40B4-BE49-F238E27FC236}">
+                <a16:creationId xmlns:a16="http://schemas.microsoft.com/office/drawing/2014/main" id="{2B8CAAFC-F0E6-F31E-198A-AA24CC49C316}"/>
               </a:ext>
             </a:extLst>
           </p:cNvPr>
@@ -12805,7 +14452,7 @@
           <a:p>
             <a:fld id="{A2E8877F-2015-4290-957C-06EF82A52242}" type="datetime8">
               <a:rPr lang="en-DE" smtClean="0"/>
-              <a:t>11/01/2022 18:33</a:t>
+              <a:t>11/12/2022 17:09</a:t>
             </a:fld>
             <a:endParaRPr lang="de-DE" dirty="0"/>
           </a:p>
@@ -12813,10 +14460,10 @@
       </p:sp>
       <p:sp>
         <p:nvSpPr>
-          <p:cNvPr id="3" name="Fußzeilenplatzhalter 2">
-            <a:extLst>
-              <a:ext uri="{FF2B5EF4-FFF2-40B4-BE49-F238E27FC236}">
-                <a16:creationId xmlns:a16="http://schemas.microsoft.com/office/drawing/2014/main" id="{9039D9D2-CC83-71B3-9FD1-8EE930EC3D74}"/>
+          <p:cNvPr id="3" name="Footer Placeholder 2">
+            <a:extLst>
+              <a:ext uri="{FF2B5EF4-FFF2-40B4-BE49-F238E27FC236}">
+                <a16:creationId xmlns:a16="http://schemas.microsoft.com/office/drawing/2014/main" id="{C49146C1-0EFA-7410-35A6-1C2B33E3E160}"/>
               </a:ext>
             </a:extLst>
           </p:cNvPr>
@@ -12842,10 +14489,10 @@
       </p:sp>
       <p:sp>
         <p:nvSpPr>
-          <p:cNvPr id="4" name="Foliennummernplatzhalter 3">
-            <a:extLst>
-              <a:ext uri="{FF2B5EF4-FFF2-40B4-BE49-F238E27FC236}">
-                <a16:creationId xmlns:a16="http://schemas.microsoft.com/office/drawing/2014/main" id="{6799EE1F-7DA2-681B-18DD-284EC80CE7C1}"/>
+          <p:cNvPr id="4" name="Slide Number Placeholder 3">
+            <a:extLst>
+              <a:ext uri="{FF2B5EF4-FFF2-40B4-BE49-F238E27FC236}">
+                <a16:creationId xmlns:a16="http://schemas.microsoft.com/office/drawing/2014/main" id="{83EEE9A2-09B3-BA3D-B64B-856A8F226637}"/>
               </a:ext>
             </a:extLst>
           </p:cNvPr>
@@ -12872,10 +14519,10 @@
       </p:sp>
       <p:sp>
         <p:nvSpPr>
-          <p:cNvPr id="5" name="Titel 4">
-            <a:extLst>
-              <a:ext uri="{FF2B5EF4-FFF2-40B4-BE49-F238E27FC236}">
-                <a16:creationId xmlns:a16="http://schemas.microsoft.com/office/drawing/2014/main" id="{1E6B2A5D-4314-E0F4-B6A1-769A8DB4F7C3}"/>
+          <p:cNvPr id="5" name="Title 4">
+            <a:extLst>
+              <a:ext uri="{FF2B5EF4-FFF2-40B4-BE49-F238E27FC236}">
+                <a16:creationId xmlns:a16="http://schemas.microsoft.com/office/drawing/2014/main" id="{BBB354EA-F495-6050-38E7-B27B0D727096}"/>
               </a:ext>
             </a:extLst>
           </p:cNvPr>
@@ -12893,17 +14540,17 @@
           <a:p>
             <a:r>
               <a:rPr lang="en-US" dirty="0"/>
-              <a:t>Drag no norm – Multiple Samples</a:t>
+              <a:t>Evaluation – Pendulum complex</a:t>
             </a:r>
           </a:p>
         </p:txBody>
       </p:sp>
       <p:sp>
         <p:nvSpPr>
-          <p:cNvPr id="6" name="Textplatzhalter 5">
-            <a:extLst>
-              <a:ext uri="{FF2B5EF4-FFF2-40B4-BE49-F238E27FC236}">
-                <a16:creationId xmlns:a16="http://schemas.microsoft.com/office/drawing/2014/main" id="{202B2346-17ED-3E6E-A606-65763BDC6E02}"/>
+          <p:cNvPr id="6" name="Text Placeholder 5">
+            <a:extLst>
+              <a:ext uri="{FF2B5EF4-FFF2-40B4-BE49-F238E27FC236}">
+                <a16:creationId xmlns:a16="http://schemas.microsoft.com/office/drawing/2014/main" id="{4761E152-B7EF-00B5-47FF-110705BBE7D4}"/>
               </a:ext>
             </a:extLst>
           </p:cNvPr>
@@ -12919,19 +14566,35 @@
           <a:bodyPr/>
           <a:lstStyle/>
           <a:p>
-            <a:r>
-              <a:rPr lang="en-US" dirty="0"/>
-              <a:t>Prediction on Test Set</a:t>
-            </a:r>
+            <a:endParaRPr lang="en-US" sz="1800" dirty="0">
+              <a:effectLst/>
+              <a:latin typeface="Calibri" panose="020F0502020204030204" pitchFamily="34" charset="0"/>
+              <a:ea typeface="Calibri" panose="020F0502020204030204" pitchFamily="34" charset="0"/>
+              <a:cs typeface="Arial" panose="020B0604020202020204" pitchFamily="34" charset="0"/>
+            </a:endParaRPr>
+          </a:p>
+          <a:p>
+            <a:endParaRPr lang="en-US" sz="1800" dirty="0">
+              <a:effectLst/>
+              <a:latin typeface="Calibri" panose="020F0502020204030204" pitchFamily="34" charset="0"/>
+              <a:ea typeface="Calibri" panose="020F0502020204030204" pitchFamily="34" charset="0"/>
+              <a:cs typeface="Arial" panose="020B0604020202020204" pitchFamily="34" charset="0"/>
+            </a:endParaRPr>
+          </a:p>
+          <a:p>
+            <a:endParaRPr lang="en-US" dirty="0"/>
+          </a:p>
+          <a:p>
+            <a:endParaRPr lang="en-US" dirty="0"/>
           </a:p>
         </p:txBody>
       </p:sp>
       <p:pic>
         <p:nvPicPr>
-          <p:cNvPr id="8" name="Grafik 7">
-            <a:extLst>
-              <a:ext uri="{FF2B5EF4-FFF2-40B4-BE49-F238E27FC236}">
-                <a16:creationId xmlns:a16="http://schemas.microsoft.com/office/drawing/2014/main" id="{05185672-FDEA-2EBA-F566-A245E90D6CFB}"/>
+          <p:cNvPr id="9" name="Picture 8">
+            <a:extLst>
+              <a:ext uri="{FF2B5EF4-FFF2-40B4-BE49-F238E27FC236}">
+                <a16:creationId xmlns:a16="http://schemas.microsoft.com/office/drawing/2014/main" id="{B27F1AAD-AC46-6E27-717A-7940CB92B426}"/>
               </a:ext>
             </a:extLst>
           </p:cNvPr>
@@ -12941,21 +14604,15 @@
           <p:nvPr/>
         </p:nvPicPr>
         <p:blipFill>
-          <a:blip r:embed="rId2">
-            <a:extLst>
-              <a:ext uri="{28A0092B-C50C-407E-A947-70E740481C1C}">
-                <a14:useLocalDpi xmlns:a14="http://schemas.microsoft.com/office/drawing/2010/main" val="0"/>
-              </a:ext>
-            </a:extLst>
-          </a:blip>
+          <a:blip r:embed="rId2"/>
           <a:stretch>
             <a:fillRect/>
           </a:stretch>
         </p:blipFill>
         <p:spPr>
           <a:xfrm>
-            <a:off x="4016341" y="1263494"/>
-            <a:ext cx="6920384" cy="5190288"/>
+            <a:off x="713624" y="1924793"/>
+            <a:ext cx="10764752" cy="3867690"/>
           </a:xfrm>
           <a:prstGeom prst="rect">
             <a:avLst/>
@@ -12965,7 +14622,7 @@
     </p:spTree>
     <p:extLst>
       <p:ext uri="{BB962C8B-B14F-4D97-AF65-F5344CB8AC3E}">
-        <p14:creationId xmlns:p14="http://schemas.microsoft.com/office/powerpoint/2010/main" val="1818948321"/>
+        <p14:creationId xmlns:p14="http://schemas.microsoft.com/office/powerpoint/2010/main" val="1512079235"/>
       </p:ext>
     </p:extLst>
   </p:cSld>
@@ -12994,10 +14651,10 @@
       </p:grpSpPr>
       <p:sp>
         <p:nvSpPr>
-          <p:cNvPr id="2" name="Datumsplatzhalter 1">
-            <a:extLst>
-              <a:ext uri="{FF2B5EF4-FFF2-40B4-BE49-F238E27FC236}">
-                <a16:creationId xmlns:a16="http://schemas.microsoft.com/office/drawing/2014/main" id="{633D9BD4-F4B5-149F-6E8A-4F59F8DAC856}"/>
+          <p:cNvPr id="2" name="Date Placeholder 1">
+            <a:extLst>
+              <a:ext uri="{FF2B5EF4-FFF2-40B4-BE49-F238E27FC236}">
+                <a16:creationId xmlns:a16="http://schemas.microsoft.com/office/drawing/2014/main" id="{2B8CAAFC-F0E6-F31E-198A-AA24CC49C316}"/>
               </a:ext>
             </a:extLst>
           </p:cNvPr>
@@ -13015,7 +14672,7 @@
           <a:p>
             <a:fld id="{A2E8877F-2015-4290-957C-06EF82A52242}" type="datetime8">
               <a:rPr lang="en-DE" smtClean="0"/>
-              <a:t>11/01/2022 19:05</a:t>
+              <a:t>11/12/2022 17:07</a:t>
             </a:fld>
             <a:endParaRPr lang="de-DE" dirty="0"/>
           </a:p>
@@ -13023,10 +14680,10 @@
       </p:sp>
       <p:sp>
         <p:nvSpPr>
-          <p:cNvPr id="3" name="Fußzeilenplatzhalter 2">
-            <a:extLst>
-              <a:ext uri="{FF2B5EF4-FFF2-40B4-BE49-F238E27FC236}">
-                <a16:creationId xmlns:a16="http://schemas.microsoft.com/office/drawing/2014/main" id="{513B6BE7-D696-BC29-C3FF-FE83B6C77824}"/>
+          <p:cNvPr id="3" name="Footer Placeholder 2">
+            <a:extLst>
+              <a:ext uri="{FF2B5EF4-FFF2-40B4-BE49-F238E27FC236}">
+                <a16:creationId xmlns:a16="http://schemas.microsoft.com/office/drawing/2014/main" id="{C49146C1-0EFA-7410-35A6-1C2B33E3E160}"/>
               </a:ext>
             </a:extLst>
           </p:cNvPr>
@@ -13052,10 +14709,10 @@
       </p:sp>
       <p:sp>
         <p:nvSpPr>
-          <p:cNvPr id="4" name="Foliennummernplatzhalter 3">
-            <a:extLst>
-              <a:ext uri="{FF2B5EF4-FFF2-40B4-BE49-F238E27FC236}">
-                <a16:creationId xmlns:a16="http://schemas.microsoft.com/office/drawing/2014/main" id="{FFDF05F7-18F6-7F38-9DC5-0A16457FE22A}"/>
+          <p:cNvPr id="4" name="Slide Number Placeholder 3">
+            <a:extLst>
+              <a:ext uri="{FF2B5EF4-FFF2-40B4-BE49-F238E27FC236}">
+                <a16:creationId xmlns:a16="http://schemas.microsoft.com/office/drawing/2014/main" id="{83EEE9A2-09B3-BA3D-B64B-856A8F226637}"/>
               </a:ext>
             </a:extLst>
           </p:cNvPr>
@@ -13082,10 +14739,10 @@
       </p:sp>
       <p:sp>
         <p:nvSpPr>
-          <p:cNvPr id="5" name="Titel 4">
-            <a:extLst>
-              <a:ext uri="{FF2B5EF4-FFF2-40B4-BE49-F238E27FC236}">
-                <a16:creationId xmlns:a16="http://schemas.microsoft.com/office/drawing/2014/main" id="{6F192CDE-B847-02C9-6C12-29C4CFBD0B8B}"/>
+          <p:cNvPr id="5" name="Title 4">
+            <a:extLst>
+              <a:ext uri="{FF2B5EF4-FFF2-40B4-BE49-F238E27FC236}">
+                <a16:creationId xmlns:a16="http://schemas.microsoft.com/office/drawing/2014/main" id="{BBB354EA-F495-6050-38E7-B27B0D727096}"/>
               </a:ext>
             </a:extLst>
           </p:cNvPr>
@@ -13103,17 +14760,17 @@
           <a:p>
             <a:r>
               <a:rPr lang="en-US" dirty="0"/>
-              <a:t>Eval</a:t>
+              <a:t>Conclusion</a:t>
             </a:r>
           </a:p>
         </p:txBody>
       </p:sp>
       <p:sp>
         <p:nvSpPr>
-          <p:cNvPr id="6" name="Textplatzhalter 5">
-            <a:extLst>
-              <a:ext uri="{FF2B5EF4-FFF2-40B4-BE49-F238E27FC236}">
-                <a16:creationId xmlns:a16="http://schemas.microsoft.com/office/drawing/2014/main" id="{DF5258BC-B97B-5BD2-9538-9776750B6984}"/>
+          <p:cNvPr id="6" name="Text Placeholder 5">
+            <a:extLst>
+              <a:ext uri="{FF2B5EF4-FFF2-40B4-BE49-F238E27FC236}">
+                <a16:creationId xmlns:a16="http://schemas.microsoft.com/office/drawing/2014/main" id="{4761E152-B7EF-00B5-47FF-110705BBE7D4}"/>
               </a:ext>
             </a:extLst>
           </p:cNvPr>
@@ -13131,49 +14788,76 @@
           <a:p>
             <a:r>
               <a:rPr lang="en-US" dirty="0"/>
-              <a:t>Seems like normalization doesn’t really help</a:t>
+              <a:t>Difficulties in training for larger model</a:t>
+            </a:r>
+          </a:p>
+          <a:p>
+            <a:r>
+              <a:rPr lang="en-US" dirty="0"/>
+              <a:t>Clear ability to predict nonlinear system</a:t>
+            </a:r>
+          </a:p>
+          <a:p>
+            <a:r>
+              <a:rPr lang="en-US" dirty="0"/>
+              <a:t>Error spikes on input change</a:t>
+            </a:r>
+          </a:p>
+          <a:p>
+            <a:r>
+              <a:rPr lang="en-US" dirty="0"/>
+              <a:t>Recommendation:</a:t>
             </a:r>
           </a:p>
           <a:p>
             <a:pPr lvl="1"/>
             <a:r>
               <a:rPr lang="en-US" dirty="0"/>
-              <a:t>Normalization might only help if there are multiple outputs with different ranges of values</a:t>
+              <a:t>Use 2 LSTM layers with 32/64 nodes and learning rate of 0.01 for similar systems</a:t>
             </a:r>
           </a:p>
           <a:p>
             <a:pPr lvl="1"/>
             <a:r>
               <a:rPr lang="en-US" dirty="0"/>
-              <a:t>The loss is then just larger for the variables with a higher value</a:t>
+              <a:t>New hyperparameter search for different systems</a:t>
             </a:r>
           </a:p>
           <a:p>
             <a:pPr lvl="1"/>
-            <a:r>
-              <a:rPr lang="en-US" dirty="0"/>
-              <a:t>Leads to prioritization of what output to improve</a:t>
-            </a:r>
-          </a:p>
-          <a:p>
-            <a:pPr lvl="1"/>
-            <a:r>
-              <a:rPr lang="en-US" dirty="0"/>
-              <a:t>Not the case here, only one output</a:t>
-            </a:r>
-          </a:p>
-          <a:p>
-            <a:r>
-              <a:rPr lang="en-US" dirty="0"/>
-              <a:t>But need to unnormalize results and compare then with objective metric (mean squared error)</a:t>
-            </a:r>
+            <a:endParaRPr lang="en-US" dirty="0"/>
+          </a:p>
+          <a:p>
+            <a:endParaRPr lang="en-US" dirty="0"/>
+          </a:p>
+          <a:p>
+            <a:endParaRPr lang="en-US" sz="1800" dirty="0">
+              <a:effectLst/>
+              <a:latin typeface="Calibri" panose="020F0502020204030204" pitchFamily="34" charset="0"/>
+              <a:ea typeface="Calibri" panose="020F0502020204030204" pitchFamily="34" charset="0"/>
+              <a:cs typeface="Arial" panose="020B0604020202020204" pitchFamily="34" charset="0"/>
+            </a:endParaRPr>
+          </a:p>
+          <a:p>
+            <a:endParaRPr lang="en-US" sz="1800" dirty="0">
+              <a:effectLst/>
+              <a:latin typeface="Calibri" panose="020F0502020204030204" pitchFamily="34" charset="0"/>
+              <a:ea typeface="Calibri" panose="020F0502020204030204" pitchFamily="34" charset="0"/>
+              <a:cs typeface="Arial" panose="020B0604020202020204" pitchFamily="34" charset="0"/>
+            </a:endParaRPr>
+          </a:p>
+          <a:p>
+            <a:endParaRPr lang="en-US" dirty="0"/>
+          </a:p>
+          <a:p>
+            <a:endParaRPr lang="en-US" dirty="0"/>
           </a:p>
         </p:txBody>
       </p:sp>
     </p:spTree>
     <p:extLst>
       <p:ext uri="{BB962C8B-B14F-4D97-AF65-F5344CB8AC3E}">
-        <p14:creationId xmlns:p14="http://schemas.microsoft.com/office/powerpoint/2010/main" val="2048986311"/>
+        <p14:creationId xmlns:p14="http://schemas.microsoft.com/office/powerpoint/2010/main" val="3217722209"/>
       </p:ext>
     </p:extLst>
   </p:cSld>
@@ -13205,7 +14889,7 @@
           <p:cNvPr id="2" name="Date Placeholder 1">
             <a:extLst>
               <a:ext uri="{FF2B5EF4-FFF2-40B4-BE49-F238E27FC236}">
-                <a16:creationId xmlns:a16="http://schemas.microsoft.com/office/drawing/2014/main" id="{E653CDC2-E009-3556-5871-43AEB18817C7}"/>
+                <a16:creationId xmlns:a16="http://schemas.microsoft.com/office/drawing/2014/main" id="{2B8CAAFC-F0E6-F31E-198A-AA24CC49C316}"/>
               </a:ext>
             </a:extLst>
           </p:cNvPr>
@@ -13223,7 +14907,7 @@
           <a:p>
             <a:fld id="{A2E8877F-2015-4290-957C-06EF82A52242}" type="datetime8">
               <a:rPr lang="en-DE" smtClean="0"/>
-              <a:t>11/01/2022 18:50</a:t>
+              <a:t>11/12/2022 17:18</a:t>
             </a:fld>
             <a:endParaRPr lang="de-DE" dirty="0"/>
           </a:p>
@@ -13234,7 +14918,7 @@
           <p:cNvPr id="3" name="Footer Placeholder 2">
             <a:extLst>
               <a:ext uri="{FF2B5EF4-FFF2-40B4-BE49-F238E27FC236}">
-                <a16:creationId xmlns:a16="http://schemas.microsoft.com/office/drawing/2014/main" id="{31D70611-B689-F2D3-EC7A-E9C09F116747}"/>
+                <a16:creationId xmlns:a16="http://schemas.microsoft.com/office/drawing/2014/main" id="{C49146C1-0EFA-7410-35A6-1C2B33E3E160}"/>
               </a:ext>
             </a:extLst>
           </p:cNvPr>
@@ -13263,7 +14947,7 @@
           <p:cNvPr id="4" name="Slide Number Placeholder 3">
             <a:extLst>
               <a:ext uri="{FF2B5EF4-FFF2-40B4-BE49-F238E27FC236}">
-                <a16:creationId xmlns:a16="http://schemas.microsoft.com/office/drawing/2014/main" id="{72EF048D-E487-0918-E3D6-70DD63871490}"/>
+                <a16:creationId xmlns:a16="http://schemas.microsoft.com/office/drawing/2014/main" id="{83EEE9A2-09B3-BA3D-B64B-856A8F226637}"/>
               </a:ext>
             </a:extLst>
           </p:cNvPr>
@@ -13293,7 +14977,7 @@
           <p:cNvPr id="5" name="Title 4">
             <a:extLst>
               <a:ext uri="{FF2B5EF4-FFF2-40B4-BE49-F238E27FC236}">
-                <a16:creationId xmlns:a16="http://schemas.microsoft.com/office/drawing/2014/main" id="{45EE9607-A6C6-D200-B84D-465F5AABC4F5}"/>
+                <a16:creationId xmlns:a16="http://schemas.microsoft.com/office/drawing/2014/main" id="{BBB354EA-F495-6050-38E7-B27B0D727096}"/>
               </a:ext>
             </a:extLst>
           </p:cNvPr>
@@ -13310,10 +14994,9 @@
           <a:lstStyle/>
           <a:p>
             <a:r>
-              <a:rPr lang="en-US" dirty="0" err="1"/>
-              <a:t>ToDo</a:t>
+              <a:rPr lang="en-US" dirty="0"/>
+              <a:t>Future work</a:t>
             </a:r>
-            <a:endParaRPr lang="en-US" dirty="0"/>
           </a:p>
         </p:txBody>
       </p:sp>
@@ -13322,7 +15005,7 @@
           <p:cNvPr id="6" name="Text Placeholder 5">
             <a:extLst>
               <a:ext uri="{FF2B5EF4-FFF2-40B4-BE49-F238E27FC236}">
-                <a16:creationId xmlns:a16="http://schemas.microsoft.com/office/drawing/2014/main" id="{680BC9F9-2757-24C5-308C-2149987995FC}"/>
+                <a16:creationId xmlns:a16="http://schemas.microsoft.com/office/drawing/2014/main" id="{4761E152-B7EF-00B5-47FF-110705BBE7D4}"/>
               </a:ext>
             </a:extLst>
           </p:cNvPr>
@@ -13339,79 +15022,63 @@
           <a:lstStyle/>
           <a:p>
             <a:r>
-              <a:rPr lang="en-US" dirty="0" err="1"/>
-              <a:t>ToDo</a:t>
+              <a:rPr lang="en-US" dirty="0"/>
+              <a:t>Create better dataset to test specific situations</a:t>
             </a:r>
-            <a:endParaRPr lang="en-US" dirty="0"/>
-          </a:p>
-          <a:p>
-            <a:pPr lvl="1"/>
+          </a:p>
+          <a:p>
             <a:r>
               <a:rPr lang="en-US" dirty="0"/>
-              <a:t>Finalize plot labels</a:t>
+              <a:t>Analysis on what and how much training data is necessary to achieve good results</a:t>
             </a:r>
           </a:p>
           <a:p>
-            <a:pPr lvl="1"/>
             <a:r>
               <a:rPr lang="en-US" dirty="0"/>
-              <a:t>Unnormalize normalized results, calculate loss on sets then, compare to unnormalized training</a:t>
+              <a:t>Testing for more complex ODEs</a:t>
             </a:r>
           </a:p>
           <a:p>
-            <a:pPr lvl="1"/>
             <a:r>
               <a:rPr lang="en-US" dirty="0"/>
-              <a:t>Test model sizes (more/less layers, more/less LSTM cells in each layer) and make table comparison</a:t>
+              <a:t>Deeper look into training instabilities necessary for larger models</a:t>
             </a:r>
           </a:p>
           <a:p>
-            <a:r>
-              <a:rPr lang="en-US" dirty="0"/>
-              <a:t>Issues</a:t>
-            </a:r>
-          </a:p>
-          <a:p>
             <a:pPr lvl="1"/>
-            <a:r>
-              <a:rPr lang="en-US" dirty="0"/>
-              <a:t>Need to decide what I want to test</a:t>
-            </a:r>
-          </a:p>
-          <a:p>
-            <a:pPr lvl="2"/>
-            <a:r>
-              <a:rPr lang="en-US" dirty="0"/>
-              <a:t>Many Hyperparameters, can’t test everything</a:t>
-            </a:r>
-          </a:p>
-          <a:p>
-            <a:pPr lvl="2"/>
-            <a:r>
-              <a:rPr lang="en-US" dirty="0"/>
-              <a:t>Define few configurations</a:t>
-            </a:r>
-          </a:p>
-          <a:p>
-            <a:pPr lvl="2"/>
-            <a:r>
-              <a:rPr lang="en-US" dirty="0"/>
-              <a:t>Make hypotheses how they will perform</a:t>
-            </a:r>
-          </a:p>
-          <a:p>
-            <a:pPr lvl="2"/>
-            <a:r>
-              <a:rPr lang="en-US" dirty="0"/>
-              <a:t>Compare them in table</a:t>
-            </a:r>
+            <a:endParaRPr lang="en-US" dirty="0"/>
+          </a:p>
+          <a:p>
+            <a:endParaRPr lang="en-US" dirty="0"/>
+          </a:p>
+          <a:p>
+            <a:endParaRPr lang="en-US" sz="1800" dirty="0">
+              <a:effectLst/>
+              <a:latin typeface="Calibri" panose="020F0502020204030204" pitchFamily="34" charset="0"/>
+              <a:ea typeface="Calibri" panose="020F0502020204030204" pitchFamily="34" charset="0"/>
+              <a:cs typeface="Arial" panose="020B0604020202020204" pitchFamily="34" charset="0"/>
+            </a:endParaRPr>
+          </a:p>
+          <a:p>
+            <a:endParaRPr lang="en-US" sz="1800" dirty="0">
+              <a:effectLst/>
+              <a:latin typeface="Calibri" panose="020F0502020204030204" pitchFamily="34" charset="0"/>
+              <a:ea typeface="Calibri" panose="020F0502020204030204" pitchFamily="34" charset="0"/>
+              <a:cs typeface="Arial" panose="020B0604020202020204" pitchFamily="34" charset="0"/>
+            </a:endParaRPr>
+          </a:p>
+          <a:p>
+            <a:endParaRPr lang="en-US" dirty="0"/>
+          </a:p>
+          <a:p>
+            <a:endParaRPr lang="en-US" dirty="0"/>
           </a:p>
         </p:txBody>
       </p:sp>
     </p:spTree>
     <p:extLst>
       <p:ext uri="{BB962C8B-B14F-4D97-AF65-F5344CB8AC3E}">
-        <p14:creationId xmlns:p14="http://schemas.microsoft.com/office/powerpoint/2010/main" val="1139780746"/>
+        <p14:creationId xmlns:p14="http://schemas.microsoft.com/office/powerpoint/2010/main" val="3493796150"/>
       </p:ext>
     </p:extLst>
   </p:cSld>
@@ -13461,7 +15128,7 @@
           <a:p>
             <a:fld id="{A2E8877F-2015-4290-957C-06EF82A52242}" type="datetime8">
               <a:rPr lang="en-DE" smtClean="0"/>
-              <a:t>11/01/2022 18:33</a:t>
+              <a:t>11/12/2022 13:29</a:t>
             </a:fld>
             <a:endParaRPr lang="de-DE" dirty="0"/>
           </a:p>
@@ -13549,13 +15216,290 @@
           <a:p>
             <a:r>
               <a:rPr lang="en-US" dirty="0"/>
+              <a:t>Introduction</a:t>
+            </a:r>
+          </a:p>
+        </p:txBody>
+      </p:sp>
+      <p:sp>
+        <p:nvSpPr>
+          <p:cNvPr id="6" name="Text Placeholder 5">
+            <a:extLst>
+              <a:ext uri="{FF2B5EF4-FFF2-40B4-BE49-F238E27FC236}">
+                <a16:creationId xmlns:a16="http://schemas.microsoft.com/office/drawing/2014/main" id="{4761E152-B7EF-00B5-47FF-110705BBE7D4}"/>
+              </a:ext>
+            </a:extLst>
+          </p:cNvPr>
+          <p:cNvSpPr>
+            <a:spLocks noGrp="1"/>
+          </p:cNvSpPr>
+          <p:nvPr>
+            <p:ph type="body" sz="quarter" idx="17"/>
+          </p:nvPr>
+        </p:nvSpPr>
+        <p:spPr/>
+        <p:txBody>
+          <a:bodyPr/>
+          <a:lstStyle/>
+          <a:p>
+            <a:r>
+              <a:rPr lang="en-US" dirty="0"/>
+              <a:t>ODEs describe nonlinear systems over time</a:t>
+            </a:r>
+          </a:p>
+          <a:p>
+            <a:r>
+              <a:rPr lang="en-US" dirty="0"/>
+              <a:t>Recurrent neural networks capable of nonlinearities and time series</a:t>
+            </a:r>
+          </a:p>
+          <a:p>
+            <a:r>
+              <a:rPr lang="en-US" dirty="0"/>
+              <a:t>Generation of training data</a:t>
+            </a:r>
+          </a:p>
+          <a:p>
+            <a:r>
+              <a:rPr lang="en-US" dirty="0"/>
+              <a:t>Hyperparameter search</a:t>
+            </a:r>
+          </a:p>
+          <a:p>
+            <a:endParaRPr lang="en-US" sz="1800" dirty="0">
+              <a:effectLst/>
+              <a:latin typeface="Calibri" panose="020F0502020204030204" pitchFamily="34" charset="0"/>
+              <a:ea typeface="Calibri" panose="020F0502020204030204" pitchFamily="34" charset="0"/>
+              <a:cs typeface="Arial" panose="020B0604020202020204" pitchFamily="34" charset="0"/>
+            </a:endParaRPr>
+          </a:p>
+          <a:p>
+            <a:endParaRPr lang="en-US" sz="1800" dirty="0">
+              <a:effectLst/>
+              <a:latin typeface="Calibri" panose="020F0502020204030204" pitchFamily="34" charset="0"/>
+              <a:ea typeface="Calibri" panose="020F0502020204030204" pitchFamily="34" charset="0"/>
+              <a:cs typeface="Arial" panose="020B0604020202020204" pitchFamily="34" charset="0"/>
+            </a:endParaRPr>
+          </a:p>
+          <a:p>
+            <a:endParaRPr lang="en-US" dirty="0"/>
+          </a:p>
+          <a:p>
+            <a:endParaRPr lang="en-US" dirty="0"/>
+          </a:p>
+        </p:txBody>
+      </p:sp>
+    </p:spTree>
+    <p:extLst>
+      <p:ext uri="{BB962C8B-B14F-4D97-AF65-F5344CB8AC3E}">
+        <p14:creationId xmlns:p14="http://schemas.microsoft.com/office/powerpoint/2010/main" val="1027271806"/>
+      </p:ext>
+    </p:extLst>
+  </p:cSld>
+  <p:clrMapOvr>
+    <a:masterClrMapping/>
+  </p:clrMapOvr>
+</p:sld>
+</file>
+
+<file path=ppt/slides/slide30.xml><?xml version="1.0" encoding="utf-8"?>
+<p:sld xmlns:a="http://schemas.openxmlformats.org/drawingml/2006/main" xmlns:r="http://schemas.openxmlformats.org/officeDocument/2006/relationships" xmlns:p="http://schemas.openxmlformats.org/presentationml/2006/main">
+  <p:cSld>
+    <p:spTree>
+      <p:nvGrpSpPr>
+        <p:cNvPr id="1" name=""/>
+        <p:cNvGrpSpPr/>
+        <p:nvPr/>
+      </p:nvGrpSpPr>
+      <p:grpSpPr>
+        <a:xfrm>
+          <a:off x="0" y="0"/>
+          <a:ext cx="0" cy="0"/>
+          <a:chOff x="0" y="0"/>
+          <a:chExt cx="0" cy="0"/>
+        </a:xfrm>
+      </p:grpSpPr>
+      <p:sp>
+        <p:nvSpPr>
+          <p:cNvPr id="2" name="Textplatzhalter 1">
+            <a:extLst>
+              <a:ext uri="{FF2B5EF4-FFF2-40B4-BE49-F238E27FC236}">
+                <a16:creationId xmlns:a16="http://schemas.microsoft.com/office/drawing/2014/main" id="{D671D917-0E7D-044A-A553-3607B76DD26D}"/>
+              </a:ext>
+            </a:extLst>
+          </p:cNvPr>
+          <p:cNvSpPr>
+            <a:spLocks noGrp="1"/>
+          </p:cNvSpPr>
+          <p:nvPr>
+            <p:ph type="body" sz="quarter" idx="13"/>
+          </p:nvPr>
+        </p:nvSpPr>
+        <p:spPr>
+          <a:xfrm>
+            <a:off x="518317" y="3054250"/>
+            <a:ext cx="11157745" cy="749501"/>
+          </a:xfrm>
+        </p:spPr>
+        <p:txBody>
+          <a:bodyPr/>
+          <a:lstStyle/>
+          <a:p>
+            <a:r>
+              <a:rPr lang="de-DE" dirty="0"/>
+              <a:t>Vielen Dank!</a:t>
+            </a:r>
+          </a:p>
+        </p:txBody>
+      </p:sp>
+    </p:spTree>
+    <p:extLst>
+      <p:ext uri="{BB962C8B-B14F-4D97-AF65-F5344CB8AC3E}">
+        <p14:creationId xmlns:p14="http://schemas.microsoft.com/office/powerpoint/2010/main" val="1185948968"/>
+      </p:ext>
+    </p:extLst>
+  </p:cSld>
+  <p:clrMapOvr>
+    <a:masterClrMapping/>
+  </p:clrMapOvr>
+</p:sld>
+</file>
+
+<file path=ppt/slides/slide31.xml><?xml version="1.0" encoding="utf-8"?>
+<p:sld xmlns:a="http://schemas.openxmlformats.org/drawingml/2006/main" xmlns:r="http://schemas.openxmlformats.org/officeDocument/2006/relationships" xmlns:p="http://schemas.openxmlformats.org/presentationml/2006/main">
+  <p:cSld>
+    <p:spTree>
+      <p:nvGrpSpPr>
+        <p:cNvPr id="1" name=""/>
+        <p:cNvGrpSpPr/>
+        <p:nvPr/>
+      </p:nvGrpSpPr>
+      <p:grpSpPr>
+        <a:xfrm>
+          <a:off x="0" y="0"/>
+          <a:ext cx="0" cy="0"/>
+          <a:chOff x="0" y="0"/>
+          <a:chExt cx="0" cy="0"/>
+        </a:xfrm>
+      </p:grpSpPr>
+      <p:sp>
+        <p:nvSpPr>
+          <p:cNvPr id="2" name="Date Placeholder 1">
+            <a:extLst>
+              <a:ext uri="{FF2B5EF4-FFF2-40B4-BE49-F238E27FC236}">
+                <a16:creationId xmlns:a16="http://schemas.microsoft.com/office/drawing/2014/main" id="{2B8CAAFC-F0E6-F31E-198A-AA24CC49C316}"/>
+              </a:ext>
+            </a:extLst>
+          </p:cNvPr>
+          <p:cNvSpPr>
+            <a:spLocks noGrp="1"/>
+          </p:cNvSpPr>
+          <p:nvPr>
+            <p:ph type="dt" sz="half" idx="10"/>
+          </p:nvPr>
+        </p:nvSpPr>
+        <p:spPr/>
+        <p:txBody>
+          <a:bodyPr/>
+          <a:lstStyle/>
+          <a:p>
+            <a:fld id="{A2E8877F-2015-4290-957C-06EF82A52242}" type="datetime8">
+              <a:rPr lang="en-DE" smtClean="0"/>
+              <a:t>11/12/2022 17:12</a:t>
+            </a:fld>
+            <a:endParaRPr lang="de-DE" dirty="0"/>
+          </a:p>
+        </p:txBody>
+      </p:sp>
+      <p:sp>
+        <p:nvSpPr>
+          <p:cNvPr id="3" name="Footer Placeholder 2">
+            <a:extLst>
+              <a:ext uri="{FF2B5EF4-FFF2-40B4-BE49-F238E27FC236}">
+                <a16:creationId xmlns:a16="http://schemas.microsoft.com/office/drawing/2014/main" id="{C49146C1-0EFA-7410-35A6-1C2B33E3E160}"/>
+              </a:ext>
+            </a:extLst>
+          </p:cNvPr>
+          <p:cNvSpPr>
+            <a:spLocks noGrp="1"/>
+          </p:cNvSpPr>
+          <p:nvPr>
+            <p:ph type="ftr" sz="quarter" idx="11"/>
+          </p:nvPr>
+        </p:nvSpPr>
+        <p:spPr/>
+        <p:txBody>
+          <a:bodyPr/>
+          <a:lstStyle/>
+          <a:p>
+            <a:r>
+              <a:rPr lang="en-US"/>
+              <a:t>Modeling of nonlinear Systems with LSTMs | Sebastian Hirt</a:t>
+            </a:r>
+            <a:endParaRPr lang="de-DE" dirty="0"/>
+          </a:p>
+        </p:txBody>
+      </p:sp>
+      <p:sp>
+        <p:nvSpPr>
+          <p:cNvPr id="4" name="Slide Number Placeholder 3">
+            <a:extLst>
+              <a:ext uri="{FF2B5EF4-FFF2-40B4-BE49-F238E27FC236}">
+                <a16:creationId xmlns:a16="http://schemas.microsoft.com/office/drawing/2014/main" id="{83EEE9A2-09B3-BA3D-B64B-856A8F226637}"/>
+              </a:ext>
+            </a:extLst>
+          </p:cNvPr>
+          <p:cNvSpPr>
+            <a:spLocks noGrp="1"/>
+          </p:cNvSpPr>
+          <p:nvPr>
+            <p:ph type="sldNum" sz="quarter" idx="12"/>
+          </p:nvPr>
+        </p:nvSpPr>
+        <p:spPr/>
+        <p:txBody>
+          <a:bodyPr/>
+          <a:lstStyle/>
+          <a:p>
+            <a:fld id="{D949F9DF-37BD-4CD6-BF49-65BA579E1D7A}" type="slidenum">
+              <a:rPr lang="de-DE" smtClean="0"/>
+              <a:pPr/>
+              <a:t>31</a:t>
+            </a:fld>
+            <a:endParaRPr lang="de-DE"/>
+          </a:p>
+        </p:txBody>
+      </p:sp>
+      <p:sp>
+        <p:nvSpPr>
+          <p:cNvPr id="5" name="Title 4">
+            <a:extLst>
+              <a:ext uri="{FF2B5EF4-FFF2-40B4-BE49-F238E27FC236}">
+                <a16:creationId xmlns:a16="http://schemas.microsoft.com/office/drawing/2014/main" id="{BBB354EA-F495-6050-38E7-B27B0D727096}"/>
+              </a:ext>
+            </a:extLst>
+          </p:cNvPr>
+          <p:cNvSpPr>
+            <a:spLocks noGrp="1"/>
+          </p:cNvSpPr>
+          <p:nvPr>
+            <p:ph type="title"/>
+          </p:nvPr>
+        </p:nvSpPr>
+        <p:spPr/>
+        <p:txBody>
+          <a:bodyPr/>
+          <a:lstStyle/>
+          <a:p>
+            <a:r>
+              <a:rPr lang="en-US" dirty="0"/>
               <a:t>Problem description</a:t>
             </a:r>
           </a:p>
         </p:txBody>
       </p:sp>
-      <mc:AlternateContent xmlns:mc="http://schemas.openxmlformats.org/markup-compatibility/2006" xmlns:a14="http://schemas.microsoft.com/office/drawing/2010/main">
-        <mc:Choice Requires="a14">
+      <mc:AlternateContent xmlns:mc="http://schemas.openxmlformats.org/markup-compatibility/2006">
+        <mc:Choice xmlns:a14="http://schemas.microsoft.com/office/drawing/2010/main" Requires="a14">
           <p:sp>
             <p:nvSpPr>
               <p:cNvPr id="6" name="Text Placeholder 5">
@@ -13962,7 +15906,7 @@
             </p:txBody>
           </p:sp>
         </mc:Choice>
-        <mc:Fallback xmlns="">
+        <mc:Fallback>
           <p:sp>
             <p:nvSpPr>
               <p:cNvPr id="6" name="Text Placeholder 5">
@@ -14005,7 +15949,7 @@
     </p:spTree>
     <p:extLst>
       <p:ext uri="{BB962C8B-B14F-4D97-AF65-F5344CB8AC3E}">
-        <p14:creationId xmlns:p14="http://schemas.microsoft.com/office/powerpoint/2010/main" val="1027271806"/>
+        <p14:creationId xmlns:p14="http://schemas.microsoft.com/office/powerpoint/2010/main" val="4135552681"/>
       </p:ext>
     </p:extLst>
   </p:cSld>
@@ -14015,76 +15959,7 @@
 </p:sld>
 </file>
 
-<file path=ppt/slides/slide30.xml><?xml version="1.0" encoding="utf-8"?>
-<p:sld xmlns:a="http://schemas.openxmlformats.org/drawingml/2006/main" xmlns:r="http://schemas.openxmlformats.org/officeDocument/2006/relationships" xmlns:p="http://schemas.openxmlformats.org/presentationml/2006/main">
-  <p:cSld>
-    <p:spTree>
-      <p:nvGrpSpPr>
-        <p:cNvPr id="1" name=""/>
-        <p:cNvGrpSpPr/>
-        <p:nvPr/>
-      </p:nvGrpSpPr>
-      <p:grpSpPr>
-        <a:xfrm>
-          <a:off x="0" y="0"/>
-          <a:ext cx="0" cy="0"/>
-          <a:chOff x="0" y="0"/>
-          <a:chExt cx="0" cy="0"/>
-        </a:xfrm>
-      </p:grpSpPr>
-      <p:sp>
-        <p:nvSpPr>
-          <p:cNvPr id="2" name="Textplatzhalter 1">
-            <a:extLst>
-              <a:ext uri="{FF2B5EF4-FFF2-40B4-BE49-F238E27FC236}">
-                <a16:creationId xmlns:a16="http://schemas.microsoft.com/office/drawing/2014/main" id="{D671D917-0E7D-044A-A553-3607B76DD26D}"/>
-              </a:ext>
-            </a:extLst>
-          </p:cNvPr>
-          <p:cNvSpPr>
-            <a:spLocks noGrp="1"/>
-          </p:cNvSpPr>
-          <p:nvPr>
-            <p:ph type="body" sz="quarter" idx="13"/>
-          </p:nvPr>
-        </p:nvSpPr>
-        <p:spPr>
-          <a:xfrm>
-            <a:off x="518317" y="2647985"/>
-            <a:ext cx="11157745" cy="1562031"/>
-          </a:xfrm>
-        </p:spPr>
-        <p:txBody>
-          <a:bodyPr/>
-          <a:lstStyle/>
-          <a:p>
-            <a:r>
-              <a:rPr lang="de-DE" dirty="0"/>
-              <a:t>Vielen Dank</a:t>
-            </a:r>
-          </a:p>
-          <a:p>
-            <a:r>
-              <a:rPr lang="de-DE" dirty="0"/>
-              <a:t>für Ihre Aufmerksamkeit!</a:t>
-            </a:r>
-          </a:p>
-        </p:txBody>
-      </p:sp>
-    </p:spTree>
-    <p:extLst>
-      <p:ext uri="{BB962C8B-B14F-4D97-AF65-F5344CB8AC3E}">
-        <p14:creationId xmlns:p14="http://schemas.microsoft.com/office/powerpoint/2010/main" val="1185948968"/>
-      </p:ext>
-    </p:extLst>
-  </p:cSld>
-  <p:clrMapOvr>
-    <a:masterClrMapping/>
-  </p:clrMapOvr>
-</p:sld>
-</file>
-
-<file path=ppt/slides/slide4.xml><?xml version="1.0" encoding="utf-8"?>
+<file path=ppt/slides/slide32.xml><?xml version="1.0" encoding="utf-8"?>
 <p:sld xmlns:a="http://schemas.openxmlformats.org/drawingml/2006/main" xmlns:r="http://schemas.openxmlformats.org/officeDocument/2006/relationships" xmlns:p="http://schemas.openxmlformats.org/presentationml/2006/main">
   <p:cSld>
     <p:spTree>
@@ -14124,7 +15999,7 @@
           <a:p>
             <a:fld id="{A2E8877F-2015-4290-957C-06EF82A52242}" type="datetime8">
               <a:rPr lang="en-DE" smtClean="0"/>
-              <a:t>11/01/2022 18:33</a:t>
+              <a:t>11/12/2022 13:29</a:t>
             </a:fld>
             <a:endParaRPr lang="de-DE" dirty="0"/>
           </a:p>
@@ -14183,7 +16058,7 @@
             <a:fld id="{D949F9DF-37BD-4CD6-BF49-65BA579E1D7A}" type="slidenum">
               <a:rPr lang="de-DE" smtClean="0"/>
               <a:pPr/>
-              <a:t>4</a:t>
+              <a:t>32</a:t>
             </a:fld>
             <a:endParaRPr lang="de-DE"/>
           </a:p>
@@ -14854,6 +16729,157 @@
 </p:sld>
 </file>
 
+<file path=ppt/slides/slide4.xml><?xml version="1.0" encoding="utf-8"?>
+<p:sld xmlns:a="http://schemas.openxmlformats.org/drawingml/2006/main" xmlns:r="http://schemas.openxmlformats.org/officeDocument/2006/relationships" xmlns:p="http://schemas.openxmlformats.org/presentationml/2006/main">
+  <p:cSld>
+    <p:spTree>
+      <p:nvGrpSpPr>
+        <p:cNvPr id="1" name=""/>
+        <p:cNvGrpSpPr/>
+        <p:nvPr/>
+      </p:nvGrpSpPr>
+      <p:grpSpPr>
+        <a:xfrm>
+          <a:off x="0" y="0"/>
+          <a:ext cx="0" cy="0"/>
+          <a:chOff x="0" y="0"/>
+          <a:chExt cx="0" cy="0"/>
+        </a:xfrm>
+      </p:grpSpPr>
+      <p:sp>
+        <p:nvSpPr>
+          <p:cNvPr id="21" name="Titel 20">
+            <a:extLst>
+              <a:ext uri="{FF2B5EF4-FFF2-40B4-BE49-F238E27FC236}">
+                <a16:creationId xmlns:a16="http://schemas.microsoft.com/office/drawing/2014/main" id="{3018BD05-96D8-43F2-A6AA-CC40E7C32CCE}"/>
+              </a:ext>
+            </a:extLst>
+          </p:cNvPr>
+          <p:cNvSpPr>
+            <a:spLocks noGrp="1"/>
+          </p:cNvSpPr>
+          <p:nvPr>
+            <p:ph type="title"/>
+          </p:nvPr>
+        </p:nvSpPr>
+        <p:spPr>
+          <a:xfrm>
+            <a:off x="518318" y="3152001"/>
+            <a:ext cx="11157743" cy="553998"/>
+          </a:xfrm>
+        </p:spPr>
+        <p:txBody>
+          <a:bodyPr/>
+          <a:lstStyle/>
+          <a:p>
+            <a:r>
+              <a:rPr lang="de-DE" dirty="0"/>
+              <a:t>Methods</a:t>
+            </a:r>
+          </a:p>
+        </p:txBody>
+      </p:sp>
+      <p:sp>
+        <p:nvSpPr>
+          <p:cNvPr id="2" name="Datumsplatzhalter 1">
+            <a:extLst>
+              <a:ext uri="{FF2B5EF4-FFF2-40B4-BE49-F238E27FC236}">
+                <a16:creationId xmlns:a16="http://schemas.microsoft.com/office/drawing/2014/main" id="{FE7214E1-5D14-4D0B-BADD-2E239FECEC10}"/>
+              </a:ext>
+            </a:extLst>
+          </p:cNvPr>
+          <p:cNvSpPr>
+            <a:spLocks noGrp="1"/>
+          </p:cNvSpPr>
+          <p:nvPr>
+            <p:ph type="dt" sz="half" idx="10"/>
+          </p:nvPr>
+        </p:nvSpPr>
+        <p:spPr/>
+        <p:txBody>
+          <a:bodyPr/>
+          <a:lstStyle/>
+          <a:p>
+            <a:fld id="{C683496F-A479-4189-AF7A-49EC797A60BB}" type="datetime8">
+              <a:rPr lang="en-DE" smtClean="0"/>
+              <a:t>11/12/2022 16:20</a:t>
+            </a:fld>
+            <a:endParaRPr lang="de-DE" dirty="0"/>
+          </a:p>
+        </p:txBody>
+      </p:sp>
+      <p:sp>
+        <p:nvSpPr>
+          <p:cNvPr id="3" name="Fußzeilenplatzhalter 2">
+            <a:extLst>
+              <a:ext uri="{FF2B5EF4-FFF2-40B4-BE49-F238E27FC236}">
+                <a16:creationId xmlns:a16="http://schemas.microsoft.com/office/drawing/2014/main" id="{6A6AD034-0F65-47AF-9CAA-C4B0CEB30D4D}"/>
+              </a:ext>
+            </a:extLst>
+          </p:cNvPr>
+          <p:cNvSpPr>
+            <a:spLocks noGrp="1"/>
+          </p:cNvSpPr>
+          <p:nvPr>
+            <p:ph type="ftr" sz="quarter" idx="11"/>
+          </p:nvPr>
+        </p:nvSpPr>
+        <p:spPr/>
+        <p:txBody>
+          <a:bodyPr/>
+          <a:lstStyle/>
+          <a:p>
+            <a:r>
+              <a:rPr lang="en-US"/>
+              <a:t>Modeling of nonlinear Systems with LSTMs | Sebastian Hirt</a:t>
+            </a:r>
+            <a:endParaRPr lang="de-DE" dirty="0"/>
+          </a:p>
+        </p:txBody>
+      </p:sp>
+      <p:sp>
+        <p:nvSpPr>
+          <p:cNvPr id="4" name="Foliennummernplatzhalter 3">
+            <a:extLst>
+              <a:ext uri="{FF2B5EF4-FFF2-40B4-BE49-F238E27FC236}">
+                <a16:creationId xmlns:a16="http://schemas.microsoft.com/office/drawing/2014/main" id="{00F7E098-F740-40F7-A085-7034627D9148}"/>
+              </a:ext>
+            </a:extLst>
+          </p:cNvPr>
+          <p:cNvSpPr>
+            <a:spLocks noGrp="1"/>
+          </p:cNvSpPr>
+          <p:nvPr>
+            <p:ph type="sldNum" sz="quarter" idx="12"/>
+          </p:nvPr>
+        </p:nvSpPr>
+        <p:spPr/>
+        <p:txBody>
+          <a:bodyPr/>
+          <a:lstStyle/>
+          <a:p>
+            <a:fld id="{D949F9DF-37BD-4CD6-BF49-65BA579E1D7A}" type="slidenum">
+              <a:rPr lang="de-DE" smtClean="0"/>
+              <a:pPr/>
+              <a:t>4</a:t>
+            </a:fld>
+            <a:endParaRPr lang="de-DE"/>
+          </a:p>
+        </p:txBody>
+      </p:sp>
+    </p:spTree>
+    <p:extLst>
+      <p:ext uri="{BB962C8B-B14F-4D97-AF65-F5344CB8AC3E}">
+        <p14:creationId xmlns:p14="http://schemas.microsoft.com/office/powerpoint/2010/main" val="3328393046"/>
+      </p:ext>
+    </p:extLst>
+  </p:cSld>
+  <p:clrMapOvr>
+    <a:masterClrMapping/>
+  </p:clrMapOvr>
+</p:sld>
+</file>
+
 <file path=ppt/slides/slide5.xml><?xml version="1.0" encoding="utf-8"?>
 <p:sld xmlns:a="http://schemas.openxmlformats.org/drawingml/2006/main" xmlns:r="http://schemas.openxmlformats.org/officeDocument/2006/relationships" xmlns:p="http://schemas.openxmlformats.org/presentationml/2006/main">
   <p:cSld>
@@ -14873,44 +16899,10 @@
       </p:grpSpPr>
       <p:sp>
         <p:nvSpPr>
-          <p:cNvPr id="21" name="Titel 20">
-            <a:extLst>
-              <a:ext uri="{FF2B5EF4-FFF2-40B4-BE49-F238E27FC236}">
-                <a16:creationId xmlns:a16="http://schemas.microsoft.com/office/drawing/2014/main" id="{3018BD05-96D8-43F2-A6AA-CC40E7C32CCE}"/>
-              </a:ext>
-            </a:extLst>
-          </p:cNvPr>
-          <p:cNvSpPr>
-            <a:spLocks noGrp="1"/>
-          </p:cNvSpPr>
-          <p:nvPr>
-            <p:ph type="title"/>
-          </p:nvPr>
-        </p:nvSpPr>
-        <p:spPr>
-          <a:xfrm>
-            <a:off x="518318" y="3152001"/>
-            <a:ext cx="11157743" cy="553998"/>
-          </a:xfrm>
-        </p:spPr>
-        <p:txBody>
-          <a:bodyPr/>
-          <a:lstStyle/>
-          <a:p>
-            <a:r>
-              <a:rPr lang="en-US" dirty="0"/>
-              <a:t>Visualization</a:t>
-            </a:r>
-            <a:endParaRPr lang="de-DE" dirty="0"/>
-          </a:p>
-        </p:txBody>
-      </p:sp>
-      <p:sp>
-        <p:nvSpPr>
-          <p:cNvPr id="2" name="Datumsplatzhalter 1">
-            <a:extLst>
-              <a:ext uri="{FF2B5EF4-FFF2-40B4-BE49-F238E27FC236}">
-                <a16:creationId xmlns:a16="http://schemas.microsoft.com/office/drawing/2014/main" id="{FE7214E1-5D14-4D0B-BADD-2E239FECEC10}"/>
+          <p:cNvPr id="2" name="Date Placeholder 1">
+            <a:extLst>
+              <a:ext uri="{FF2B5EF4-FFF2-40B4-BE49-F238E27FC236}">
+                <a16:creationId xmlns:a16="http://schemas.microsoft.com/office/drawing/2014/main" id="{2B8CAAFC-F0E6-F31E-198A-AA24CC49C316}"/>
               </a:ext>
             </a:extLst>
           </p:cNvPr>
@@ -14926,9 +16918,9 @@
           <a:bodyPr/>
           <a:lstStyle/>
           <a:p>
-            <a:fld id="{C683496F-A479-4189-AF7A-49EC797A60BB}" type="datetime8">
+            <a:fld id="{A2E8877F-2015-4290-957C-06EF82A52242}" type="datetime8">
               <a:rPr lang="en-DE" smtClean="0"/>
-              <a:t>11/01/2022 18:33</a:t>
+              <a:t>11/12/2022 16:21</a:t>
             </a:fld>
             <a:endParaRPr lang="de-DE" dirty="0"/>
           </a:p>
@@ -14936,10 +16928,10 @@
       </p:sp>
       <p:sp>
         <p:nvSpPr>
-          <p:cNvPr id="3" name="Fußzeilenplatzhalter 2">
-            <a:extLst>
-              <a:ext uri="{FF2B5EF4-FFF2-40B4-BE49-F238E27FC236}">
-                <a16:creationId xmlns:a16="http://schemas.microsoft.com/office/drawing/2014/main" id="{6A6AD034-0F65-47AF-9CAA-C4B0CEB30D4D}"/>
+          <p:cNvPr id="3" name="Footer Placeholder 2">
+            <a:extLst>
+              <a:ext uri="{FF2B5EF4-FFF2-40B4-BE49-F238E27FC236}">
+                <a16:creationId xmlns:a16="http://schemas.microsoft.com/office/drawing/2014/main" id="{C49146C1-0EFA-7410-35A6-1C2B33E3E160}"/>
               </a:ext>
             </a:extLst>
           </p:cNvPr>
@@ -14965,10 +16957,10 @@
       </p:sp>
       <p:sp>
         <p:nvSpPr>
-          <p:cNvPr id="4" name="Foliennummernplatzhalter 3">
-            <a:extLst>
-              <a:ext uri="{FF2B5EF4-FFF2-40B4-BE49-F238E27FC236}">
-                <a16:creationId xmlns:a16="http://schemas.microsoft.com/office/drawing/2014/main" id="{00F7E098-F740-40F7-A085-7034627D9148}"/>
+          <p:cNvPr id="4" name="Slide Number Placeholder 3">
+            <a:extLst>
+              <a:ext uri="{FF2B5EF4-FFF2-40B4-BE49-F238E27FC236}">
+                <a16:creationId xmlns:a16="http://schemas.microsoft.com/office/drawing/2014/main" id="{83EEE9A2-09B3-BA3D-B64B-856A8F226637}"/>
               </a:ext>
             </a:extLst>
           </p:cNvPr>
@@ -14993,10 +16985,152 @@
           </a:p>
         </p:txBody>
       </p:sp>
+      <p:sp>
+        <p:nvSpPr>
+          <p:cNvPr id="5" name="Title 4">
+            <a:extLst>
+              <a:ext uri="{FF2B5EF4-FFF2-40B4-BE49-F238E27FC236}">
+                <a16:creationId xmlns:a16="http://schemas.microsoft.com/office/drawing/2014/main" id="{BBB354EA-F495-6050-38E7-B27B0D727096}"/>
+              </a:ext>
+            </a:extLst>
+          </p:cNvPr>
+          <p:cNvSpPr>
+            <a:spLocks noGrp="1"/>
+          </p:cNvSpPr>
+          <p:nvPr>
+            <p:ph type="title"/>
+          </p:nvPr>
+        </p:nvSpPr>
+        <p:spPr/>
+        <p:txBody>
+          <a:bodyPr/>
+          <a:lstStyle/>
+          <a:p>
+            <a:r>
+              <a:rPr lang="en-US" dirty="0"/>
+              <a:t>LSTM</a:t>
+            </a:r>
+          </a:p>
+        </p:txBody>
+      </p:sp>
+      <p:sp>
+        <p:nvSpPr>
+          <p:cNvPr id="6" name="Text Placeholder 5">
+            <a:extLst>
+              <a:ext uri="{FF2B5EF4-FFF2-40B4-BE49-F238E27FC236}">
+                <a16:creationId xmlns:a16="http://schemas.microsoft.com/office/drawing/2014/main" id="{4761E152-B7EF-00B5-47FF-110705BBE7D4}"/>
+              </a:ext>
+            </a:extLst>
+          </p:cNvPr>
+          <p:cNvSpPr>
+            <a:spLocks noGrp="1"/>
+          </p:cNvSpPr>
+          <p:nvPr>
+            <p:ph type="body" sz="quarter" idx="17"/>
+          </p:nvPr>
+        </p:nvSpPr>
+        <p:spPr/>
+        <p:txBody>
+          <a:bodyPr/>
+          <a:lstStyle/>
+          <a:p>
+            <a:endParaRPr lang="en-US" sz="1800" dirty="0">
+              <a:effectLst/>
+              <a:latin typeface="Calibri" panose="020F0502020204030204" pitchFamily="34" charset="0"/>
+              <a:ea typeface="Calibri" panose="020F0502020204030204" pitchFamily="34" charset="0"/>
+              <a:cs typeface="Arial" panose="020B0604020202020204" pitchFamily="34" charset="0"/>
+            </a:endParaRPr>
+          </a:p>
+          <a:p>
+            <a:endParaRPr lang="en-US" sz="1800" dirty="0">
+              <a:effectLst/>
+              <a:latin typeface="Calibri" panose="020F0502020204030204" pitchFamily="34" charset="0"/>
+              <a:ea typeface="Calibri" panose="020F0502020204030204" pitchFamily="34" charset="0"/>
+              <a:cs typeface="Arial" panose="020B0604020202020204" pitchFamily="34" charset="0"/>
+            </a:endParaRPr>
+          </a:p>
+          <a:p>
+            <a:endParaRPr lang="en-US" dirty="0"/>
+          </a:p>
+          <a:p>
+            <a:endParaRPr lang="en-US" dirty="0"/>
+          </a:p>
+        </p:txBody>
+      </p:sp>
+      <p:pic>
+        <p:nvPicPr>
+          <p:cNvPr id="8" name="Picture 7">
+            <a:extLst>
+              <a:ext uri="{FF2B5EF4-FFF2-40B4-BE49-F238E27FC236}">
+                <a16:creationId xmlns:a16="http://schemas.microsoft.com/office/drawing/2014/main" id="{B05EC28F-6B20-07D4-47D5-87F946BBE2E7}"/>
+              </a:ext>
+            </a:extLst>
+          </p:cNvPr>
+          <p:cNvPicPr>
+            <a:picLocks noChangeAspect="1"/>
+          </p:cNvPicPr>
+          <p:nvPr/>
+        </p:nvPicPr>
+        <p:blipFill>
+          <a:blip r:embed="rId3"/>
+          <a:stretch>
+            <a:fillRect/>
+          </a:stretch>
+        </p:blipFill>
+        <p:spPr>
+          <a:xfrm>
+            <a:off x="294716" y="1675071"/>
+            <a:ext cx="5796196" cy="4107464"/>
+          </a:xfrm>
+          <a:prstGeom prst="rect">
+            <a:avLst/>
+          </a:prstGeom>
+        </p:spPr>
+      </p:pic>
+      <p:pic>
+        <p:nvPicPr>
+          <p:cNvPr id="13" name="Picture 12" descr="\documentclass{article}&#10;\usepackage{amsmath}&#10;\pagestyle{empty}&#10;\begin{document}&#10;\begin{align}&#10;f_t &amp;= \sigma(W_{if} x_t +  b_{if} +  W_{hf} h_{t-1} + b_{hf}) \label{eq:lstm_forget_gate} \\&#10;i_t &amp;= \sigma(W_{ii} x_t +  b_{ii} +  W_{hi} h_{t-1} + b_{hi}) \label{eq:lstm_input_gate} \\&#10;g_t &amp;= \tanh(W_{ig} x_t +  b_{ig} +  W_{hg} h_{t-1} + b_{hg}) \label{eq:lstm_cell_gate} \\&#10;o_t &amp;= \sigma(W_{io} x_t + b_{io} + W_{ho} h_{t-1} + b_{ho}) \label{eq:lstm_output_gate} \\&#10;c_t &amp;= f_t \odot c_{t-1} + i_t \odot g_t \label{eq:lstm_cell_state} \\&#10;h_t &amp;= o_t \odot \tanh(c_t) \label{eq:lstm_hidden_state}&#10;\end{align}&#10;&#10;&#10;&#10;\end{document}" title="IguanaTex Bitmap Display">
+            <a:extLst>
+              <a:ext uri="{FF2B5EF4-FFF2-40B4-BE49-F238E27FC236}">
+                <a16:creationId xmlns:a16="http://schemas.microsoft.com/office/drawing/2014/main" id="{1662665C-393E-704B-BD8E-44AA0D967729}"/>
+              </a:ext>
+            </a:extLst>
+          </p:cNvPr>
+          <p:cNvPicPr>
+            <a:picLocks noChangeAspect="1"/>
+          </p:cNvPicPr>
+          <p:nvPr>
+            <p:custDataLst>
+              <p:tags r:id="rId1"/>
+            </p:custDataLst>
+          </p:nvPr>
+        </p:nvPicPr>
+        <p:blipFill>
+          <a:blip r:embed="rId4">
+            <a:extLst>
+              <a:ext uri="{28A0092B-C50C-407E-A947-70E740481C1C}">
+                <a14:useLocalDpi xmlns:a14="http://schemas.microsoft.com/office/drawing/2010/main" val="0"/>
+              </a:ext>
+            </a:extLst>
+          </a:blip>
+          <a:stretch>
+            <a:fillRect/>
+          </a:stretch>
+        </p:blipFill>
+        <p:spPr>
+          <a:xfrm>
+            <a:off x="6101090" y="2754724"/>
+            <a:ext cx="5942437" cy="1948157"/>
+          </a:xfrm>
+          <a:prstGeom prst="rect">
+            <a:avLst/>
+          </a:prstGeom>
+        </p:spPr>
+      </p:pic>
     </p:spTree>
     <p:extLst>
       <p:ext uri="{BB962C8B-B14F-4D97-AF65-F5344CB8AC3E}">
-        <p14:creationId xmlns:p14="http://schemas.microsoft.com/office/powerpoint/2010/main" val="91159343"/>
+        <p14:creationId xmlns:p14="http://schemas.microsoft.com/office/powerpoint/2010/main" val="3861591052"/>
       </p:ext>
     </p:extLst>
   </p:cSld>
@@ -15023,48 +17157,12 @@
           <a:chExt cx="0" cy="0"/>
         </a:xfrm>
       </p:grpSpPr>
-      <p:pic>
-        <p:nvPicPr>
-          <p:cNvPr id="9" name="Picture 8" descr="Chart, line chart&#10;&#10;Description automatically generated">
-            <a:extLst>
-              <a:ext uri="{FF2B5EF4-FFF2-40B4-BE49-F238E27FC236}">
-                <a16:creationId xmlns:a16="http://schemas.microsoft.com/office/drawing/2014/main" id="{D8AE99FB-7DAD-725A-50F4-C435764C00FE}"/>
-              </a:ext>
-            </a:extLst>
-          </p:cNvPr>
-          <p:cNvPicPr>
-            <a:picLocks noChangeAspect="1"/>
-          </p:cNvPicPr>
-          <p:nvPr/>
-        </p:nvPicPr>
-        <p:blipFill>
-          <a:blip r:embed="rId2">
-            <a:extLst>
-              <a:ext uri="{28A0092B-C50C-407E-A947-70E740481C1C}">
-                <a14:useLocalDpi xmlns:a14="http://schemas.microsoft.com/office/drawing/2010/main" val="0"/>
-              </a:ext>
-            </a:extLst>
-          </a:blip>
-          <a:stretch>
-            <a:fillRect/>
-          </a:stretch>
-        </p:blipFill>
-        <p:spPr>
-          <a:xfrm>
-            <a:off x="518318" y="1543780"/>
-            <a:ext cx="8507101" cy="4320000"/>
-          </a:xfrm>
-          <a:prstGeom prst="rect">
-            <a:avLst/>
-          </a:prstGeom>
-        </p:spPr>
-      </p:pic>
       <p:sp>
         <p:nvSpPr>
           <p:cNvPr id="2" name="Date Placeholder 1">
             <a:extLst>
               <a:ext uri="{FF2B5EF4-FFF2-40B4-BE49-F238E27FC236}">
-                <a16:creationId xmlns:a16="http://schemas.microsoft.com/office/drawing/2014/main" id="{E2421C18-942C-11CB-8D24-CD08208655F9}"/>
+                <a16:creationId xmlns:a16="http://schemas.microsoft.com/office/drawing/2014/main" id="{2B8CAAFC-F0E6-F31E-198A-AA24CC49C316}"/>
               </a:ext>
             </a:extLst>
           </p:cNvPr>
@@ -15082,7 +17180,7 @@
           <a:p>
             <a:fld id="{A2E8877F-2015-4290-957C-06EF82A52242}" type="datetime8">
               <a:rPr lang="en-DE" smtClean="0"/>
-              <a:t>11/01/2022 18:33</a:t>
+              <a:t>11/12/2022 16:26</a:t>
             </a:fld>
             <a:endParaRPr lang="de-DE" dirty="0"/>
           </a:p>
@@ -15093,7 +17191,7 @@
           <p:cNvPr id="3" name="Footer Placeholder 2">
             <a:extLst>
               <a:ext uri="{FF2B5EF4-FFF2-40B4-BE49-F238E27FC236}">
-                <a16:creationId xmlns:a16="http://schemas.microsoft.com/office/drawing/2014/main" id="{6B75CCA1-9540-8244-3AD2-BDFE111DE734}"/>
+                <a16:creationId xmlns:a16="http://schemas.microsoft.com/office/drawing/2014/main" id="{C49146C1-0EFA-7410-35A6-1C2B33E3E160}"/>
               </a:ext>
             </a:extLst>
           </p:cNvPr>
@@ -15122,7 +17220,7 @@
           <p:cNvPr id="4" name="Slide Number Placeholder 3">
             <a:extLst>
               <a:ext uri="{FF2B5EF4-FFF2-40B4-BE49-F238E27FC236}">
-                <a16:creationId xmlns:a16="http://schemas.microsoft.com/office/drawing/2014/main" id="{4F982562-5283-5462-12D5-90559570EBB9}"/>
+                <a16:creationId xmlns:a16="http://schemas.microsoft.com/office/drawing/2014/main" id="{83EEE9A2-09B3-BA3D-B64B-856A8F226637}"/>
               </a:ext>
             </a:extLst>
           </p:cNvPr>
@@ -15152,7 +17250,7 @@
           <p:cNvPr id="5" name="Title 4">
             <a:extLst>
               <a:ext uri="{FF2B5EF4-FFF2-40B4-BE49-F238E27FC236}">
-                <a16:creationId xmlns:a16="http://schemas.microsoft.com/office/drawing/2014/main" id="{06F48E79-0385-3621-7AC1-6D0D472FE2B6}"/>
+                <a16:creationId xmlns:a16="http://schemas.microsoft.com/office/drawing/2014/main" id="{BBB354EA-F495-6050-38E7-B27B0D727096}"/>
               </a:ext>
             </a:extLst>
           </p:cNvPr>
@@ -15170,7 +17268,7 @@
           <a:p>
             <a:r>
               <a:rPr lang="en-US" dirty="0"/>
-              <a:t>Visualization</a:t>
+              <a:t>Architecture</a:t>
             </a:r>
           </a:p>
         </p:txBody>
@@ -15180,7 +17278,7 @@
           <p:cNvPr id="6" name="Text Placeholder 5">
             <a:extLst>
               <a:ext uri="{FF2B5EF4-FFF2-40B4-BE49-F238E27FC236}">
-                <a16:creationId xmlns:a16="http://schemas.microsoft.com/office/drawing/2014/main" id="{FF28A799-6EEC-D9A7-9986-8CE7127B1909}"/>
+                <a16:creationId xmlns:a16="http://schemas.microsoft.com/office/drawing/2014/main" id="{4761E152-B7EF-00B5-47FF-110705BBE7D4}"/>
               </a:ext>
             </a:extLst>
           </p:cNvPr>
@@ -15196,14 +17294,265 @@
           <a:bodyPr/>
           <a:lstStyle/>
           <a:p>
+            <a:endParaRPr lang="en-US" sz="1800" dirty="0">
+              <a:effectLst/>
+              <a:latin typeface="Calibri" panose="020F0502020204030204" pitchFamily="34" charset="0"/>
+              <a:ea typeface="Calibri" panose="020F0502020204030204" pitchFamily="34" charset="0"/>
+              <a:cs typeface="Arial" panose="020B0604020202020204" pitchFamily="34" charset="0"/>
+            </a:endParaRPr>
+          </a:p>
+          <a:p>
+            <a:endParaRPr lang="en-US" sz="1800" dirty="0">
+              <a:effectLst/>
+              <a:latin typeface="Calibri" panose="020F0502020204030204" pitchFamily="34" charset="0"/>
+              <a:ea typeface="Calibri" panose="020F0502020204030204" pitchFamily="34" charset="0"/>
+              <a:cs typeface="Arial" panose="020B0604020202020204" pitchFamily="34" charset="0"/>
+            </a:endParaRPr>
+          </a:p>
+          <a:p>
             <a:endParaRPr lang="en-US" dirty="0"/>
+          </a:p>
+          <a:p>
+            <a:endParaRPr lang="en-US" dirty="0"/>
+          </a:p>
+        </p:txBody>
+      </p:sp>
+      <p:pic>
+        <p:nvPicPr>
+          <p:cNvPr id="11" name="Picture 10">
+            <a:extLst>
+              <a:ext uri="{FF2B5EF4-FFF2-40B4-BE49-F238E27FC236}">
+                <a16:creationId xmlns:a16="http://schemas.microsoft.com/office/drawing/2014/main" id="{64761DC8-F52E-2350-EFA1-FD9240C04C0A}"/>
+              </a:ext>
+            </a:extLst>
+          </p:cNvPr>
+          <p:cNvPicPr>
+            <a:picLocks noChangeAspect="1"/>
+          </p:cNvPicPr>
+          <p:nvPr/>
+        </p:nvPicPr>
+        <p:blipFill>
+          <a:blip r:embed="rId2"/>
+          <a:stretch>
+            <a:fillRect/>
+          </a:stretch>
+        </p:blipFill>
+        <p:spPr>
+          <a:xfrm>
+            <a:off x="885759" y="1376107"/>
+            <a:ext cx="5886138" cy="4622992"/>
+          </a:xfrm>
+          <a:prstGeom prst="rect">
+            <a:avLst/>
+          </a:prstGeom>
+        </p:spPr>
+      </p:pic>
+      <p:sp>
+        <p:nvSpPr>
+          <p:cNvPr id="12" name="TextBox 11">
+            <a:extLst>
+              <a:ext uri="{FF2B5EF4-FFF2-40B4-BE49-F238E27FC236}">
+                <a16:creationId xmlns:a16="http://schemas.microsoft.com/office/drawing/2014/main" id="{6F5C68AA-EEB9-F2F4-593B-BCEDD5CEA769}"/>
+              </a:ext>
+            </a:extLst>
+          </p:cNvPr>
+          <p:cNvSpPr txBox="1"/>
+          <p:nvPr/>
+        </p:nvSpPr>
+        <p:spPr>
+          <a:xfrm>
+            <a:off x="7389075" y="2729804"/>
+            <a:ext cx="4067340" cy="2219582"/>
+          </a:xfrm>
+          <a:prstGeom prst="rect">
+            <a:avLst/>
+          </a:prstGeom>
+          <a:noFill/>
+        </p:spPr>
+        <p:txBody>
+          <a:bodyPr wrap="square" lIns="0" tIns="0" rIns="0" bIns="0" rtlCol="0">
+            <a:spAutoFit/>
+          </a:bodyPr>
+          <a:lstStyle/>
+          <a:p>
+            <a:pPr marL="285750" marR="0" indent="-285750" algn="l" defTabSz="914400" rtl="0" eaLnBrk="1" fontAlgn="auto" latinLnBrk="0" hangingPunct="1">
+              <a:lnSpc>
+                <a:spcPct val="110000"/>
+              </a:lnSpc>
+              <a:spcBef>
+                <a:spcPts val="0"/>
+              </a:spcBef>
+              <a:spcAft>
+                <a:spcPts val="1200"/>
+              </a:spcAft>
+              <a:buClrTx/>
+              <a:buSzTx/>
+              <a:buFont typeface="Arial" panose="020B0604020202020204" pitchFamily="34" charset="0"/>
+              <a:buChar char="•"/>
+              <a:tabLst/>
+            </a:pPr>
+            <a:r>
+              <a:rPr kumimoji="0" lang="en-US" sz="1600" b="0" i="0" u="none" strike="noStrike" kern="1200" cap="none" spc="0" normalizeH="0" baseline="0" noProof="0" dirty="0">
+                <a:ln>
+                  <a:noFill/>
+                </a:ln>
+                <a:solidFill>
+                  <a:prstClr val="black"/>
+                </a:solidFill>
+                <a:effectLst/>
+                <a:uLnTx/>
+                <a:uFillTx/>
+                <a:latin typeface="Arial"/>
+                <a:ea typeface="+mn-ea"/>
+                <a:cs typeface="+mn-cs"/>
+              </a:rPr>
+              <a:t>Example of model with 32 nodes and 2 hidden layers</a:t>
+            </a:r>
+          </a:p>
+          <a:p>
+            <a:pPr marL="285750" marR="0" indent="-285750" algn="l" defTabSz="914400" rtl="0" eaLnBrk="1" fontAlgn="auto" latinLnBrk="0" hangingPunct="1">
+              <a:lnSpc>
+                <a:spcPct val="110000"/>
+              </a:lnSpc>
+              <a:spcBef>
+                <a:spcPts val="0"/>
+              </a:spcBef>
+              <a:spcAft>
+                <a:spcPts val="1200"/>
+              </a:spcAft>
+              <a:buClrTx/>
+              <a:buSzTx/>
+              <a:buFont typeface="Arial" panose="020B0604020202020204" pitchFamily="34" charset="0"/>
+              <a:buChar char="•"/>
+              <a:tabLst/>
+            </a:pPr>
+            <a:r>
+              <a:rPr kumimoji="0" lang="en-US" sz="1600" b="0" i="0" u="none" strike="noStrike" kern="1200" cap="none" spc="0" normalizeH="0" baseline="0" noProof="0" dirty="0">
+                <a:ln>
+                  <a:noFill/>
+                </a:ln>
+                <a:solidFill>
+                  <a:prstClr val="black"/>
+                </a:solidFill>
+                <a:effectLst/>
+                <a:uLnTx/>
+                <a:uFillTx/>
+                <a:latin typeface="Arial"/>
+                <a:ea typeface="+mn-ea"/>
+                <a:cs typeface="+mn-cs"/>
+              </a:rPr>
+              <a:t>States are carried to next time steps</a:t>
+            </a:r>
+          </a:p>
+          <a:p>
+            <a:pPr marL="285750" marR="0" indent="-285750" algn="l" defTabSz="914400" rtl="0" eaLnBrk="1" fontAlgn="auto" latinLnBrk="0" hangingPunct="1">
+              <a:lnSpc>
+                <a:spcPct val="110000"/>
+              </a:lnSpc>
+              <a:spcBef>
+                <a:spcPts val="0"/>
+              </a:spcBef>
+              <a:spcAft>
+                <a:spcPts val="1200"/>
+              </a:spcAft>
+              <a:buClrTx/>
+              <a:buSzTx/>
+              <a:buFont typeface="Arial" panose="020B0604020202020204" pitchFamily="34" charset="0"/>
+              <a:buChar char="•"/>
+              <a:tabLst/>
+            </a:pPr>
+            <a:r>
+              <a:rPr lang="en-US" sz="1600" dirty="0">
+                <a:solidFill>
+                  <a:prstClr val="black"/>
+                </a:solidFill>
+                <a:latin typeface="Arial"/>
+              </a:rPr>
+              <a:t>Weights are the same at all time steps</a:t>
+            </a:r>
+          </a:p>
+          <a:p>
+            <a:pPr marL="285750" marR="0" indent="-285750" algn="l" defTabSz="914400" rtl="0" eaLnBrk="1" fontAlgn="auto" latinLnBrk="0" hangingPunct="1">
+              <a:lnSpc>
+                <a:spcPct val="110000"/>
+              </a:lnSpc>
+              <a:spcBef>
+                <a:spcPts val="0"/>
+              </a:spcBef>
+              <a:spcAft>
+                <a:spcPts val="1200"/>
+              </a:spcAft>
+              <a:buClrTx/>
+              <a:buSzTx/>
+              <a:buFont typeface="Arial" panose="020B0604020202020204" pitchFamily="34" charset="0"/>
+              <a:buChar char="•"/>
+              <a:tabLst/>
+            </a:pPr>
+            <a:r>
+              <a:rPr kumimoji="0" lang="en-US" sz="1600" b="0" i="0" u="none" strike="noStrike" kern="1200" cap="none" spc="0" normalizeH="0" baseline="0" noProof="0" dirty="0">
+                <a:ln>
+                  <a:noFill/>
+                </a:ln>
+                <a:solidFill>
+                  <a:prstClr val="black"/>
+                </a:solidFill>
+                <a:effectLst/>
+                <a:uLnTx/>
+                <a:uFillTx/>
+                <a:latin typeface="Arial"/>
+                <a:ea typeface="+mn-ea"/>
+                <a:cs typeface="+mn-cs"/>
+              </a:rPr>
+              <a:t>Ability to predict indefinite future states</a:t>
+            </a:r>
+          </a:p>
+          <a:p>
+            <a:pPr marL="285750" marR="0" indent="-285750" algn="l" defTabSz="914400" rtl="0" eaLnBrk="1" fontAlgn="auto" latinLnBrk="0" hangingPunct="1">
+              <a:lnSpc>
+                <a:spcPct val="110000"/>
+              </a:lnSpc>
+              <a:spcBef>
+                <a:spcPts val="0"/>
+              </a:spcBef>
+              <a:spcAft>
+                <a:spcPts val="1200"/>
+              </a:spcAft>
+              <a:buClrTx/>
+              <a:buSzTx/>
+              <a:buFont typeface="Arial" panose="020B0604020202020204" pitchFamily="34" charset="0"/>
+              <a:buChar char="•"/>
+              <a:tabLst/>
+            </a:pPr>
+            <a:r>
+              <a:rPr lang="en-US" sz="1600" dirty="0">
+                <a:solidFill>
+                  <a:prstClr val="black"/>
+                </a:solidFill>
+                <a:latin typeface="Arial"/>
+              </a:rPr>
+              <a:t>For training fixed number of timesteps</a:t>
+            </a:r>
+            <a:endParaRPr kumimoji="0" lang="en-US" sz="1600" b="0" i="0" u="none" strike="noStrike" kern="1200" cap="none" spc="0" normalizeH="0" baseline="0" noProof="0" dirty="0">
+              <a:ln>
+                <a:noFill/>
+              </a:ln>
+              <a:solidFill>
+                <a:prstClr val="black"/>
+              </a:solidFill>
+              <a:effectLst/>
+              <a:uLnTx/>
+              <a:uFillTx/>
+              <a:latin typeface="Arial"/>
+              <a:ea typeface="+mn-ea"/>
+              <a:cs typeface="+mn-cs"/>
+            </a:endParaRPr>
           </a:p>
         </p:txBody>
       </p:sp>
     </p:spTree>
     <p:extLst>
       <p:ext uri="{BB962C8B-B14F-4D97-AF65-F5344CB8AC3E}">
-        <p14:creationId xmlns:p14="http://schemas.microsoft.com/office/powerpoint/2010/main" val="601123249"/>
+        <p14:creationId xmlns:p14="http://schemas.microsoft.com/office/powerpoint/2010/main" val="466861398"/>
       </p:ext>
     </p:extLst>
   </p:cSld>
@@ -15235,7 +17584,7 @@
           <p:cNvPr id="2" name="Date Placeholder 1">
             <a:extLst>
               <a:ext uri="{FF2B5EF4-FFF2-40B4-BE49-F238E27FC236}">
-                <a16:creationId xmlns:a16="http://schemas.microsoft.com/office/drawing/2014/main" id="{E2421C18-942C-11CB-8D24-CD08208655F9}"/>
+                <a16:creationId xmlns:a16="http://schemas.microsoft.com/office/drawing/2014/main" id="{2B8CAAFC-F0E6-F31E-198A-AA24CC49C316}"/>
               </a:ext>
             </a:extLst>
           </p:cNvPr>
@@ -15253,7 +17602,7 @@
           <a:p>
             <a:fld id="{A2E8877F-2015-4290-957C-06EF82A52242}" type="datetime8">
               <a:rPr lang="en-DE" smtClean="0"/>
-              <a:t>11/01/2022 18:33</a:t>
+              <a:t>11/12/2022 16:11</a:t>
             </a:fld>
             <a:endParaRPr lang="de-DE" dirty="0"/>
           </a:p>
@@ -15264,7 +17613,7 @@
           <p:cNvPr id="3" name="Footer Placeholder 2">
             <a:extLst>
               <a:ext uri="{FF2B5EF4-FFF2-40B4-BE49-F238E27FC236}">
-                <a16:creationId xmlns:a16="http://schemas.microsoft.com/office/drawing/2014/main" id="{6B75CCA1-9540-8244-3AD2-BDFE111DE734}"/>
+                <a16:creationId xmlns:a16="http://schemas.microsoft.com/office/drawing/2014/main" id="{C49146C1-0EFA-7410-35A6-1C2B33E3E160}"/>
               </a:ext>
             </a:extLst>
           </p:cNvPr>
@@ -15293,7 +17642,7 @@
           <p:cNvPr id="4" name="Slide Number Placeholder 3">
             <a:extLst>
               <a:ext uri="{FF2B5EF4-FFF2-40B4-BE49-F238E27FC236}">
-                <a16:creationId xmlns:a16="http://schemas.microsoft.com/office/drawing/2014/main" id="{4F982562-5283-5462-12D5-90559570EBB9}"/>
+                <a16:creationId xmlns:a16="http://schemas.microsoft.com/office/drawing/2014/main" id="{83EEE9A2-09B3-BA3D-B64B-856A8F226637}"/>
               </a:ext>
             </a:extLst>
           </p:cNvPr>
@@ -15323,7 +17672,7 @@
           <p:cNvPr id="5" name="Title 4">
             <a:extLst>
               <a:ext uri="{FF2B5EF4-FFF2-40B4-BE49-F238E27FC236}">
-                <a16:creationId xmlns:a16="http://schemas.microsoft.com/office/drawing/2014/main" id="{06F48E79-0385-3621-7AC1-6D0D472FE2B6}"/>
+                <a16:creationId xmlns:a16="http://schemas.microsoft.com/office/drawing/2014/main" id="{BBB354EA-F495-6050-38E7-B27B0D727096}"/>
               </a:ext>
             </a:extLst>
           </p:cNvPr>
@@ -15341,7 +17690,7 @@
           <a:p>
             <a:r>
               <a:rPr lang="en-US" dirty="0"/>
-              <a:t>Visualization</a:t>
+              <a:t>Optimization</a:t>
             </a:r>
           </a:p>
         </p:txBody>
@@ -15351,7 +17700,7 @@
           <p:cNvPr id="6" name="Text Placeholder 5">
             <a:extLst>
               <a:ext uri="{FF2B5EF4-FFF2-40B4-BE49-F238E27FC236}">
-                <a16:creationId xmlns:a16="http://schemas.microsoft.com/office/drawing/2014/main" id="{FF28A799-6EEC-D9A7-9986-8CE7127B1909}"/>
+                <a16:creationId xmlns:a16="http://schemas.microsoft.com/office/drawing/2014/main" id="{4761E152-B7EF-00B5-47FF-110705BBE7D4}"/>
               </a:ext>
             </a:extLst>
           </p:cNvPr>
@@ -15367,50 +17716,57 @@
           <a:bodyPr/>
           <a:lstStyle/>
           <a:p>
+            <a:r>
+              <a:rPr lang="en-US" dirty="0"/>
+              <a:t>Forward pass</a:t>
+            </a:r>
+          </a:p>
+          <a:p>
+            <a:r>
+              <a:rPr lang="en-US" dirty="0"/>
+              <a:t>MSE loss function</a:t>
+            </a:r>
+          </a:p>
+          <a:p>
+            <a:r>
+              <a:rPr lang="en-US" dirty="0"/>
+              <a:t>Backpropagation through time</a:t>
+            </a:r>
+          </a:p>
+          <a:p>
+            <a:r>
+              <a:rPr lang="en-US" dirty="0"/>
+              <a:t>Adam optimizer</a:t>
+            </a:r>
+          </a:p>
+          <a:p>
+            <a:endParaRPr lang="en-US" sz="1800" dirty="0">
+              <a:effectLst/>
+              <a:latin typeface="Calibri" panose="020F0502020204030204" pitchFamily="34" charset="0"/>
+              <a:ea typeface="Calibri" panose="020F0502020204030204" pitchFamily="34" charset="0"/>
+              <a:cs typeface="Arial" panose="020B0604020202020204" pitchFamily="34" charset="0"/>
+            </a:endParaRPr>
+          </a:p>
+          <a:p>
+            <a:endParaRPr lang="en-US" sz="1800" dirty="0">
+              <a:effectLst/>
+              <a:latin typeface="Calibri" panose="020F0502020204030204" pitchFamily="34" charset="0"/>
+              <a:ea typeface="Calibri" panose="020F0502020204030204" pitchFamily="34" charset="0"/>
+              <a:cs typeface="Arial" panose="020B0604020202020204" pitchFamily="34" charset="0"/>
+            </a:endParaRPr>
+          </a:p>
+          <a:p>
+            <a:endParaRPr lang="en-US" dirty="0"/>
+          </a:p>
+          <a:p>
             <a:endParaRPr lang="en-US" dirty="0"/>
           </a:p>
         </p:txBody>
       </p:sp>
-      <p:pic>
-        <p:nvPicPr>
-          <p:cNvPr id="8" name="Picture 7" descr="Chart, line chart&#10;&#10;Description automatically generated">
-            <a:extLst>
-              <a:ext uri="{FF2B5EF4-FFF2-40B4-BE49-F238E27FC236}">
-                <a16:creationId xmlns:a16="http://schemas.microsoft.com/office/drawing/2014/main" id="{AFA6E1B9-E1EA-FDA8-C17E-DA23C143DA79}"/>
-              </a:ext>
-            </a:extLst>
-          </p:cNvPr>
-          <p:cNvPicPr>
-            <a:picLocks noChangeAspect="1"/>
-          </p:cNvPicPr>
-          <p:nvPr/>
-        </p:nvPicPr>
-        <p:blipFill>
-          <a:blip r:embed="rId2">
-            <a:extLst>
-              <a:ext uri="{28A0092B-C50C-407E-A947-70E740481C1C}">
-                <a14:useLocalDpi xmlns:a14="http://schemas.microsoft.com/office/drawing/2010/main" val="0"/>
-              </a:ext>
-            </a:extLst>
-          </a:blip>
-          <a:stretch>
-            <a:fillRect/>
-          </a:stretch>
-        </p:blipFill>
-        <p:spPr>
-          <a:xfrm>
-            <a:off x="518318" y="1543780"/>
-            <a:ext cx="8507101" cy="4320000"/>
-          </a:xfrm>
-          <a:prstGeom prst="rect">
-            <a:avLst/>
-          </a:prstGeom>
-        </p:spPr>
-      </p:pic>
     </p:spTree>
     <p:extLst>
       <p:ext uri="{BB962C8B-B14F-4D97-AF65-F5344CB8AC3E}">
-        <p14:creationId xmlns:p14="http://schemas.microsoft.com/office/powerpoint/2010/main" val="541269296"/>
+        <p14:creationId xmlns:p14="http://schemas.microsoft.com/office/powerpoint/2010/main" val="2562387972"/>
       </p:ext>
     </p:extLst>
   </p:cSld>
@@ -15464,12 +17820,12 @@
           <a:lstStyle/>
           <a:p>
             <a:r>
-              <a:rPr lang="en-US" dirty="0"/>
-              <a:t>Prediction on </a:t>
+              <a:rPr lang="de-DE" dirty="0"/>
+              <a:t>Dataset </a:t>
             </a:r>
             <a:r>
-              <a:rPr lang="en-US" dirty="0" err="1"/>
-              <a:t>Trainingset</a:t>
+              <a:rPr lang="de-DE" dirty="0" err="1"/>
+              <a:t>creation</a:t>
             </a:r>
             <a:endParaRPr lang="de-DE" dirty="0"/>
           </a:p>
@@ -15498,7 +17854,7 @@
           <a:p>
             <a:fld id="{C683496F-A479-4189-AF7A-49EC797A60BB}" type="datetime8">
               <a:rPr lang="en-DE" smtClean="0"/>
-              <a:t>11/01/2022 18:33</a:t>
+              <a:t>11/12/2022 16:38</a:t>
             </a:fld>
             <a:endParaRPr lang="de-DE" dirty="0"/>
           </a:p>
@@ -15566,7 +17922,7 @@
     </p:spTree>
     <p:extLst>
       <p:ext uri="{BB962C8B-B14F-4D97-AF65-F5344CB8AC3E}">
-        <p14:creationId xmlns:p14="http://schemas.microsoft.com/office/powerpoint/2010/main" val="4254182033"/>
+        <p14:creationId xmlns:p14="http://schemas.microsoft.com/office/powerpoint/2010/main" val="998832571"/>
       </p:ext>
     </p:extLst>
   </p:cSld>
@@ -15598,7 +17954,7 @@
           <p:cNvPr id="2" name="Date Placeholder 1">
             <a:extLst>
               <a:ext uri="{FF2B5EF4-FFF2-40B4-BE49-F238E27FC236}">
-                <a16:creationId xmlns:a16="http://schemas.microsoft.com/office/drawing/2014/main" id="{7CE98097-7DFA-A9EC-C5A6-703672A87A70}"/>
+                <a16:creationId xmlns:a16="http://schemas.microsoft.com/office/drawing/2014/main" id="{2B8CAAFC-F0E6-F31E-198A-AA24CC49C316}"/>
               </a:ext>
             </a:extLst>
           </p:cNvPr>
@@ -15616,7 +17972,7 @@
           <a:p>
             <a:fld id="{A2E8877F-2015-4290-957C-06EF82A52242}" type="datetime8">
               <a:rPr lang="en-DE" smtClean="0"/>
-              <a:t>11/01/2022 18:33</a:t>
+              <a:t>11/12/2022 16:36</a:t>
             </a:fld>
             <a:endParaRPr lang="de-DE" dirty="0"/>
           </a:p>
@@ -15627,7 +17983,7 @@
           <p:cNvPr id="3" name="Footer Placeholder 2">
             <a:extLst>
               <a:ext uri="{FF2B5EF4-FFF2-40B4-BE49-F238E27FC236}">
-                <a16:creationId xmlns:a16="http://schemas.microsoft.com/office/drawing/2014/main" id="{0912A010-7B30-DF5D-9B62-9B5D612ED2AA}"/>
+                <a16:creationId xmlns:a16="http://schemas.microsoft.com/office/drawing/2014/main" id="{C49146C1-0EFA-7410-35A6-1C2B33E3E160}"/>
               </a:ext>
             </a:extLst>
           </p:cNvPr>
@@ -15656,7 +18012,7 @@
           <p:cNvPr id="4" name="Slide Number Placeholder 3">
             <a:extLst>
               <a:ext uri="{FF2B5EF4-FFF2-40B4-BE49-F238E27FC236}">
-                <a16:creationId xmlns:a16="http://schemas.microsoft.com/office/drawing/2014/main" id="{94BDB470-2F08-2516-4BCE-4DFB8CA7590B}"/>
+                <a16:creationId xmlns:a16="http://schemas.microsoft.com/office/drawing/2014/main" id="{83EEE9A2-09B3-BA3D-B64B-856A8F226637}"/>
               </a:ext>
             </a:extLst>
           </p:cNvPr>
@@ -15686,7 +18042,7 @@
           <p:cNvPr id="5" name="Title 4">
             <a:extLst>
               <a:ext uri="{FF2B5EF4-FFF2-40B4-BE49-F238E27FC236}">
-                <a16:creationId xmlns:a16="http://schemas.microsoft.com/office/drawing/2014/main" id="{1C10ADA7-4CD9-12A4-DB7B-8690F93F25E8}"/>
+                <a16:creationId xmlns:a16="http://schemas.microsoft.com/office/drawing/2014/main" id="{BBB354EA-F495-6050-38E7-B27B0D727096}"/>
               </a:ext>
             </a:extLst>
           </p:cNvPr>
@@ -15704,13 +18060,8 @@
           <a:p>
             <a:r>
               <a:rPr lang="en-US" dirty="0"/>
-              <a:t>Prediction on </a:t>
+              <a:t>Problem description</a:t>
             </a:r>
-            <a:r>
-              <a:rPr lang="en-US" dirty="0" err="1"/>
-              <a:t>Trainingset</a:t>
-            </a:r>
-            <a:endParaRPr lang="en-US" dirty="0"/>
           </a:p>
         </p:txBody>
       </p:sp>
@@ -15719,7 +18070,7 @@
           <p:cNvPr id="6" name="Text Placeholder 5">
             <a:extLst>
               <a:ext uri="{FF2B5EF4-FFF2-40B4-BE49-F238E27FC236}">
-                <a16:creationId xmlns:a16="http://schemas.microsoft.com/office/drawing/2014/main" id="{434C0D1B-4F8E-3D22-7276-8FBA8AD9C259}"/>
+                <a16:creationId xmlns:a16="http://schemas.microsoft.com/office/drawing/2014/main" id="{4761E152-B7EF-00B5-47FF-110705BBE7D4}"/>
               </a:ext>
             </a:extLst>
           </p:cNvPr>
@@ -15736,79 +18087,53 @@
           <a:lstStyle/>
           <a:p>
             <a:r>
-              <a:rPr lang="en-US" dirty="0"/>
-              <a:t>Setup:</a:t>
+              <a:rPr lang="en-US" sz="1800" dirty="0">
+                <a:effectLst/>
+                <a:latin typeface="Calibri" panose="020F0502020204030204" pitchFamily="34" charset="0"/>
+                <a:ea typeface="Calibri" panose="020F0502020204030204" pitchFamily="34" charset="0"/>
+                <a:cs typeface="Arial" panose="020B0604020202020204" pitchFamily="34" charset="0"/>
+              </a:rPr>
+              <a:t>Pushing force on object</a:t>
             </a:r>
           </a:p>
           <a:p>
-            <a:pPr lvl="1"/>
             <a:r>
-              <a:rPr lang="en-US" dirty="0"/>
-              <a:t>1 Sample with 3 “Force steps”; So, Training, Validation and Test sets are the same in this case.</a:t>
+              <a:rPr lang="en-US" dirty="0">
+                <a:latin typeface="Calibri" panose="020F0502020204030204" pitchFamily="34" charset="0"/>
+                <a:ea typeface="Calibri" panose="020F0502020204030204" pitchFamily="34" charset="0"/>
+                <a:cs typeface="Arial" panose="020B0604020202020204" pitchFamily="34" charset="0"/>
+              </a:rPr>
+              <a:t>Drag on object</a:t>
             </a:r>
-          </a:p>
-          <a:p>
-            <a:pPr lvl="1"/>
+            <a:endParaRPr lang="en-US" sz="1800" dirty="0">
+              <a:effectLst/>
+              <a:latin typeface="Calibri" panose="020F0502020204030204" pitchFamily="34" charset="0"/>
+              <a:ea typeface="Calibri" panose="020F0502020204030204" pitchFamily="34" charset="0"/>
+              <a:cs typeface="Arial" panose="020B0604020202020204" pitchFamily="34" charset="0"/>
+            </a:endParaRPr>
+          </a:p>
+          <a:p>
+            <a:endParaRPr lang="en-US" sz="1800" dirty="0">
+              <a:effectLst/>
+              <a:latin typeface="Calibri" panose="020F0502020204030204" pitchFamily="34" charset="0"/>
+              <a:ea typeface="Calibri" panose="020F0502020204030204" pitchFamily="34" charset="0"/>
+              <a:cs typeface="Arial" panose="020B0604020202020204" pitchFamily="34" charset="0"/>
+            </a:endParaRPr>
+          </a:p>
+          <a:p>
             <a:endParaRPr lang="en-US" dirty="0"/>
           </a:p>
           <a:p>
-            <a:pPr lvl="1"/>
-            <a:endParaRPr lang="en-US" dirty="0"/>
-          </a:p>
-          <a:p>
-            <a:pPr lvl="1"/>
-            <a:endParaRPr lang="en-US" dirty="0"/>
-          </a:p>
-          <a:p>
-            <a:pPr lvl="1"/>
-            <a:endParaRPr lang="en-US" dirty="0"/>
-          </a:p>
-          <a:p>
-            <a:pPr lvl="1"/>
-            <a:endParaRPr lang="en-US" dirty="0"/>
-          </a:p>
-          <a:p>
-            <a:pPr lvl="1"/>
-            <a:endParaRPr lang="en-US" dirty="0"/>
-          </a:p>
-          <a:p>
-            <a:pPr lvl="1"/>
-            <a:endParaRPr lang="en-US" dirty="0"/>
-          </a:p>
-          <a:p>
-            <a:pPr lvl="1"/>
-            <a:endParaRPr lang="en-US" dirty="0"/>
-          </a:p>
-          <a:p>
-            <a:pPr lvl="1"/>
-            <a:endParaRPr lang="en-US" dirty="0"/>
-          </a:p>
-          <a:p>
-            <a:pPr lvl="1"/>
-            <a:r>
-              <a:rPr lang="en-US" dirty="0"/>
-              <a:t>Try to make sure that is at least capable of learning the nonlinearities.</a:t>
-            </a:r>
-          </a:p>
-          <a:p>
-            <a:pPr lvl="1"/>
-            <a:r>
-              <a:rPr lang="en-US" dirty="0"/>
-              <a:t>No normalization, yet.</a:t>
-            </a:r>
-          </a:p>
-          <a:p>
-            <a:pPr lvl="1"/>
             <a:endParaRPr lang="en-US" dirty="0"/>
           </a:p>
         </p:txBody>
       </p:sp>
       <p:pic>
         <p:nvPicPr>
-          <p:cNvPr id="8" name="Picture 7" descr="Diagram&#10;&#10;Description automatically generated">
-            <a:extLst>
-              <a:ext uri="{FF2B5EF4-FFF2-40B4-BE49-F238E27FC236}">
-                <a16:creationId xmlns:a16="http://schemas.microsoft.com/office/drawing/2014/main" id="{A08C9F76-43DA-BD03-D159-EC2B7A53B49C}"/>
+          <p:cNvPr id="8" name="Picture 7">
+            <a:extLst>
+              <a:ext uri="{FF2B5EF4-FFF2-40B4-BE49-F238E27FC236}">
+                <a16:creationId xmlns:a16="http://schemas.microsoft.com/office/drawing/2014/main" id="{6F9EFDD3-455A-5D88-E91B-55A19B6A2BBD}"/>
               </a:ext>
             </a:extLst>
           </p:cNvPr>
@@ -15818,21 +18143,15 @@
           <p:nvPr/>
         </p:nvPicPr>
         <p:blipFill>
-          <a:blip r:embed="rId2">
-            <a:extLst>
-              <a:ext uri="{28A0092B-C50C-407E-A947-70E740481C1C}">
-                <a14:useLocalDpi xmlns:a14="http://schemas.microsoft.com/office/drawing/2010/main" val="0"/>
-              </a:ext>
-            </a:extLst>
-          </a:blip>
+          <a:blip r:embed="rId2"/>
           <a:stretch>
             <a:fillRect/>
           </a:stretch>
         </p:blipFill>
         <p:spPr>
           <a:xfrm>
-            <a:off x="1049192" y="2186435"/>
-            <a:ext cx="6249363" cy="3173505"/>
+            <a:off x="5500915" y="2089245"/>
+            <a:ext cx="4914238" cy="3538785"/>
           </a:xfrm>
           <a:prstGeom prst="rect">
             <a:avLst/>
@@ -15842,7 +18161,7 @@
     </p:spTree>
     <p:extLst>
       <p:ext uri="{BB962C8B-B14F-4D97-AF65-F5344CB8AC3E}">
-        <p14:creationId xmlns:p14="http://schemas.microsoft.com/office/powerpoint/2010/main" val="2485380618"/>
+        <p14:creationId xmlns:p14="http://schemas.microsoft.com/office/powerpoint/2010/main" val="637827353"/>
       </p:ext>
     </p:extLst>
   </p:cSld>
@@ -15850,6 +18169,26 @@
     <a:masterClrMapping/>
   </p:clrMapOvr>
 </p:sld>
+</file>
+
+<file path=ppt/tags/tag1.xml><?xml version="1.0" encoding="utf-8"?>
+<p:tagLst xmlns:a="http://schemas.openxmlformats.org/drawingml/2006/main" xmlns:r="http://schemas.openxmlformats.org/officeDocument/2006/relationships" xmlns:p="http://schemas.openxmlformats.org/presentationml/2006/main">
+  <p:tag name="OUTPUTDPI" val="1200"/>
+  <p:tag name="ORIGINALHEIGHT" val="1058,868"/>
+  <p:tag name="ORIGINALWIDTH" val="3229,846"/>
+  <p:tag name="OUTPUTTYPE" val="PNG"/>
+  <p:tag name="IGUANATEXVERSION" val="160"/>
+  <p:tag name="LATEXADDIN" val="\documentclass{article}&#10;\usepackage{amsmath}&#10;\pagestyle{empty}&#10;\begin{document}&#10;\begin{align}&#10;f_t &amp;= \sigma(W_{if} x_t +  b_{if} +  W_{hf} h_{t-1} + b_{hf}) \label{eq:lstm_forget_gate} \\&#10;i_t &amp;= \sigma(W_{ii} x_t +  b_{ii} +  W_{hi} h_{t-1} + b_{hi}) \label{eq:lstm_input_gate} \\&#10;g_t &amp;= \tanh(W_{ig} x_t +  b_{ig} +  W_{hg} h_{t-1} + b_{hg}) \label{eq:lstm_cell_gate} \\&#10;o_t &amp;= \sigma(W_{io} x_t + b_{io} + W_{ho} h_{t-1} + b_{ho}) \label{eq:lstm_output_gate} \\&#10;c_t &amp;= f_t \odot c_{t-1} + i_t \odot g_t \label{eq:lstm_cell_state} \\&#10;h_t &amp;= o_t \odot \tanh(c_t) \label{eq:lstm_hidden_state}&#10;\end{align}&#10;&#10;&#10;&#10;\end{document}"/>
+  <p:tag name="IGUANATEXSIZE" val="20"/>
+  <p:tag name="IGUANATEXCURSOR" val="603"/>
+  <p:tag name="TRANSPARENCY" val="True"/>
+  <p:tag name="LATEXENGINEID" val="0"/>
+  <p:tag name="TEMPFOLDER" val="c:\temp\"/>
+  <p:tag name="LATEXFORMHEIGHT" val="320"/>
+  <p:tag name="LATEXFORMWIDTH" val="385"/>
+  <p:tag name="LATEXFORMWRAP" val="True"/>
+  <p:tag name="BITMAPVECTOR" val="0"/>
+</p:tagLst>
 </file>
 
 <file path=ppt/theme/theme1.xml><?xml version="1.0" encoding="utf-8"?>
@@ -16775,6 +19114,15 @@
 </file>
 
 <file path=customXml/item2.xml><?xml version="1.0" encoding="utf-8"?>
+<?mso-contentType ?>
+<FormTemplates xmlns="http://schemas.microsoft.com/sharepoint/v3/contenttype/forms">
+  <Display>DocumentLibraryForm</Display>
+  <Edit>DocumentLibraryForm</Edit>
+  <New>DocumentLibraryForm</New>
+</FormTemplates>
+</file>
+
+<file path=customXml/item3.xml><?xml version="1.0" encoding="utf-8"?>
 <ct:contentTypeSchema xmlns:ct="http://schemas.microsoft.com/office/2006/metadata/contentType" xmlns:ma="http://schemas.microsoft.com/office/2006/metadata/properties/metaAttributes" ct:_="" ma:_="" ma:contentTypeName="Dokument" ma:contentTypeID="0x010100B7C64748B88E4F4A81E78C320064AA18" ma:contentTypeVersion="13" ma:contentTypeDescription="Ein neues Dokument erstellen." ma:contentTypeScope="" ma:versionID="7d7fe78eff81fbacf66dc0ff6aeec5a3">
   <xsd:schema xmlns:xsd="http://www.w3.org/2001/XMLSchema" xmlns:xs="http://www.w3.org/2001/XMLSchema" xmlns:p="http://schemas.microsoft.com/office/2006/metadata/properties" xmlns:ns2="e1a9e197-d112-4abb-aa0c-4ed035d690a3" xmlns:ns3="5d4c14f1-5e26-4315-944b-e10ebb29e5be" targetNamespace="http://schemas.microsoft.com/office/2006/metadata/properties" ma:root="true" ma:fieldsID="798e591f6d3205a21a5c8f3fdff7cfef" ns2:_="" ns3:_="">
     <xsd:import namespace="e1a9e197-d112-4abb-aa0c-4ed035d690a3"/>
@@ -16997,15 +19345,6 @@
 </ct:contentTypeSchema>
 </file>
 
-<file path=customXml/item3.xml><?xml version="1.0" encoding="utf-8"?>
-<?mso-contentType ?>
-<FormTemplates xmlns="http://schemas.microsoft.com/sharepoint/v3/contenttype/forms">
-  <Display>DocumentLibraryForm</Display>
-  <Edit>DocumentLibraryForm</Edit>
-  <New>DocumentLibraryForm</New>
-</FormTemplates>
-</file>
-
 <file path=customXml/itemProps1.xml><?xml version="1.0" encoding="utf-8"?>
 <ds:datastoreItem xmlns:ds="http://schemas.openxmlformats.org/officeDocument/2006/customXml" ds:itemID="{CC1A7FE3-81F7-4596-A188-3EE8D4188E1F}">
   <ds:schemaRefs>
@@ -17024,6 +19363,14 @@
 </file>
 
 <file path=customXml/itemProps2.xml><?xml version="1.0" encoding="utf-8"?>
+<ds:datastoreItem xmlns:ds="http://schemas.openxmlformats.org/officeDocument/2006/customXml" ds:itemID="{E457329C-FB5F-4A4D-B331-82D30E9A7432}">
+  <ds:schemaRefs>
+    <ds:schemaRef ds:uri="http://schemas.microsoft.com/sharepoint/v3/contenttype/forms"/>
+  </ds:schemaRefs>
+</ds:datastoreItem>
+</file>
+
+<file path=customXml/itemProps3.xml><?xml version="1.0" encoding="utf-8"?>
 <ds:datastoreItem xmlns:ds="http://schemas.openxmlformats.org/officeDocument/2006/customXml" ds:itemID="{CDFBE955-EBBF-441B-94AE-DC551CE16727}">
   <ds:schemaRefs>
     <ds:schemaRef ds:uri="http://schemas.microsoft.com/office/2006/metadata/contentType"/>
@@ -17040,12 +19387,4 @@
     <ds:schemaRef ds:uri="http://schemas.microsoft.com/internal/obd"/>
   </ds:schemaRefs>
 </ds:datastoreItem>
-</file>
-
-<file path=customXml/itemProps3.xml><?xml version="1.0" encoding="utf-8"?>
-<ds:datastoreItem xmlns:ds="http://schemas.openxmlformats.org/officeDocument/2006/customXml" ds:itemID="{E457329C-FB5F-4A4D-B331-82D30E9A7432}">
-  <ds:schemaRefs>
-    <ds:schemaRef ds:uri="http://schemas.microsoft.com/sharepoint/v3/contenttype/forms"/>
-  </ds:schemaRefs>
-</ds:datastoreItem>
 </file>